--- a/Презентация с релизами.pptx
+++ b/Презентация с релизами.pptx
@@ -297,7 +297,7 @@
             <a:pPr algn="r">
               <a:buNone/>
             </a:pPr>
-            <a:fld id="{B95B662A-62BE-490B-8681-91E22BA618D7}" type="slidenum">
+            <a:fld id="{0DD1B783-8A7A-4352-93BC-7600100B9F9A}" type="slidenum">
               <a:rPr b="0" lang="ru-RU" sz="1400" spc="-1" strike="noStrike">
                 <a:latin typeface="Times New Roman"/>
               </a:rPr>
@@ -334,7 +334,7 @@
       </p:grpSpPr>
       <p:sp>
         <p:nvSpPr>
-          <p:cNvPr id="91" name="PlaceHolder 1"/>
+          <p:cNvPr id="92" name="PlaceHolder 1"/>
           <p:cNvSpPr>
             <a:spLocks noGrp="1"/>
           </p:cNvSpPr>
@@ -378,7 +378,7 @@
               </a:lnSpc>
               <a:buNone/>
             </a:pPr>
-            <a:fld id="{EE977630-5D63-4402-9498-7A066CE4E0FE}" type="slidenum">
+            <a:fld id="{1CF54E34-0F49-4C65-84D8-8B086E56DFD3}" type="slidenum">
               <a:rPr b="0" lang="ru-RU" sz="1400" spc="-1" strike="noStrike">
                 <a:latin typeface="Arial"/>
                 <a:ea typeface="DejaVu Sans"/>
@@ -393,7 +393,7 @@
       </p:sp>
       <p:sp>
         <p:nvSpPr>
-          <p:cNvPr id="92" name="PlaceHolder 2"/>
+          <p:cNvPr id="93" name="PlaceHolder 2"/>
           <p:cNvSpPr>
             <a:spLocks noGrp="1"/>
           </p:cNvSpPr>
@@ -416,7 +416,7 @@
       </p:sp>
       <p:sp>
         <p:nvSpPr>
-          <p:cNvPr id="93" name="PlaceHolder 3"/>
+          <p:cNvPr id="94" name="PlaceHolder 3"/>
           <p:cNvSpPr>
             <a:spLocks noGrp="1"/>
           </p:cNvSpPr>
@@ -472,7 +472,7 @@
       </p:grpSpPr>
       <p:sp>
         <p:nvSpPr>
-          <p:cNvPr id="94" name="PlaceHolder 1"/>
+          <p:cNvPr id="95" name="PlaceHolder 1"/>
           <p:cNvSpPr>
             <a:spLocks noGrp="1"/>
           </p:cNvSpPr>
@@ -516,7 +516,7 @@
               </a:lnSpc>
               <a:buNone/>
             </a:pPr>
-            <a:fld id="{C16EFFDF-9FD4-4AE5-BA1B-7CE5717D2668}" type="slidenum">
+            <a:fld id="{9867305F-FAD1-4D14-84FF-D594C758CF63}" type="slidenum">
               <a:rPr b="0" lang="ru-RU" sz="1400" spc="-1" strike="noStrike">
                 <a:latin typeface="Arial"/>
                 <a:ea typeface="DejaVu Sans"/>
@@ -531,7 +531,7 @@
       </p:sp>
       <p:sp>
         <p:nvSpPr>
-          <p:cNvPr id="95" name="PlaceHolder 2"/>
+          <p:cNvPr id="96" name="PlaceHolder 2"/>
           <p:cNvSpPr>
             <a:spLocks noGrp="1"/>
           </p:cNvSpPr>
@@ -554,7 +554,7 @@
       </p:sp>
       <p:sp>
         <p:nvSpPr>
-          <p:cNvPr id="96" name="PlaceHolder 3"/>
+          <p:cNvPr id="97" name="PlaceHolder 3"/>
           <p:cNvSpPr>
             <a:spLocks noGrp="1"/>
           </p:cNvSpPr>
@@ -642,7 +642,7 @@
         <p:txBody>
           <a:bodyPr/>
           <a:p>
-            <a:fld id="{65A3E33A-D2AB-442D-83ED-B53E2F943455}" type="slidenum">
+            <a:fld id="{0073917D-EAD4-457C-8026-505327B86073}" type="slidenum">
               <a:t>&lt;#&gt;</a:t>
             </a:fld>
           </a:p>
@@ -854,7 +854,7 @@
         <p:txBody>
           <a:bodyPr/>
           <a:p>
-            <a:fld id="{26BF0225-3CD6-41D9-B9D0-F6C5B14CA720}" type="slidenum">
+            <a:fld id="{83C5DE26-834D-4E40-BA34-438840C068F7}" type="slidenum">
               <a:t>&lt;#&gt;</a:t>
             </a:fld>
           </a:p>
@@ -1158,7 +1158,7 @@
         <p:txBody>
           <a:bodyPr/>
           <a:p>
-            <a:fld id="{66A7FBFC-D465-47FD-A001-C831C83AD0E5}" type="slidenum">
+            <a:fld id="{7736449C-A128-405A-B67F-D6362A08493A}" type="slidenum">
               <a:t>&lt;#&gt;</a:t>
             </a:fld>
           </a:p>
@@ -1554,7 +1554,7 @@
         <p:txBody>
           <a:bodyPr/>
           <a:p>
-            <a:fld id="{3E776C56-2757-4C26-9FED-DAD3B12A17BA}" type="slidenum">
+            <a:fld id="{33E97A3C-86DD-44E1-9042-0B45FC806E3C}" type="slidenum">
               <a:t>&lt;#&gt;</a:t>
             </a:fld>
           </a:p>
@@ -1637,7 +1637,7 @@
         <p:txBody>
           <a:bodyPr/>
           <a:p>
-            <a:fld id="{FD385EEF-BEC6-4A57-8787-FBCEC6D3A30D}" type="slidenum">
+            <a:fld id="{50B7E7C6-C90A-48C2-A1A9-46DF1314B866}" type="slidenum">
               <a:t>&lt;#&gt;</a:t>
             </a:fld>
           </a:p>
@@ -1794,7 +1794,7 @@
         <p:txBody>
           <a:bodyPr/>
           <a:p>
-            <a:fld id="{979AFD61-CA80-461D-B443-A2717967F3C5}" type="slidenum">
+            <a:fld id="{03C6A8D4-1627-47CE-85F7-B0659122872E}" type="slidenum">
               <a:t>&lt;#&gt;</a:t>
             </a:fld>
           </a:p>
@@ -1960,7 +1960,7 @@
         <p:txBody>
           <a:bodyPr/>
           <a:p>
-            <a:fld id="{5ABC6BA7-4419-4414-AC53-8CBF62D0180C}" type="slidenum">
+            <a:fld id="{FFFAC595-C750-4A66-9372-A3C4E6D96981}" type="slidenum">
               <a:t>&lt;#&gt;</a:t>
             </a:fld>
           </a:p>
@@ -2172,7 +2172,7 @@
         <p:txBody>
           <a:bodyPr/>
           <a:p>
-            <a:fld id="{667BD4CB-92D2-4DEE-913E-8C69C40F0654}" type="slidenum">
+            <a:fld id="{7CF6C682-EB22-4430-949C-21B61AF04179}" type="slidenum">
               <a:t>&lt;#&gt;</a:t>
             </a:fld>
           </a:p>
@@ -2292,7 +2292,7 @@
         <p:txBody>
           <a:bodyPr/>
           <a:p>
-            <a:fld id="{9425CC86-A14C-4814-A5F0-80057EFA983F}" type="slidenum">
+            <a:fld id="{A0FDDDCC-5AF6-43EA-86AD-CC65CAE47946}" type="slidenum">
               <a:t>&lt;#&gt;</a:t>
             </a:fld>
           </a:p>
@@ -2412,7 +2412,7 @@
         <p:txBody>
           <a:bodyPr/>
           <a:p>
-            <a:fld id="{15114B1A-F884-4165-A921-E5A4F4E9267D}" type="slidenum">
+            <a:fld id="{949179CC-1150-4593-AD10-3731279AD4C1}" type="slidenum">
               <a:t>&lt;#&gt;</a:t>
             </a:fld>
           </a:p>
@@ -2670,7 +2670,7 @@
         <p:txBody>
           <a:bodyPr/>
           <a:p>
-            <a:fld id="{6B9DE28D-A404-46CF-80C5-B908066900B6}" type="slidenum">
+            <a:fld id="{6F9A700B-6CDB-4B07-8FAE-E7B107ABCCED}" type="slidenum">
               <a:t>&lt;#&gt;</a:t>
             </a:fld>
           </a:p>
@@ -2827,7 +2827,7 @@
         <p:txBody>
           <a:bodyPr/>
           <a:p>
-            <a:fld id="{5276E39E-500C-4399-9361-FF2DA82B998C}" type="slidenum">
+            <a:fld id="{F623FA25-AC2A-47C6-A561-A98A5BA0D676}" type="slidenum">
               <a:t>&lt;#&gt;</a:t>
             </a:fld>
           </a:p>
@@ -3085,7 +3085,7 @@
         <p:txBody>
           <a:bodyPr/>
           <a:p>
-            <a:fld id="{7D0FA7C4-AA2F-4CFC-AC64-B0083F4CC7F0}" type="slidenum">
+            <a:fld id="{D6A40B65-F429-4558-81AA-CA86F56B4FA9}" type="slidenum">
               <a:t>&lt;#&gt;</a:t>
             </a:fld>
           </a:p>
@@ -3343,7 +3343,7 @@
         <p:txBody>
           <a:bodyPr/>
           <a:p>
-            <a:fld id="{BBEBBFE4-50F8-498E-91DD-03C26E6DEB57}" type="slidenum">
+            <a:fld id="{2AEB5D3F-8BEB-4C9E-A076-45AB8C4FD2A7}" type="slidenum">
               <a:t>&lt;#&gt;</a:t>
             </a:fld>
           </a:p>
@@ -3555,7 +3555,7 @@
         <p:txBody>
           <a:bodyPr/>
           <a:p>
-            <a:fld id="{F21ED9D4-BB6C-4F26-BA38-7DE16398D54A}" type="slidenum">
+            <a:fld id="{0D1CFC7C-5EA9-4301-B1D4-248EBEB43A07}" type="slidenum">
               <a:t>&lt;#&gt;</a:t>
             </a:fld>
           </a:p>
@@ -3859,7 +3859,7 @@
         <p:txBody>
           <a:bodyPr/>
           <a:p>
-            <a:fld id="{D61C86E6-E306-4C3C-9C73-F6FC2C72C906}" type="slidenum">
+            <a:fld id="{9B89FEBB-A5F8-45BF-AA70-EF921E6DDE6F}" type="slidenum">
               <a:t>&lt;#&gt;</a:t>
             </a:fld>
           </a:p>
@@ -4255,7 +4255,7 @@
         <p:txBody>
           <a:bodyPr/>
           <a:p>
-            <a:fld id="{655CA231-E267-4025-99C0-4E10D91C195D}" type="slidenum">
+            <a:fld id="{44BDF182-A611-4C28-83C1-1A4D0C93E641}" type="slidenum">
               <a:t>&lt;#&gt;</a:t>
             </a:fld>
           </a:p>
@@ -4421,7 +4421,7 @@
         <p:txBody>
           <a:bodyPr/>
           <a:p>
-            <a:fld id="{42EC23F9-8A33-48FF-8D0A-E67A21730F5B}" type="slidenum">
+            <a:fld id="{DF1756B3-A2FB-4051-BB7F-39A4AF150854}" type="slidenum">
               <a:t>&lt;#&gt;</a:t>
             </a:fld>
           </a:p>
@@ -4633,7 +4633,7 @@
         <p:txBody>
           <a:bodyPr/>
           <a:p>
-            <a:fld id="{748E0D38-FB7D-4E65-8359-018D8842C139}" type="slidenum">
+            <a:fld id="{F78E4333-AC19-498B-B0B0-BB90775B641E}" type="slidenum">
               <a:t>&lt;#&gt;</a:t>
             </a:fld>
           </a:p>
@@ -4753,7 +4753,7 @@
         <p:txBody>
           <a:bodyPr/>
           <a:p>
-            <a:fld id="{6C00DD19-C713-4355-8F2B-65979C4383D9}" type="slidenum">
+            <a:fld id="{9F40E164-918B-450A-B4A9-4645BB78A4D0}" type="slidenum">
               <a:t>&lt;#&gt;</a:t>
             </a:fld>
           </a:p>
@@ -4873,7 +4873,7 @@
         <p:txBody>
           <a:bodyPr/>
           <a:p>
-            <a:fld id="{5DA76F3D-108F-41B1-87B4-4519F76E8E5F}" type="slidenum">
+            <a:fld id="{B0972600-4829-490E-A121-BD5B64FD807B}" type="slidenum">
               <a:t>&lt;#&gt;</a:t>
             </a:fld>
           </a:p>
@@ -5131,7 +5131,7 @@
         <p:txBody>
           <a:bodyPr/>
           <a:p>
-            <a:fld id="{871AC0DF-0EFC-4D9A-9DED-BC2C3F43F87E}" type="slidenum">
+            <a:fld id="{AEC633AA-B617-4A1B-A17D-C0FC79670749}" type="slidenum">
               <a:t>&lt;#&gt;</a:t>
             </a:fld>
           </a:p>
@@ -5389,7 +5389,7 @@
         <p:txBody>
           <a:bodyPr/>
           <a:p>
-            <a:fld id="{868E4958-5468-4806-99E6-B5881A0A5230}" type="slidenum">
+            <a:fld id="{22D24B56-43D5-49F6-9281-8095F54410FF}" type="slidenum">
               <a:t>&lt;#&gt;</a:t>
             </a:fld>
           </a:p>
@@ -5647,7 +5647,7 @@
         <p:txBody>
           <a:bodyPr/>
           <a:p>
-            <a:fld id="{F4AC7AC4-BC63-445A-9399-C877CBC386CC}" type="slidenum">
+            <a:fld id="{195950E9-312F-4789-8A6F-07F5AA8B49D5}" type="slidenum">
               <a:t>&lt;#&gt;</a:t>
             </a:fld>
           </a:p>
@@ -5742,7 +5742,7 @@
               <a:rPr b="0" lang="ru-RU" sz="1400" spc="-1" strike="noStrike">
                 <a:latin typeface="Times New Roman"/>
               </a:rPr>
-              <a:t>&lt;дата/время&gt;</a:t>
+              <a:t> </a:t>
             </a:r>
             <a:endParaRPr b="0" lang="ru-RU" sz="1400" spc="-1" strike="noStrike">
               <a:latin typeface="Times New Roman"/>
@@ -5793,7 +5793,7 @@
               <a:rPr b="0" lang="ru-RU" sz="1400" spc="-1" strike="noStrike">
                 <a:latin typeface="Times New Roman"/>
               </a:rPr>
-              <a:t>&lt;нижний колонтитул&gt;</a:t>
+              <a:t> </a:t>
             </a:r>
             <a:endParaRPr b="0" lang="ru-RU" sz="1400" spc="-1" strike="noStrike">
               <a:latin typeface="Times New Roman"/>
@@ -5849,14 +5849,14 @@
               </a:lnSpc>
               <a:buNone/>
             </a:pPr>
-            <a:fld id="{30F882EA-24E1-400E-ACB7-B45B6E7DA8A3}" type="slidenum">
+            <a:fld id="{22D30F66-FE1E-4814-88A1-690F9D164310}" type="slidenum">
               <a:rPr b="0" lang="ru-RU" sz="989" spc="-1" strike="noStrike">
                 <a:solidFill>
                   <a:srgbClr val="8b8b8b"/>
                 </a:solidFill>
                 <a:latin typeface="Calibri"/>
               </a:rPr>
-              <a:t>&lt;номер&gt;</a:t>
+              <a:t>2</a:t>
             </a:fld>
             <a:endParaRPr b="0" lang="ru-RU" sz="989" spc="-1" strike="noStrike">
               <a:latin typeface="Times New Roman"/>
@@ -5899,7 +5899,25 @@
                 </a:solidFill>
                 <a:latin typeface="Calibri"/>
               </a:rPr>
-              <a:t>Для правки текста заглавия щёлкните мышью</a:t>
+              <a:t>Для правки текста </a:t>
+            </a:r>
+            <a:r>
+              <a:rPr b="0" lang="ru-RU" sz="1800" spc="-1" strike="noStrike">
+                <a:solidFill>
+                  <a:srgbClr val="000000"/>
+                </a:solidFill>
+                <a:latin typeface="Calibri"/>
+              </a:rPr>
+              <a:t>заглавия щёлкните </a:t>
+            </a:r>
+            <a:r>
+              <a:rPr b="0" lang="ru-RU" sz="1800" spc="-1" strike="noStrike">
+                <a:solidFill>
+                  <a:srgbClr val="000000"/>
+                </a:solidFill>
+                <a:latin typeface="Calibri"/>
+              </a:rPr>
+              <a:t>мышью</a:t>
             </a:r>
             <a:endParaRPr b="0" lang="ru-RU" sz="1800" spc="-1" strike="noStrike">
               <a:solidFill>
@@ -6346,7 +6364,7 @@
               </a:lnSpc>
               <a:buNone/>
             </a:pPr>
-            <a:fld id="{5C2D1ED3-DE76-45F3-A694-2B68709FF4B4}" type="slidenum">
+            <a:fld id="{CAF1D7ED-F239-40D0-B0D3-6026658ADD99}" type="slidenum">
               <a:rPr b="0" lang="ru-RU" sz="989" spc="-1" strike="noStrike">
                 <a:solidFill>
                   <a:srgbClr val="8b8b8b"/>
@@ -6823,7 +6841,7 @@
         </p:blipFill>
         <p:spPr>
           <a:xfrm>
-            <a:off x="0" y="1253880"/>
+            <a:off x="-360" y="1073880"/>
             <a:ext cx="10080360" cy="1266120"/>
           </a:xfrm>
           <a:prstGeom prst="rect">
@@ -6834,6 +6852,42 @@
           </a:ln>
         </p:spPr>
       </p:pic>
+      <p:sp>
+        <p:nvSpPr>
+          <p:cNvPr id="91" name=""/>
+          <p:cNvSpPr txBox="1"/>
+          <p:nvPr/>
+        </p:nvSpPr>
+        <p:spPr>
+          <a:xfrm>
+            <a:off x="3425760" y="720000"/>
+            <a:ext cx="2197080" cy="346320"/>
+          </a:xfrm>
+          <a:prstGeom prst="rect">
+            <a:avLst/>
+          </a:prstGeom>
+          <a:noFill/>
+          <a:ln w="0">
+            <a:noFill/>
+          </a:ln>
+        </p:spPr>
+        <p:txBody>
+          <a:bodyPr lIns="90000" rIns="90000" tIns="45000" bIns="45000" anchor="t">
+            <a:noAutofit/>
+          </a:bodyPr>
+          <a:p>
+            <a:r>
+              <a:rPr b="0" lang="ru-RU" sz="1800" spc="-1" strike="noStrike">
+                <a:latin typeface="Arial"/>
+              </a:rPr>
+              <a:t>Раздел с задачами</a:t>
+            </a:r>
+            <a:endParaRPr b="0" lang="ru-RU" sz="1800" spc="-1" strike="noStrike">
+              <a:latin typeface="Arial"/>
+            </a:endParaRPr>
+          </a:p>
+        </p:txBody>
+      </p:sp>
     </p:spTree>
   </p:cSld>
   <mc:AlternateContent>

--- a/Презентация с релизами.pptx
+++ b/Презентация с релизами.pptx
@@ -11,6 +11,7 @@
   <p:sldIdLst>
     <p:sldId id="256" r:id="rId5"/>
     <p:sldId id="257" r:id="rId6"/>
+    <p:sldId id="258" r:id="rId7"/>
   </p:sldIdLst>
   <p:sldSz cx="10080625" cy="5670550"/>
   <p:notesSz cx="7559675" cy="10691813"/>
@@ -62,20 +63,17 @@
             <a:noAutofit/>
           </a:bodyPr>
           <a:p>
-            <a:r>
-              <a:rPr b="0" lang="ru-RU" sz="1800" spc="-1" strike="noStrike">
-                <a:solidFill>
-                  <a:srgbClr val="000000"/>
-                </a:solidFill>
-                <a:latin typeface="Calibri"/>
+            <a:pPr algn="ctr">
+              <a:buNone/>
+            </a:pPr>
+            <a:r>
+              <a:rPr b="0" lang="ru-RU" sz="4400" spc="-1" strike="noStrike">
+                <a:latin typeface="Arial"/>
               </a:rPr>
               <a:t>Для перемещения страницы щёлкните мышью</a:t>
             </a:r>
-            <a:endParaRPr b="0" lang="ru-RU" sz="1800" spc="-1" strike="noStrike">
-              <a:solidFill>
-                <a:srgbClr val="000000"/>
-              </a:solidFill>
-              <a:latin typeface="Calibri"/>
+            <a:endParaRPr b="0" lang="ru-RU" sz="4400" spc="-1" strike="noStrike">
+              <a:latin typeface="Arial"/>
             </a:endParaRPr>
           </a:p>
         </p:txBody>
@@ -297,7 +295,7 @@
             <a:pPr algn="r">
               <a:buNone/>
             </a:pPr>
-            <a:fld id="{0DD1B783-8A7A-4352-93BC-7600100B9F9A}" type="slidenum">
+            <a:fld id="{35123C62-3DED-4AA0-A5B1-137EA09D5D48}" type="slidenum">
               <a:rPr b="0" lang="ru-RU" sz="1400" spc="-1" strike="noStrike">
                 <a:latin typeface="Times New Roman"/>
               </a:rPr>
@@ -334,7 +332,7 @@
       </p:grpSpPr>
       <p:sp>
         <p:nvSpPr>
-          <p:cNvPr id="92" name="PlaceHolder 1"/>
+          <p:cNvPr id="96" name="PlaceHolder 1"/>
           <p:cNvSpPr>
             <a:spLocks noGrp="1"/>
           </p:cNvSpPr>
@@ -345,7 +343,7 @@
         <p:spPr>
           <a:xfrm>
             <a:off x="4278960" y="10157400"/>
-            <a:ext cx="3280320" cy="533880"/>
+            <a:ext cx="3279960" cy="533520"/>
           </a:xfrm>
           <a:prstGeom prst="rect">
             <a:avLst/>
@@ -378,7 +376,7 @@
               </a:lnSpc>
               <a:buNone/>
             </a:pPr>
-            <a:fld id="{1CF54E34-0F49-4C65-84D8-8B086E56DFD3}" type="slidenum">
+            <a:fld id="{8AF22E42-440B-49A8-B03F-FF0EE4D598EA}" type="slidenum">
               <a:rPr b="0" lang="ru-RU" sz="1400" spc="-1" strike="noStrike">
                 <a:latin typeface="Arial"/>
                 <a:ea typeface="DejaVu Sans"/>
@@ -393,7 +391,7 @@
       </p:sp>
       <p:sp>
         <p:nvSpPr>
-          <p:cNvPr id="93" name="PlaceHolder 2"/>
+          <p:cNvPr id="97" name="PlaceHolder 2"/>
           <p:cNvSpPr>
             <a:spLocks noGrp="1"/>
           </p:cNvSpPr>
@@ -404,19 +402,19 @@
         <p:spPr>
           <a:xfrm>
             <a:off x="217440" y="812880"/>
-            <a:ext cx="7124400" cy="4008240"/>
-          </a:xfrm>
-          <a:prstGeom prst="rect">
-            <a:avLst/>
-          </a:prstGeom>
-          <a:ln w="0">
-            <a:noFill/>
-          </a:ln>
-        </p:spPr>
-      </p:sp>
-      <p:sp>
-        <p:nvSpPr>
-          <p:cNvPr id="94" name="PlaceHolder 3"/>
+            <a:ext cx="7124040" cy="4007880"/>
+          </a:xfrm>
+          <a:prstGeom prst="rect">
+            <a:avLst/>
+          </a:prstGeom>
+          <a:ln w="0">
+            <a:noFill/>
+          </a:ln>
+        </p:spPr>
+      </p:sp>
+      <p:sp>
+        <p:nvSpPr>
+          <p:cNvPr id="98" name="PlaceHolder 3"/>
           <p:cNvSpPr>
             <a:spLocks noGrp="1"/>
           </p:cNvSpPr>
@@ -427,7 +425,7 @@
         <p:spPr>
           <a:xfrm>
             <a:off x="756000" y="5078520"/>
-            <a:ext cx="6047280" cy="4811040"/>
+            <a:ext cx="6046920" cy="4810680"/>
           </a:xfrm>
           <a:prstGeom prst="rect">
             <a:avLst/>
@@ -472,7 +470,7 @@
       </p:grpSpPr>
       <p:sp>
         <p:nvSpPr>
-          <p:cNvPr id="95" name="PlaceHolder 1"/>
+          <p:cNvPr id="99" name="PlaceHolder 1"/>
           <p:cNvSpPr>
             <a:spLocks noGrp="1"/>
           </p:cNvSpPr>
@@ -483,7 +481,7 @@
         <p:spPr>
           <a:xfrm>
             <a:off x="4278960" y="10157400"/>
-            <a:ext cx="3280320" cy="533880"/>
+            <a:ext cx="3279960" cy="533520"/>
           </a:xfrm>
           <a:prstGeom prst="rect">
             <a:avLst/>
@@ -516,7 +514,7 @@
               </a:lnSpc>
               <a:buNone/>
             </a:pPr>
-            <a:fld id="{9867305F-FAD1-4D14-84FF-D594C758CF63}" type="slidenum">
+            <a:fld id="{5D4AB2D8-E68C-4883-B412-8C8EA54625F0}" type="slidenum">
               <a:rPr b="0" lang="ru-RU" sz="1400" spc="-1" strike="noStrike">
                 <a:latin typeface="Arial"/>
                 <a:ea typeface="DejaVu Sans"/>
@@ -531,7 +529,7 @@
       </p:sp>
       <p:sp>
         <p:nvSpPr>
-          <p:cNvPr id="96" name="PlaceHolder 2"/>
+          <p:cNvPr id="100" name="PlaceHolder 2"/>
           <p:cNvSpPr>
             <a:spLocks noGrp="1"/>
           </p:cNvSpPr>
@@ -542,19 +540,19 @@
         <p:spPr>
           <a:xfrm>
             <a:off x="217440" y="812880"/>
-            <a:ext cx="7124400" cy="4008240"/>
-          </a:xfrm>
-          <a:prstGeom prst="rect">
-            <a:avLst/>
-          </a:prstGeom>
-          <a:ln w="0">
-            <a:noFill/>
-          </a:ln>
-        </p:spPr>
-      </p:sp>
-      <p:sp>
-        <p:nvSpPr>
-          <p:cNvPr id="97" name="PlaceHolder 3"/>
+            <a:ext cx="7124040" cy="4007880"/>
+          </a:xfrm>
+          <a:prstGeom prst="rect">
+            <a:avLst/>
+          </a:prstGeom>
+          <a:ln w="0">
+            <a:noFill/>
+          </a:ln>
+        </p:spPr>
+      </p:sp>
+      <p:sp>
+        <p:nvSpPr>
+          <p:cNvPr id="101" name="PlaceHolder 3"/>
           <p:cNvSpPr>
             <a:spLocks noGrp="1"/>
           </p:cNvSpPr>
@@ -565,7 +563,7 @@
         <p:spPr>
           <a:xfrm>
             <a:off x="756000" y="5078520"/>
-            <a:ext cx="6047280" cy="4811040"/>
+            <a:ext cx="6046920" cy="4810680"/>
           </a:xfrm>
           <a:prstGeom prst="rect">
             <a:avLst/>
@@ -615,7 +613,7 @@
             <a:spLocks noGrp="1"/>
           </p:cNvSpPr>
           <p:nvPr>
-            <p:ph type="ftr" idx="2"/>
+            <p:ph type="ftr" idx="1"/>
           </p:nvPr>
         </p:nvSpPr>
         <p:spPr/>
@@ -635,14 +633,14 @@
             <a:spLocks noGrp="1"/>
           </p:cNvSpPr>
           <p:nvPr>
-            <p:ph type="sldNum" idx="3"/>
-          </p:nvPr>
-        </p:nvSpPr>
-        <p:spPr/>
-        <p:txBody>
-          <a:bodyPr/>
-          <a:p>
-            <a:fld id="{0073917D-EAD4-457C-8026-505327B86073}" type="slidenum">
+            <p:ph type="sldNum" idx="2"/>
+          </p:nvPr>
+        </p:nvSpPr>
+        <p:spPr/>
+        <p:txBody>
+          <a:bodyPr/>
+          <a:p>
+            <a:fld id="{EEFFF6EE-FB39-4FAB-8D90-241AA117FB18}" type="slidenum">
               <a:t>&lt;#&gt;</a:t>
             </a:fld>
           </a:p>
@@ -655,7 +653,7 @@
             <a:spLocks noGrp="1"/>
           </p:cNvSpPr>
           <p:nvPr>
-            <p:ph type="dt" idx="1"/>
+            <p:ph type="dt" idx="3"/>
           </p:nvPr>
         </p:nvSpPr>
         <p:spPr/>
@@ -703,8 +701,8 @@
         </p:nvSpPr>
         <p:spPr>
           <a:xfrm>
-            <a:off x="504000" y="226080"/>
-            <a:ext cx="9072000" cy="946440"/>
+            <a:off x="504000" y="74160"/>
+            <a:ext cx="9072000" cy="1250280"/>
           </a:xfrm>
           <a:prstGeom prst="rect">
             <a:avLst/>
@@ -719,11 +717,11 @@
             <a:noAutofit/>
           </a:bodyPr>
           <a:p>
-            <a:endParaRPr b="0" lang="ru-RU" sz="1800" spc="-1" strike="noStrike">
-              <a:solidFill>
-                <a:srgbClr val="000000"/>
-              </a:solidFill>
-              <a:latin typeface="Calibri"/>
+            <a:pPr algn="ctr">
+              <a:buNone/>
+            </a:pPr>
+            <a:endParaRPr b="0" lang="ru-RU" sz="4400" spc="-1" strike="noStrike">
+              <a:latin typeface="Arial"/>
             </a:endParaRPr>
           </a:p>
         </p:txBody>
@@ -756,20 +754,8 @@
             <a:normAutofit/>
           </a:bodyPr>
           <a:p>
-            <a:pPr>
-              <a:lnSpc>
-                <a:spcPct val="90000"/>
-              </a:lnSpc>
-              <a:spcBef>
-                <a:spcPts val="1417"/>
-              </a:spcBef>
-              <a:buNone/>
-            </a:pPr>
-            <a:endParaRPr b="0" lang="ru-RU" sz="2320" spc="-1" strike="noStrike">
-              <a:solidFill>
-                <a:srgbClr val="000000"/>
-              </a:solidFill>
-              <a:latin typeface="Calibri"/>
+            <a:endParaRPr b="0" lang="ru-RU" sz="3200" spc="-1" strike="noStrike">
+              <a:latin typeface="Arial"/>
             </a:endParaRPr>
           </a:p>
         </p:txBody>
@@ -802,20 +788,8 @@
             <a:normAutofit/>
           </a:bodyPr>
           <a:p>
-            <a:pPr>
-              <a:lnSpc>
-                <a:spcPct val="90000"/>
-              </a:lnSpc>
-              <a:spcBef>
-                <a:spcPts val="1417"/>
-              </a:spcBef>
-              <a:buNone/>
-            </a:pPr>
-            <a:endParaRPr b="0" lang="ru-RU" sz="2320" spc="-1" strike="noStrike">
-              <a:solidFill>
-                <a:srgbClr val="000000"/>
-              </a:solidFill>
-              <a:latin typeface="Calibri"/>
+            <a:endParaRPr b="0" lang="ru-RU" sz="3200" spc="-1" strike="noStrike">
+              <a:latin typeface="Arial"/>
             </a:endParaRPr>
           </a:p>
         </p:txBody>
@@ -827,7 +801,7 @@
             <a:spLocks noGrp="1"/>
           </p:cNvSpPr>
           <p:nvPr>
-            <p:ph type="ftr" idx="2"/>
+            <p:ph type="ftr" idx="1"/>
           </p:nvPr>
         </p:nvSpPr>
         <p:spPr/>
@@ -847,14 +821,14 @@
             <a:spLocks noGrp="1"/>
           </p:cNvSpPr>
           <p:nvPr>
-            <p:ph type="sldNum" idx="3"/>
-          </p:nvPr>
-        </p:nvSpPr>
-        <p:spPr/>
-        <p:txBody>
-          <a:bodyPr/>
-          <a:p>
-            <a:fld id="{83C5DE26-834D-4E40-BA34-438840C068F7}" type="slidenum">
+            <p:ph type="sldNum" idx="2"/>
+          </p:nvPr>
+        </p:nvSpPr>
+        <p:spPr/>
+        <p:txBody>
+          <a:bodyPr/>
+          <a:p>
+            <a:fld id="{AE87BABE-8BBE-4E86-89CF-D9265D1756B1}" type="slidenum">
               <a:t>&lt;#&gt;</a:t>
             </a:fld>
           </a:p>
@@ -867,7 +841,7 @@
             <a:spLocks noGrp="1"/>
           </p:cNvSpPr>
           <p:nvPr>
-            <p:ph type="dt" idx="1"/>
+            <p:ph type="dt" idx="3"/>
           </p:nvPr>
         </p:nvSpPr>
         <p:spPr/>
@@ -915,8 +889,8 @@
         </p:nvSpPr>
         <p:spPr>
           <a:xfrm>
-            <a:off x="504000" y="226080"/>
-            <a:ext cx="9072000" cy="946440"/>
+            <a:off x="504000" y="74160"/>
+            <a:ext cx="9072000" cy="1250280"/>
           </a:xfrm>
           <a:prstGeom prst="rect">
             <a:avLst/>
@@ -931,11 +905,11 @@
             <a:noAutofit/>
           </a:bodyPr>
           <a:p>
-            <a:endParaRPr b="0" lang="ru-RU" sz="1800" spc="-1" strike="noStrike">
-              <a:solidFill>
-                <a:srgbClr val="000000"/>
-              </a:solidFill>
-              <a:latin typeface="Calibri"/>
+            <a:pPr algn="ctr">
+              <a:buNone/>
+            </a:pPr>
+            <a:endParaRPr b="0" lang="ru-RU" sz="4400" spc="-1" strike="noStrike">
+              <a:latin typeface="Arial"/>
             </a:endParaRPr>
           </a:p>
         </p:txBody>
@@ -968,20 +942,8 @@
             <a:normAutofit/>
           </a:bodyPr>
           <a:p>
-            <a:pPr>
-              <a:lnSpc>
-                <a:spcPct val="90000"/>
-              </a:lnSpc>
-              <a:spcBef>
-                <a:spcPts val="1417"/>
-              </a:spcBef>
-              <a:buNone/>
-            </a:pPr>
-            <a:endParaRPr b="0" lang="ru-RU" sz="2320" spc="-1" strike="noStrike">
-              <a:solidFill>
-                <a:srgbClr val="000000"/>
-              </a:solidFill>
-              <a:latin typeface="Calibri"/>
+            <a:endParaRPr b="0" lang="ru-RU" sz="3200" spc="-1" strike="noStrike">
+              <a:latin typeface="Arial"/>
             </a:endParaRPr>
           </a:p>
         </p:txBody>
@@ -1014,20 +976,8 @@
             <a:normAutofit/>
           </a:bodyPr>
           <a:p>
-            <a:pPr>
-              <a:lnSpc>
-                <a:spcPct val="90000"/>
-              </a:lnSpc>
-              <a:spcBef>
-                <a:spcPts val="1417"/>
-              </a:spcBef>
-              <a:buNone/>
-            </a:pPr>
-            <a:endParaRPr b="0" lang="ru-RU" sz="2320" spc="-1" strike="noStrike">
-              <a:solidFill>
-                <a:srgbClr val="000000"/>
-              </a:solidFill>
-              <a:latin typeface="Calibri"/>
+            <a:endParaRPr b="0" lang="ru-RU" sz="3200" spc="-1" strike="noStrike">
+              <a:latin typeface="Arial"/>
             </a:endParaRPr>
           </a:p>
         </p:txBody>
@@ -1060,20 +1010,8 @@
             <a:normAutofit/>
           </a:bodyPr>
           <a:p>
-            <a:pPr>
-              <a:lnSpc>
-                <a:spcPct val="90000"/>
-              </a:lnSpc>
-              <a:spcBef>
-                <a:spcPts val="1417"/>
-              </a:spcBef>
-              <a:buNone/>
-            </a:pPr>
-            <a:endParaRPr b="0" lang="ru-RU" sz="2320" spc="-1" strike="noStrike">
-              <a:solidFill>
-                <a:srgbClr val="000000"/>
-              </a:solidFill>
-              <a:latin typeface="Calibri"/>
+            <a:endParaRPr b="0" lang="ru-RU" sz="3200" spc="-1" strike="noStrike">
+              <a:latin typeface="Arial"/>
             </a:endParaRPr>
           </a:p>
         </p:txBody>
@@ -1106,20 +1044,8 @@
             <a:normAutofit/>
           </a:bodyPr>
           <a:p>
-            <a:pPr>
-              <a:lnSpc>
-                <a:spcPct val="90000"/>
-              </a:lnSpc>
-              <a:spcBef>
-                <a:spcPts val="1417"/>
-              </a:spcBef>
-              <a:buNone/>
-            </a:pPr>
-            <a:endParaRPr b="0" lang="ru-RU" sz="2320" spc="-1" strike="noStrike">
-              <a:solidFill>
-                <a:srgbClr val="000000"/>
-              </a:solidFill>
-              <a:latin typeface="Calibri"/>
+            <a:endParaRPr b="0" lang="ru-RU" sz="3200" spc="-1" strike="noStrike">
+              <a:latin typeface="Arial"/>
             </a:endParaRPr>
           </a:p>
         </p:txBody>
@@ -1131,7 +1057,7 @@
             <a:spLocks noGrp="1"/>
           </p:cNvSpPr>
           <p:nvPr>
-            <p:ph type="ftr" idx="2"/>
+            <p:ph type="ftr" idx="1"/>
           </p:nvPr>
         </p:nvSpPr>
         <p:spPr/>
@@ -1151,14 +1077,14 @@
             <a:spLocks noGrp="1"/>
           </p:cNvSpPr>
           <p:nvPr>
-            <p:ph type="sldNum" idx="3"/>
-          </p:nvPr>
-        </p:nvSpPr>
-        <p:spPr/>
-        <p:txBody>
-          <a:bodyPr/>
-          <a:p>
-            <a:fld id="{7736449C-A128-405A-B67F-D6362A08493A}" type="slidenum">
+            <p:ph type="sldNum" idx="2"/>
+          </p:nvPr>
+        </p:nvSpPr>
+        <p:spPr/>
+        <p:txBody>
+          <a:bodyPr/>
+          <a:p>
+            <a:fld id="{953CFE63-66AF-4678-9711-44A26AF2323F}" type="slidenum">
               <a:t>&lt;#&gt;</a:t>
             </a:fld>
           </a:p>
@@ -1171,7 +1097,7 @@
             <a:spLocks noGrp="1"/>
           </p:cNvSpPr>
           <p:nvPr>
-            <p:ph type="dt" idx="1"/>
+            <p:ph type="dt" idx="3"/>
           </p:nvPr>
         </p:nvSpPr>
         <p:spPr/>
@@ -1219,8 +1145,8 @@
         </p:nvSpPr>
         <p:spPr>
           <a:xfrm>
-            <a:off x="504000" y="226080"/>
-            <a:ext cx="9072000" cy="946440"/>
+            <a:off x="504000" y="74160"/>
+            <a:ext cx="9072000" cy="1250280"/>
           </a:xfrm>
           <a:prstGeom prst="rect">
             <a:avLst/>
@@ -1235,11 +1161,11 @@
             <a:noAutofit/>
           </a:bodyPr>
           <a:p>
-            <a:endParaRPr b="0" lang="ru-RU" sz="1800" spc="-1" strike="noStrike">
-              <a:solidFill>
-                <a:srgbClr val="000000"/>
-              </a:solidFill>
-              <a:latin typeface="Calibri"/>
+            <a:pPr algn="ctr">
+              <a:buNone/>
+            </a:pPr>
+            <a:endParaRPr b="0" lang="ru-RU" sz="4400" spc="-1" strike="noStrike">
+              <a:latin typeface="Arial"/>
             </a:endParaRPr>
           </a:p>
         </p:txBody>
@@ -1269,23 +1195,11 @@
         </p:spPr>
         <p:txBody>
           <a:bodyPr lIns="0" rIns="0" tIns="0" bIns="0" anchor="t">
-            <a:normAutofit/>
-          </a:bodyPr>
-          <a:p>
-            <a:pPr>
-              <a:lnSpc>
-                <a:spcPct val="90000"/>
-              </a:lnSpc>
-              <a:spcBef>
-                <a:spcPts val="1417"/>
-              </a:spcBef>
-              <a:buNone/>
-            </a:pPr>
-            <a:endParaRPr b="0" lang="ru-RU" sz="2320" spc="-1" strike="noStrike">
-              <a:solidFill>
-                <a:srgbClr val="000000"/>
-              </a:solidFill>
-              <a:latin typeface="Calibri"/>
+            <a:normAutofit fontScale="82000"/>
+          </a:bodyPr>
+          <a:p>
+            <a:endParaRPr b="0" lang="ru-RU" sz="3200" spc="-1" strike="noStrike">
+              <a:latin typeface="Arial"/>
             </a:endParaRPr>
           </a:p>
         </p:txBody>
@@ -1315,23 +1229,11 @@
         </p:spPr>
         <p:txBody>
           <a:bodyPr lIns="0" rIns="0" tIns="0" bIns="0" anchor="t">
-            <a:normAutofit/>
-          </a:bodyPr>
-          <a:p>
-            <a:pPr>
-              <a:lnSpc>
-                <a:spcPct val="90000"/>
-              </a:lnSpc>
-              <a:spcBef>
-                <a:spcPts val="1417"/>
-              </a:spcBef>
-              <a:buNone/>
-            </a:pPr>
-            <a:endParaRPr b="0" lang="ru-RU" sz="2320" spc="-1" strike="noStrike">
-              <a:solidFill>
-                <a:srgbClr val="000000"/>
-              </a:solidFill>
-              <a:latin typeface="Calibri"/>
+            <a:normAutofit fontScale="82000"/>
+          </a:bodyPr>
+          <a:p>
+            <a:endParaRPr b="0" lang="ru-RU" sz="3200" spc="-1" strike="noStrike">
+              <a:latin typeface="Arial"/>
             </a:endParaRPr>
           </a:p>
         </p:txBody>
@@ -1361,23 +1263,11 @@
         </p:spPr>
         <p:txBody>
           <a:bodyPr lIns="0" rIns="0" tIns="0" bIns="0" anchor="t">
-            <a:normAutofit/>
-          </a:bodyPr>
-          <a:p>
-            <a:pPr>
-              <a:lnSpc>
-                <a:spcPct val="90000"/>
-              </a:lnSpc>
-              <a:spcBef>
-                <a:spcPts val="1417"/>
-              </a:spcBef>
-              <a:buNone/>
-            </a:pPr>
-            <a:endParaRPr b="0" lang="ru-RU" sz="2320" spc="-1" strike="noStrike">
-              <a:solidFill>
-                <a:srgbClr val="000000"/>
-              </a:solidFill>
-              <a:latin typeface="Calibri"/>
+            <a:normAutofit fontScale="82000"/>
+          </a:bodyPr>
+          <a:p>
+            <a:endParaRPr b="0" lang="ru-RU" sz="3200" spc="-1" strike="noStrike">
+              <a:latin typeface="Arial"/>
             </a:endParaRPr>
           </a:p>
         </p:txBody>
@@ -1407,23 +1297,11 @@
         </p:spPr>
         <p:txBody>
           <a:bodyPr lIns="0" rIns="0" tIns="0" bIns="0" anchor="t">
-            <a:normAutofit/>
-          </a:bodyPr>
-          <a:p>
-            <a:pPr>
-              <a:lnSpc>
-                <a:spcPct val="90000"/>
-              </a:lnSpc>
-              <a:spcBef>
-                <a:spcPts val="1417"/>
-              </a:spcBef>
-              <a:buNone/>
-            </a:pPr>
-            <a:endParaRPr b="0" lang="ru-RU" sz="2320" spc="-1" strike="noStrike">
-              <a:solidFill>
-                <a:srgbClr val="000000"/>
-              </a:solidFill>
-              <a:latin typeface="Calibri"/>
+            <a:normAutofit fontScale="82000"/>
+          </a:bodyPr>
+          <a:p>
+            <a:endParaRPr b="0" lang="ru-RU" sz="3200" spc="-1" strike="noStrike">
+              <a:latin typeface="Arial"/>
             </a:endParaRPr>
           </a:p>
         </p:txBody>
@@ -1453,23 +1331,11 @@
         </p:spPr>
         <p:txBody>
           <a:bodyPr lIns="0" rIns="0" tIns="0" bIns="0" anchor="t">
-            <a:normAutofit/>
-          </a:bodyPr>
-          <a:p>
-            <a:pPr>
-              <a:lnSpc>
-                <a:spcPct val="90000"/>
-              </a:lnSpc>
-              <a:spcBef>
-                <a:spcPts val="1417"/>
-              </a:spcBef>
-              <a:buNone/>
-            </a:pPr>
-            <a:endParaRPr b="0" lang="ru-RU" sz="2320" spc="-1" strike="noStrike">
-              <a:solidFill>
-                <a:srgbClr val="000000"/>
-              </a:solidFill>
-              <a:latin typeface="Calibri"/>
+            <a:normAutofit fontScale="82000"/>
+          </a:bodyPr>
+          <a:p>
+            <a:endParaRPr b="0" lang="ru-RU" sz="3200" spc="-1" strike="noStrike">
+              <a:latin typeface="Arial"/>
             </a:endParaRPr>
           </a:p>
         </p:txBody>
@@ -1499,23 +1365,11 @@
         </p:spPr>
         <p:txBody>
           <a:bodyPr lIns="0" rIns="0" tIns="0" bIns="0" anchor="t">
-            <a:normAutofit/>
-          </a:bodyPr>
-          <a:p>
-            <a:pPr>
-              <a:lnSpc>
-                <a:spcPct val="90000"/>
-              </a:lnSpc>
-              <a:spcBef>
-                <a:spcPts val="1417"/>
-              </a:spcBef>
-              <a:buNone/>
-            </a:pPr>
-            <a:endParaRPr b="0" lang="ru-RU" sz="2320" spc="-1" strike="noStrike">
-              <a:solidFill>
-                <a:srgbClr val="000000"/>
-              </a:solidFill>
-              <a:latin typeface="Calibri"/>
+            <a:normAutofit fontScale="82000"/>
+          </a:bodyPr>
+          <a:p>
+            <a:endParaRPr b="0" lang="ru-RU" sz="3200" spc="-1" strike="noStrike">
+              <a:latin typeface="Arial"/>
             </a:endParaRPr>
           </a:p>
         </p:txBody>
@@ -1527,7 +1381,7 @@
             <a:spLocks noGrp="1"/>
           </p:cNvSpPr>
           <p:nvPr>
-            <p:ph type="ftr" idx="2"/>
+            <p:ph type="ftr" idx="1"/>
           </p:nvPr>
         </p:nvSpPr>
         <p:spPr/>
@@ -1547,14 +1401,14 @@
             <a:spLocks noGrp="1"/>
           </p:cNvSpPr>
           <p:nvPr>
-            <p:ph type="sldNum" idx="3"/>
-          </p:nvPr>
-        </p:nvSpPr>
-        <p:spPr/>
-        <p:txBody>
-          <a:bodyPr/>
-          <a:p>
-            <a:fld id="{33E97A3C-86DD-44E1-9042-0B45FC806E3C}" type="slidenum">
+            <p:ph type="sldNum" idx="2"/>
+          </p:nvPr>
+        </p:nvSpPr>
+        <p:spPr/>
+        <p:txBody>
+          <a:bodyPr/>
+          <a:p>
+            <a:fld id="{62B04F74-A6DA-49BE-B153-C299BFD7B6E5}" type="slidenum">
               <a:t>&lt;#&gt;</a:t>
             </a:fld>
           </a:p>
@@ -1567,7 +1421,7 @@
             <a:spLocks noGrp="1"/>
           </p:cNvSpPr>
           <p:nvPr>
-            <p:ph type="dt" idx="1"/>
+            <p:ph type="dt" idx="3"/>
           </p:nvPr>
         </p:nvSpPr>
         <p:spPr/>
@@ -1610,7 +1464,7 @@
             <a:spLocks noGrp="1"/>
           </p:cNvSpPr>
           <p:nvPr>
-            <p:ph type="ftr" idx="5"/>
+            <p:ph type="ftr" idx="4"/>
           </p:nvPr>
         </p:nvSpPr>
         <p:spPr/>
@@ -1630,14 +1484,14 @@
             <a:spLocks noGrp="1"/>
           </p:cNvSpPr>
           <p:nvPr>
-            <p:ph type="sldNum" idx="6"/>
-          </p:nvPr>
-        </p:nvSpPr>
-        <p:spPr/>
-        <p:txBody>
-          <a:bodyPr/>
-          <a:p>
-            <a:fld id="{50B7E7C6-C90A-48C2-A1A9-46DF1314B866}" type="slidenum">
+            <p:ph type="sldNum" idx="5"/>
+          </p:nvPr>
+        </p:nvSpPr>
+        <p:spPr/>
+        <p:txBody>
+          <a:bodyPr/>
+          <a:p>
+            <a:fld id="{1C4155E1-9DEE-4171-8EEF-2952C90EE03D}" type="slidenum">
               <a:t>&lt;#&gt;</a:t>
             </a:fld>
           </a:p>
@@ -1650,7 +1504,7 @@
             <a:spLocks noGrp="1"/>
           </p:cNvSpPr>
           <p:nvPr>
-            <p:ph type="dt" idx="4"/>
+            <p:ph type="dt" idx="6"/>
           </p:nvPr>
         </p:nvSpPr>
         <p:spPr/>
@@ -1698,8 +1552,8 @@
         </p:nvSpPr>
         <p:spPr>
           <a:xfrm>
-            <a:off x="504000" y="226080"/>
-            <a:ext cx="9072000" cy="946440"/>
+            <a:off x="504000" y="74160"/>
+            <a:ext cx="9072000" cy="1250280"/>
           </a:xfrm>
           <a:prstGeom prst="rect">
             <a:avLst/>
@@ -1714,11 +1568,11 @@
             <a:noAutofit/>
           </a:bodyPr>
           <a:p>
-            <a:endParaRPr b="0" lang="ru-RU" sz="1800" spc="-1" strike="noStrike">
-              <a:solidFill>
-                <a:srgbClr val="000000"/>
-              </a:solidFill>
-              <a:latin typeface="Calibri"/>
+            <a:pPr algn="ctr">
+              <a:buNone/>
+            </a:pPr>
+            <a:endParaRPr b="0" lang="ru-RU" sz="4400" spc="-1" strike="noStrike">
+              <a:latin typeface="Arial"/>
             </a:endParaRPr>
           </a:p>
         </p:txBody>
@@ -1767,7 +1621,7 @@
             <a:spLocks noGrp="1"/>
           </p:cNvSpPr>
           <p:nvPr>
-            <p:ph type="ftr" idx="5"/>
+            <p:ph type="ftr" idx="4"/>
           </p:nvPr>
         </p:nvSpPr>
         <p:spPr/>
@@ -1787,14 +1641,14 @@
             <a:spLocks noGrp="1"/>
           </p:cNvSpPr>
           <p:nvPr>
-            <p:ph type="sldNum" idx="6"/>
-          </p:nvPr>
-        </p:nvSpPr>
-        <p:spPr/>
-        <p:txBody>
-          <a:bodyPr/>
-          <a:p>
-            <a:fld id="{03C6A8D4-1627-47CE-85F7-B0659122872E}" type="slidenum">
+            <p:ph type="sldNum" idx="5"/>
+          </p:nvPr>
+        </p:nvSpPr>
+        <p:spPr/>
+        <p:txBody>
+          <a:bodyPr/>
+          <a:p>
+            <a:fld id="{EA561924-B480-4E3A-B87D-D363DFF8E5CF}" type="slidenum">
               <a:t>&lt;#&gt;</a:t>
             </a:fld>
           </a:p>
@@ -1807,7 +1661,7 @@
             <a:spLocks noGrp="1"/>
           </p:cNvSpPr>
           <p:nvPr>
-            <p:ph type="dt" idx="4"/>
+            <p:ph type="dt" idx="6"/>
           </p:nvPr>
         </p:nvSpPr>
         <p:spPr/>
@@ -1855,8 +1709,8 @@
         </p:nvSpPr>
         <p:spPr>
           <a:xfrm>
-            <a:off x="504000" y="226080"/>
-            <a:ext cx="9072000" cy="946440"/>
+            <a:off x="504000" y="74160"/>
+            <a:ext cx="9072000" cy="1250280"/>
           </a:xfrm>
           <a:prstGeom prst="rect">
             <a:avLst/>
@@ -1871,11 +1725,11 @@
             <a:noAutofit/>
           </a:bodyPr>
           <a:p>
-            <a:endParaRPr b="0" lang="ru-RU" sz="1800" spc="-1" strike="noStrike">
-              <a:solidFill>
-                <a:srgbClr val="000000"/>
-              </a:solidFill>
-              <a:latin typeface="Calibri"/>
+            <a:pPr algn="ctr">
+              <a:buNone/>
+            </a:pPr>
+            <a:endParaRPr b="0" lang="ru-RU" sz="4400" spc="-1" strike="noStrike">
+              <a:latin typeface="Arial"/>
             </a:endParaRPr>
           </a:p>
         </p:txBody>
@@ -1908,20 +1762,8 @@
             <a:normAutofit/>
           </a:bodyPr>
           <a:p>
-            <a:pPr>
-              <a:lnSpc>
-                <a:spcPct val="90000"/>
-              </a:lnSpc>
-              <a:spcBef>
-                <a:spcPts val="1417"/>
-              </a:spcBef>
-              <a:buNone/>
-            </a:pPr>
-            <a:endParaRPr b="0" lang="ru-RU" sz="2320" spc="-1" strike="noStrike">
-              <a:solidFill>
-                <a:srgbClr val="000000"/>
-              </a:solidFill>
-              <a:latin typeface="Calibri"/>
+            <a:endParaRPr b="0" lang="ru-RU" sz="3200" spc="-1" strike="noStrike">
+              <a:latin typeface="Arial"/>
             </a:endParaRPr>
           </a:p>
         </p:txBody>
@@ -1933,7 +1775,7 @@
             <a:spLocks noGrp="1"/>
           </p:cNvSpPr>
           <p:nvPr>
-            <p:ph type="ftr" idx="5"/>
+            <p:ph type="ftr" idx="4"/>
           </p:nvPr>
         </p:nvSpPr>
         <p:spPr/>
@@ -1953,14 +1795,14 @@
             <a:spLocks noGrp="1"/>
           </p:cNvSpPr>
           <p:nvPr>
-            <p:ph type="sldNum" idx="6"/>
-          </p:nvPr>
-        </p:nvSpPr>
-        <p:spPr/>
-        <p:txBody>
-          <a:bodyPr/>
-          <a:p>
-            <a:fld id="{FFFAC595-C750-4A66-9372-A3C4E6D96981}" type="slidenum">
+            <p:ph type="sldNum" idx="5"/>
+          </p:nvPr>
+        </p:nvSpPr>
+        <p:spPr/>
+        <p:txBody>
+          <a:bodyPr/>
+          <a:p>
+            <a:fld id="{DB0D5D47-58A7-4547-A03A-5C107E7C7F58}" type="slidenum">
               <a:t>&lt;#&gt;</a:t>
             </a:fld>
           </a:p>
@@ -1973,7 +1815,7 @@
             <a:spLocks noGrp="1"/>
           </p:cNvSpPr>
           <p:nvPr>
-            <p:ph type="dt" idx="4"/>
+            <p:ph type="dt" idx="6"/>
           </p:nvPr>
         </p:nvSpPr>
         <p:spPr/>
@@ -2021,8 +1863,8 @@
         </p:nvSpPr>
         <p:spPr>
           <a:xfrm>
-            <a:off x="504000" y="226080"/>
-            <a:ext cx="9072000" cy="946440"/>
+            <a:off x="504000" y="74160"/>
+            <a:ext cx="9072000" cy="1250280"/>
           </a:xfrm>
           <a:prstGeom prst="rect">
             <a:avLst/>
@@ -2037,11 +1879,11 @@
             <a:noAutofit/>
           </a:bodyPr>
           <a:p>
-            <a:endParaRPr b="0" lang="ru-RU" sz="1800" spc="-1" strike="noStrike">
-              <a:solidFill>
-                <a:srgbClr val="000000"/>
-              </a:solidFill>
-              <a:latin typeface="Calibri"/>
+            <a:pPr algn="ctr">
+              <a:buNone/>
+            </a:pPr>
+            <a:endParaRPr b="0" lang="ru-RU" sz="4400" spc="-1" strike="noStrike">
+              <a:latin typeface="Arial"/>
             </a:endParaRPr>
           </a:p>
         </p:txBody>
@@ -2074,20 +1916,8 @@
             <a:normAutofit/>
           </a:bodyPr>
           <a:p>
-            <a:pPr>
-              <a:lnSpc>
-                <a:spcPct val="90000"/>
-              </a:lnSpc>
-              <a:spcBef>
-                <a:spcPts val="1417"/>
-              </a:spcBef>
-              <a:buNone/>
-            </a:pPr>
-            <a:endParaRPr b="0" lang="ru-RU" sz="2320" spc="-1" strike="noStrike">
-              <a:solidFill>
-                <a:srgbClr val="000000"/>
-              </a:solidFill>
-              <a:latin typeface="Calibri"/>
+            <a:endParaRPr b="0" lang="ru-RU" sz="3200" spc="-1" strike="noStrike">
+              <a:latin typeface="Arial"/>
             </a:endParaRPr>
           </a:p>
         </p:txBody>
@@ -2120,20 +1950,8 @@
             <a:normAutofit/>
           </a:bodyPr>
           <a:p>
-            <a:pPr>
-              <a:lnSpc>
-                <a:spcPct val="90000"/>
-              </a:lnSpc>
-              <a:spcBef>
-                <a:spcPts val="1417"/>
-              </a:spcBef>
-              <a:buNone/>
-            </a:pPr>
-            <a:endParaRPr b="0" lang="ru-RU" sz="2320" spc="-1" strike="noStrike">
-              <a:solidFill>
-                <a:srgbClr val="000000"/>
-              </a:solidFill>
-              <a:latin typeface="Calibri"/>
+            <a:endParaRPr b="0" lang="ru-RU" sz="3200" spc="-1" strike="noStrike">
+              <a:latin typeface="Arial"/>
             </a:endParaRPr>
           </a:p>
         </p:txBody>
@@ -2145,7 +1963,7 @@
             <a:spLocks noGrp="1"/>
           </p:cNvSpPr>
           <p:nvPr>
-            <p:ph type="ftr" idx="5"/>
+            <p:ph type="ftr" idx="4"/>
           </p:nvPr>
         </p:nvSpPr>
         <p:spPr/>
@@ -2165,14 +1983,14 @@
             <a:spLocks noGrp="1"/>
           </p:cNvSpPr>
           <p:nvPr>
-            <p:ph type="sldNum" idx="6"/>
-          </p:nvPr>
-        </p:nvSpPr>
-        <p:spPr/>
-        <p:txBody>
-          <a:bodyPr/>
-          <a:p>
-            <a:fld id="{7CF6C682-EB22-4430-949C-21B61AF04179}" type="slidenum">
+            <p:ph type="sldNum" idx="5"/>
+          </p:nvPr>
+        </p:nvSpPr>
+        <p:spPr/>
+        <p:txBody>
+          <a:bodyPr/>
+          <a:p>
+            <a:fld id="{1D3DA039-C48E-4A48-B9C4-CD375B531018}" type="slidenum">
               <a:t>&lt;#&gt;</a:t>
             </a:fld>
           </a:p>
@@ -2185,7 +2003,7 @@
             <a:spLocks noGrp="1"/>
           </p:cNvSpPr>
           <p:nvPr>
-            <p:ph type="dt" idx="4"/>
+            <p:ph type="dt" idx="6"/>
           </p:nvPr>
         </p:nvSpPr>
         <p:spPr/>
@@ -2233,8 +2051,8 @@
         </p:nvSpPr>
         <p:spPr>
           <a:xfrm>
-            <a:off x="504000" y="226080"/>
-            <a:ext cx="9072000" cy="946440"/>
+            <a:off x="504000" y="74160"/>
+            <a:ext cx="9072000" cy="1250280"/>
           </a:xfrm>
           <a:prstGeom prst="rect">
             <a:avLst/>
@@ -2249,11 +2067,11 @@
             <a:noAutofit/>
           </a:bodyPr>
           <a:p>
-            <a:endParaRPr b="0" lang="ru-RU" sz="1800" spc="-1" strike="noStrike">
-              <a:solidFill>
-                <a:srgbClr val="000000"/>
-              </a:solidFill>
-              <a:latin typeface="Calibri"/>
+            <a:pPr algn="ctr">
+              <a:buNone/>
+            </a:pPr>
+            <a:endParaRPr b="0" lang="ru-RU" sz="4400" spc="-1" strike="noStrike">
+              <a:latin typeface="Arial"/>
             </a:endParaRPr>
           </a:p>
         </p:txBody>
@@ -2265,7 +2083,7 @@
             <a:spLocks noGrp="1"/>
           </p:cNvSpPr>
           <p:nvPr>
-            <p:ph type="ftr" idx="5"/>
+            <p:ph type="ftr" idx="4"/>
           </p:nvPr>
         </p:nvSpPr>
         <p:spPr/>
@@ -2285,14 +2103,14 @@
             <a:spLocks noGrp="1"/>
           </p:cNvSpPr>
           <p:nvPr>
-            <p:ph type="sldNum" idx="6"/>
-          </p:nvPr>
-        </p:nvSpPr>
-        <p:spPr/>
-        <p:txBody>
-          <a:bodyPr/>
-          <a:p>
-            <a:fld id="{A0FDDDCC-5AF6-43EA-86AD-CC65CAE47946}" type="slidenum">
+            <p:ph type="sldNum" idx="5"/>
+          </p:nvPr>
+        </p:nvSpPr>
+        <p:spPr/>
+        <p:txBody>
+          <a:bodyPr/>
+          <a:p>
+            <a:fld id="{3F4302DE-E1CB-4743-89C9-8AB3331A0B4F}" type="slidenum">
               <a:t>&lt;#&gt;</a:t>
             </a:fld>
           </a:p>
@@ -2305,7 +2123,7 @@
             <a:spLocks noGrp="1"/>
           </p:cNvSpPr>
           <p:nvPr>
-            <p:ph type="dt" idx="4"/>
+            <p:ph type="dt" idx="6"/>
           </p:nvPr>
         </p:nvSpPr>
         <p:spPr/>
@@ -2385,7 +2203,7 @@
             <a:spLocks noGrp="1"/>
           </p:cNvSpPr>
           <p:nvPr>
-            <p:ph type="ftr" idx="5"/>
+            <p:ph type="ftr" idx="4"/>
           </p:nvPr>
         </p:nvSpPr>
         <p:spPr/>
@@ -2405,14 +2223,14 @@
             <a:spLocks noGrp="1"/>
           </p:cNvSpPr>
           <p:nvPr>
-            <p:ph type="sldNum" idx="6"/>
-          </p:nvPr>
-        </p:nvSpPr>
-        <p:spPr/>
-        <p:txBody>
-          <a:bodyPr/>
-          <a:p>
-            <a:fld id="{949179CC-1150-4593-AD10-3731279AD4C1}" type="slidenum">
+            <p:ph type="sldNum" idx="5"/>
+          </p:nvPr>
+        </p:nvSpPr>
+        <p:spPr/>
+        <p:txBody>
+          <a:bodyPr/>
+          <a:p>
+            <a:fld id="{DD965B44-BCF9-4A25-997F-40CE03F7BED5}" type="slidenum">
               <a:t>&lt;#&gt;</a:t>
             </a:fld>
           </a:p>
@@ -2425,7 +2243,7 @@
             <a:spLocks noGrp="1"/>
           </p:cNvSpPr>
           <p:nvPr>
-            <p:ph type="dt" idx="4"/>
+            <p:ph type="dt" idx="6"/>
           </p:nvPr>
         </p:nvSpPr>
         <p:spPr/>
@@ -2473,8 +2291,8 @@
         </p:nvSpPr>
         <p:spPr>
           <a:xfrm>
-            <a:off x="504000" y="226080"/>
-            <a:ext cx="9072000" cy="946440"/>
+            <a:off x="504000" y="74160"/>
+            <a:ext cx="9072000" cy="1250280"/>
           </a:xfrm>
           <a:prstGeom prst="rect">
             <a:avLst/>
@@ -2489,11 +2307,11 @@
             <a:noAutofit/>
           </a:bodyPr>
           <a:p>
-            <a:endParaRPr b="0" lang="ru-RU" sz="1800" spc="-1" strike="noStrike">
-              <a:solidFill>
-                <a:srgbClr val="000000"/>
-              </a:solidFill>
-              <a:latin typeface="Calibri"/>
+            <a:pPr algn="ctr">
+              <a:buNone/>
+            </a:pPr>
+            <a:endParaRPr b="0" lang="ru-RU" sz="4400" spc="-1" strike="noStrike">
+              <a:latin typeface="Arial"/>
             </a:endParaRPr>
           </a:p>
         </p:txBody>
@@ -2526,20 +2344,8 @@
             <a:normAutofit/>
           </a:bodyPr>
           <a:p>
-            <a:pPr>
-              <a:lnSpc>
-                <a:spcPct val="90000"/>
-              </a:lnSpc>
-              <a:spcBef>
-                <a:spcPts val="1417"/>
-              </a:spcBef>
-              <a:buNone/>
-            </a:pPr>
-            <a:endParaRPr b="0" lang="ru-RU" sz="2320" spc="-1" strike="noStrike">
-              <a:solidFill>
-                <a:srgbClr val="000000"/>
-              </a:solidFill>
-              <a:latin typeface="Calibri"/>
+            <a:endParaRPr b="0" lang="ru-RU" sz="3200" spc="-1" strike="noStrike">
+              <a:latin typeface="Arial"/>
             </a:endParaRPr>
           </a:p>
         </p:txBody>
@@ -2572,20 +2378,8 @@
             <a:normAutofit/>
           </a:bodyPr>
           <a:p>
-            <a:pPr>
-              <a:lnSpc>
-                <a:spcPct val="90000"/>
-              </a:lnSpc>
-              <a:spcBef>
-                <a:spcPts val="1417"/>
-              </a:spcBef>
-              <a:buNone/>
-            </a:pPr>
-            <a:endParaRPr b="0" lang="ru-RU" sz="2320" spc="-1" strike="noStrike">
-              <a:solidFill>
-                <a:srgbClr val="000000"/>
-              </a:solidFill>
-              <a:latin typeface="Calibri"/>
+            <a:endParaRPr b="0" lang="ru-RU" sz="3200" spc="-1" strike="noStrike">
+              <a:latin typeface="Arial"/>
             </a:endParaRPr>
           </a:p>
         </p:txBody>
@@ -2618,20 +2412,8 @@
             <a:normAutofit/>
           </a:bodyPr>
           <a:p>
-            <a:pPr>
-              <a:lnSpc>
-                <a:spcPct val="90000"/>
-              </a:lnSpc>
-              <a:spcBef>
-                <a:spcPts val="1417"/>
-              </a:spcBef>
-              <a:buNone/>
-            </a:pPr>
-            <a:endParaRPr b="0" lang="ru-RU" sz="2320" spc="-1" strike="noStrike">
-              <a:solidFill>
-                <a:srgbClr val="000000"/>
-              </a:solidFill>
-              <a:latin typeface="Calibri"/>
+            <a:endParaRPr b="0" lang="ru-RU" sz="3200" spc="-1" strike="noStrike">
+              <a:latin typeface="Arial"/>
             </a:endParaRPr>
           </a:p>
         </p:txBody>
@@ -2643,7 +2425,7 @@
             <a:spLocks noGrp="1"/>
           </p:cNvSpPr>
           <p:nvPr>
-            <p:ph type="ftr" idx="5"/>
+            <p:ph type="ftr" idx="4"/>
           </p:nvPr>
         </p:nvSpPr>
         <p:spPr/>
@@ -2663,14 +2445,14 @@
             <a:spLocks noGrp="1"/>
           </p:cNvSpPr>
           <p:nvPr>
-            <p:ph type="sldNum" idx="6"/>
-          </p:nvPr>
-        </p:nvSpPr>
-        <p:spPr/>
-        <p:txBody>
-          <a:bodyPr/>
-          <a:p>
-            <a:fld id="{6F9A700B-6CDB-4B07-8FAE-E7B107ABCCED}" type="slidenum">
+            <p:ph type="sldNum" idx="5"/>
+          </p:nvPr>
+        </p:nvSpPr>
+        <p:spPr/>
+        <p:txBody>
+          <a:bodyPr/>
+          <a:p>
+            <a:fld id="{6ED50581-00A3-4698-A7EE-184DA96A8E30}" type="slidenum">
               <a:t>&lt;#&gt;</a:t>
             </a:fld>
           </a:p>
@@ -2683,7 +2465,7 @@
             <a:spLocks noGrp="1"/>
           </p:cNvSpPr>
           <p:nvPr>
-            <p:ph type="dt" idx="4"/>
+            <p:ph type="dt" idx="6"/>
           </p:nvPr>
         </p:nvSpPr>
         <p:spPr/>
@@ -2731,8 +2513,8 @@
         </p:nvSpPr>
         <p:spPr>
           <a:xfrm>
-            <a:off x="504000" y="226080"/>
-            <a:ext cx="9072000" cy="946440"/>
+            <a:off x="504000" y="74160"/>
+            <a:ext cx="9072000" cy="1250280"/>
           </a:xfrm>
           <a:prstGeom prst="rect">
             <a:avLst/>
@@ -2747,11 +2529,11 @@
             <a:noAutofit/>
           </a:bodyPr>
           <a:p>
-            <a:endParaRPr b="0" lang="ru-RU" sz="1800" spc="-1" strike="noStrike">
-              <a:solidFill>
-                <a:srgbClr val="000000"/>
-              </a:solidFill>
-              <a:latin typeface="Calibri"/>
+            <a:pPr algn="ctr">
+              <a:buNone/>
+            </a:pPr>
+            <a:endParaRPr b="0" lang="ru-RU" sz="4400" spc="-1" strike="noStrike">
+              <a:latin typeface="Arial"/>
             </a:endParaRPr>
           </a:p>
         </p:txBody>
@@ -2800,7 +2582,7 @@
             <a:spLocks noGrp="1"/>
           </p:cNvSpPr>
           <p:nvPr>
-            <p:ph type="ftr" idx="2"/>
+            <p:ph type="ftr" idx="1"/>
           </p:nvPr>
         </p:nvSpPr>
         <p:spPr/>
@@ -2820,14 +2602,14 @@
             <a:spLocks noGrp="1"/>
           </p:cNvSpPr>
           <p:nvPr>
-            <p:ph type="sldNum" idx="3"/>
-          </p:nvPr>
-        </p:nvSpPr>
-        <p:spPr/>
-        <p:txBody>
-          <a:bodyPr/>
-          <a:p>
-            <a:fld id="{F623FA25-AC2A-47C6-A561-A98A5BA0D676}" type="slidenum">
+            <p:ph type="sldNum" idx="2"/>
+          </p:nvPr>
+        </p:nvSpPr>
+        <p:spPr/>
+        <p:txBody>
+          <a:bodyPr/>
+          <a:p>
+            <a:fld id="{5FBE3AFF-9D4D-4630-B1B3-2378D538595D}" type="slidenum">
               <a:t>&lt;#&gt;</a:t>
             </a:fld>
           </a:p>
@@ -2840,7 +2622,7 @@
             <a:spLocks noGrp="1"/>
           </p:cNvSpPr>
           <p:nvPr>
-            <p:ph type="dt" idx="1"/>
+            <p:ph type="dt" idx="3"/>
           </p:nvPr>
         </p:nvSpPr>
         <p:spPr/>
@@ -2888,8 +2670,8 @@
         </p:nvSpPr>
         <p:spPr>
           <a:xfrm>
-            <a:off x="504000" y="226080"/>
-            <a:ext cx="9072000" cy="946440"/>
+            <a:off x="504000" y="74160"/>
+            <a:ext cx="9072000" cy="1250280"/>
           </a:xfrm>
           <a:prstGeom prst="rect">
             <a:avLst/>
@@ -2904,11 +2686,11 @@
             <a:noAutofit/>
           </a:bodyPr>
           <a:p>
-            <a:endParaRPr b="0" lang="ru-RU" sz="1800" spc="-1" strike="noStrike">
-              <a:solidFill>
-                <a:srgbClr val="000000"/>
-              </a:solidFill>
-              <a:latin typeface="Calibri"/>
+            <a:pPr algn="ctr">
+              <a:buNone/>
+            </a:pPr>
+            <a:endParaRPr b="0" lang="ru-RU" sz="4400" spc="-1" strike="noStrike">
+              <a:latin typeface="Arial"/>
             </a:endParaRPr>
           </a:p>
         </p:txBody>
@@ -2941,20 +2723,8 @@
             <a:normAutofit/>
           </a:bodyPr>
           <a:p>
-            <a:pPr>
-              <a:lnSpc>
-                <a:spcPct val="90000"/>
-              </a:lnSpc>
-              <a:spcBef>
-                <a:spcPts val="1417"/>
-              </a:spcBef>
-              <a:buNone/>
-            </a:pPr>
-            <a:endParaRPr b="0" lang="ru-RU" sz="2320" spc="-1" strike="noStrike">
-              <a:solidFill>
-                <a:srgbClr val="000000"/>
-              </a:solidFill>
-              <a:latin typeface="Calibri"/>
+            <a:endParaRPr b="0" lang="ru-RU" sz="3200" spc="-1" strike="noStrike">
+              <a:latin typeface="Arial"/>
             </a:endParaRPr>
           </a:p>
         </p:txBody>
@@ -2987,20 +2757,8 @@
             <a:normAutofit/>
           </a:bodyPr>
           <a:p>
-            <a:pPr>
-              <a:lnSpc>
-                <a:spcPct val="90000"/>
-              </a:lnSpc>
-              <a:spcBef>
-                <a:spcPts val="1417"/>
-              </a:spcBef>
-              <a:buNone/>
-            </a:pPr>
-            <a:endParaRPr b="0" lang="ru-RU" sz="2320" spc="-1" strike="noStrike">
-              <a:solidFill>
-                <a:srgbClr val="000000"/>
-              </a:solidFill>
-              <a:latin typeface="Calibri"/>
+            <a:endParaRPr b="0" lang="ru-RU" sz="3200" spc="-1" strike="noStrike">
+              <a:latin typeface="Arial"/>
             </a:endParaRPr>
           </a:p>
         </p:txBody>
@@ -3033,20 +2791,8 @@
             <a:normAutofit/>
           </a:bodyPr>
           <a:p>
-            <a:pPr>
-              <a:lnSpc>
-                <a:spcPct val="90000"/>
-              </a:lnSpc>
-              <a:spcBef>
-                <a:spcPts val="1417"/>
-              </a:spcBef>
-              <a:buNone/>
-            </a:pPr>
-            <a:endParaRPr b="0" lang="ru-RU" sz="2320" spc="-1" strike="noStrike">
-              <a:solidFill>
-                <a:srgbClr val="000000"/>
-              </a:solidFill>
-              <a:latin typeface="Calibri"/>
+            <a:endParaRPr b="0" lang="ru-RU" sz="3200" spc="-1" strike="noStrike">
+              <a:latin typeface="Arial"/>
             </a:endParaRPr>
           </a:p>
         </p:txBody>
@@ -3058,7 +2804,7 @@
             <a:spLocks noGrp="1"/>
           </p:cNvSpPr>
           <p:nvPr>
-            <p:ph type="ftr" idx="5"/>
+            <p:ph type="ftr" idx="4"/>
           </p:nvPr>
         </p:nvSpPr>
         <p:spPr/>
@@ -3078,14 +2824,14 @@
             <a:spLocks noGrp="1"/>
           </p:cNvSpPr>
           <p:nvPr>
-            <p:ph type="sldNum" idx="6"/>
-          </p:nvPr>
-        </p:nvSpPr>
-        <p:spPr/>
-        <p:txBody>
-          <a:bodyPr/>
-          <a:p>
-            <a:fld id="{D6A40B65-F429-4558-81AA-CA86F56B4FA9}" type="slidenum">
+            <p:ph type="sldNum" idx="5"/>
+          </p:nvPr>
+        </p:nvSpPr>
+        <p:spPr/>
+        <p:txBody>
+          <a:bodyPr/>
+          <a:p>
+            <a:fld id="{B2634326-DF4E-42A9-BEE6-4ABEAA1CFDE5}" type="slidenum">
               <a:t>&lt;#&gt;</a:t>
             </a:fld>
           </a:p>
@@ -3098,7 +2844,7 @@
             <a:spLocks noGrp="1"/>
           </p:cNvSpPr>
           <p:nvPr>
-            <p:ph type="dt" idx="4"/>
+            <p:ph type="dt" idx="6"/>
           </p:nvPr>
         </p:nvSpPr>
         <p:spPr/>
@@ -3146,8 +2892,8 @@
         </p:nvSpPr>
         <p:spPr>
           <a:xfrm>
-            <a:off x="504000" y="226080"/>
-            <a:ext cx="9072000" cy="946440"/>
+            <a:off x="504000" y="74160"/>
+            <a:ext cx="9072000" cy="1250280"/>
           </a:xfrm>
           <a:prstGeom prst="rect">
             <a:avLst/>
@@ -3162,11 +2908,11 @@
             <a:noAutofit/>
           </a:bodyPr>
           <a:p>
-            <a:endParaRPr b="0" lang="ru-RU" sz="1800" spc="-1" strike="noStrike">
-              <a:solidFill>
-                <a:srgbClr val="000000"/>
-              </a:solidFill>
-              <a:latin typeface="Calibri"/>
+            <a:pPr algn="ctr">
+              <a:buNone/>
+            </a:pPr>
+            <a:endParaRPr b="0" lang="ru-RU" sz="4400" spc="-1" strike="noStrike">
+              <a:latin typeface="Arial"/>
             </a:endParaRPr>
           </a:p>
         </p:txBody>
@@ -3199,20 +2945,8 @@
             <a:normAutofit/>
           </a:bodyPr>
           <a:p>
-            <a:pPr>
-              <a:lnSpc>
-                <a:spcPct val="90000"/>
-              </a:lnSpc>
-              <a:spcBef>
-                <a:spcPts val="1417"/>
-              </a:spcBef>
-              <a:buNone/>
-            </a:pPr>
-            <a:endParaRPr b="0" lang="ru-RU" sz="2320" spc="-1" strike="noStrike">
-              <a:solidFill>
-                <a:srgbClr val="000000"/>
-              </a:solidFill>
-              <a:latin typeface="Calibri"/>
+            <a:endParaRPr b="0" lang="ru-RU" sz="3200" spc="-1" strike="noStrike">
+              <a:latin typeface="Arial"/>
             </a:endParaRPr>
           </a:p>
         </p:txBody>
@@ -3245,20 +2979,8 @@
             <a:normAutofit/>
           </a:bodyPr>
           <a:p>
-            <a:pPr>
-              <a:lnSpc>
-                <a:spcPct val="90000"/>
-              </a:lnSpc>
-              <a:spcBef>
-                <a:spcPts val="1417"/>
-              </a:spcBef>
-              <a:buNone/>
-            </a:pPr>
-            <a:endParaRPr b="0" lang="ru-RU" sz="2320" spc="-1" strike="noStrike">
-              <a:solidFill>
-                <a:srgbClr val="000000"/>
-              </a:solidFill>
-              <a:latin typeface="Calibri"/>
+            <a:endParaRPr b="0" lang="ru-RU" sz="3200" spc="-1" strike="noStrike">
+              <a:latin typeface="Arial"/>
             </a:endParaRPr>
           </a:p>
         </p:txBody>
@@ -3291,20 +3013,8 @@
             <a:normAutofit/>
           </a:bodyPr>
           <a:p>
-            <a:pPr>
-              <a:lnSpc>
-                <a:spcPct val="90000"/>
-              </a:lnSpc>
-              <a:spcBef>
-                <a:spcPts val="1417"/>
-              </a:spcBef>
-              <a:buNone/>
-            </a:pPr>
-            <a:endParaRPr b="0" lang="ru-RU" sz="2320" spc="-1" strike="noStrike">
-              <a:solidFill>
-                <a:srgbClr val="000000"/>
-              </a:solidFill>
-              <a:latin typeface="Calibri"/>
+            <a:endParaRPr b="0" lang="ru-RU" sz="3200" spc="-1" strike="noStrike">
+              <a:latin typeface="Arial"/>
             </a:endParaRPr>
           </a:p>
         </p:txBody>
@@ -3316,7 +3026,7 @@
             <a:spLocks noGrp="1"/>
           </p:cNvSpPr>
           <p:nvPr>
-            <p:ph type="ftr" idx="5"/>
+            <p:ph type="ftr" idx="4"/>
           </p:nvPr>
         </p:nvSpPr>
         <p:spPr/>
@@ -3336,14 +3046,14 @@
             <a:spLocks noGrp="1"/>
           </p:cNvSpPr>
           <p:nvPr>
-            <p:ph type="sldNum" idx="6"/>
-          </p:nvPr>
-        </p:nvSpPr>
-        <p:spPr/>
-        <p:txBody>
-          <a:bodyPr/>
-          <a:p>
-            <a:fld id="{2AEB5D3F-8BEB-4C9E-A076-45AB8C4FD2A7}" type="slidenum">
+            <p:ph type="sldNum" idx="5"/>
+          </p:nvPr>
+        </p:nvSpPr>
+        <p:spPr/>
+        <p:txBody>
+          <a:bodyPr/>
+          <a:p>
+            <a:fld id="{EA6BC6EF-E836-4103-84F8-26FC1A27DC46}" type="slidenum">
               <a:t>&lt;#&gt;</a:t>
             </a:fld>
           </a:p>
@@ -3356,7 +3066,7 @@
             <a:spLocks noGrp="1"/>
           </p:cNvSpPr>
           <p:nvPr>
-            <p:ph type="dt" idx="4"/>
+            <p:ph type="dt" idx="6"/>
           </p:nvPr>
         </p:nvSpPr>
         <p:spPr/>
@@ -3404,8 +3114,8 @@
         </p:nvSpPr>
         <p:spPr>
           <a:xfrm>
-            <a:off x="504000" y="226080"/>
-            <a:ext cx="9072000" cy="946440"/>
+            <a:off x="504000" y="74160"/>
+            <a:ext cx="9072000" cy="1250280"/>
           </a:xfrm>
           <a:prstGeom prst="rect">
             <a:avLst/>
@@ -3420,11 +3130,11 @@
             <a:noAutofit/>
           </a:bodyPr>
           <a:p>
-            <a:endParaRPr b="0" lang="ru-RU" sz="1800" spc="-1" strike="noStrike">
-              <a:solidFill>
-                <a:srgbClr val="000000"/>
-              </a:solidFill>
-              <a:latin typeface="Calibri"/>
+            <a:pPr algn="ctr">
+              <a:buNone/>
+            </a:pPr>
+            <a:endParaRPr b="0" lang="ru-RU" sz="4400" spc="-1" strike="noStrike">
+              <a:latin typeface="Arial"/>
             </a:endParaRPr>
           </a:p>
         </p:txBody>
@@ -3457,20 +3167,8 @@
             <a:normAutofit/>
           </a:bodyPr>
           <a:p>
-            <a:pPr>
-              <a:lnSpc>
-                <a:spcPct val="90000"/>
-              </a:lnSpc>
-              <a:spcBef>
-                <a:spcPts val="1417"/>
-              </a:spcBef>
-              <a:buNone/>
-            </a:pPr>
-            <a:endParaRPr b="0" lang="ru-RU" sz="2320" spc="-1" strike="noStrike">
-              <a:solidFill>
-                <a:srgbClr val="000000"/>
-              </a:solidFill>
-              <a:latin typeface="Calibri"/>
+            <a:endParaRPr b="0" lang="ru-RU" sz="3200" spc="-1" strike="noStrike">
+              <a:latin typeface="Arial"/>
             </a:endParaRPr>
           </a:p>
         </p:txBody>
@@ -3503,20 +3201,8 @@
             <a:normAutofit/>
           </a:bodyPr>
           <a:p>
-            <a:pPr>
-              <a:lnSpc>
-                <a:spcPct val="90000"/>
-              </a:lnSpc>
-              <a:spcBef>
-                <a:spcPts val="1417"/>
-              </a:spcBef>
-              <a:buNone/>
-            </a:pPr>
-            <a:endParaRPr b="0" lang="ru-RU" sz="2320" spc="-1" strike="noStrike">
-              <a:solidFill>
-                <a:srgbClr val="000000"/>
-              </a:solidFill>
-              <a:latin typeface="Calibri"/>
+            <a:endParaRPr b="0" lang="ru-RU" sz="3200" spc="-1" strike="noStrike">
+              <a:latin typeface="Arial"/>
             </a:endParaRPr>
           </a:p>
         </p:txBody>
@@ -3528,7 +3214,7 @@
             <a:spLocks noGrp="1"/>
           </p:cNvSpPr>
           <p:nvPr>
-            <p:ph type="ftr" idx="5"/>
+            <p:ph type="ftr" idx="4"/>
           </p:nvPr>
         </p:nvSpPr>
         <p:spPr/>
@@ -3548,14 +3234,14 @@
             <a:spLocks noGrp="1"/>
           </p:cNvSpPr>
           <p:nvPr>
-            <p:ph type="sldNum" idx="6"/>
-          </p:nvPr>
-        </p:nvSpPr>
-        <p:spPr/>
-        <p:txBody>
-          <a:bodyPr/>
-          <a:p>
-            <a:fld id="{0D1CFC7C-5EA9-4301-B1D4-248EBEB43A07}" type="slidenum">
+            <p:ph type="sldNum" idx="5"/>
+          </p:nvPr>
+        </p:nvSpPr>
+        <p:spPr/>
+        <p:txBody>
+          <a:bodyPr/>
+          <a:p>
+            <a:fld id="{6918397B-0A4E-4E28-8C5C-31F47A3F4BE1}" type="slidenum">
               <a:t>&lt;#&gt;</a:t>
             </a:fld>
           </a:p>
@@ -3568,7 +3254,7 @@
             <a:spLocks noGrp="1"/>
           </p:cNvSpPr>
           <p:nvPr>
-            <p:ph type="dt" idx="4"/>
+            <p:ph type="dt" idx="6"/>
           </p:nvPr>
         </p:nvSpPr>
         <p:spPr/>
@@ -3616,8 +3302,8 @@
         </p:nvSpPr>
         <p:spPr>
           <a:xfrm>
-            <a:off x="504000" y="226080"/>
-            <a:ext cx="9072000" cy="946440"/>
+            <a:off x="504000" y="74160"/>
+            <a:ext cx="9072000" cy="1250280"/>
           </a:xfrm>
           <a:prstGeom prst="rect">
             <a:avLst/>
@@ -3632,11 +3318,11 @@
             <a:noAutofit/>
           </a:bodyPr>
           <a:p>
-            <a:endParaRPr b="0" lang="ru-RU" sz="1800" spc="-1" strike="noStrike">
-              <a:solidFill>
-                <a:srgbClr val="000000"/>
-              </a:solidFill>
-              <a:latin typeface="Calibri"/>
+            <a:pPr algn="ctr">
+              <a:buNone/>
+            </a:pPr>
+            <a:endParaRPr b="0" lang="ru-RU" sz="4400" spc="-1" strike="noStrike">
+              <a:latin typeface="Arial"/>
             </a:endParaRPr>
           </a:p>
         </p:txBody>
@@ -3669,20 +3355,8 @@
             <a:normAutofit/>
           </a:bodyPr>
           <a:p>
-            <a:pPr>
-              <a:lnSpc>
-                <a:spcPct val="90000"/>
-              </a:lnSpc>
-              <a:spcBef>
-                <a:spcPts val="1417"/>
-              </a:spcBef>
-              <a:buNone/>
-            </a:pPr>
-            <a:endParaRPr b="0" lang="ru-RU" sz="2320" spc="-1" strike="noStrike">
-              <a:solidFill>
-                <a:srgbClr val="000000"/>
-              </a:solidFill>
-              <a:latin typeface="Calibri"/>
+            <a:endParaRPr b="0" lang="ru-RU" sz="3200" spc="-1" strike="noStrike">
+              <a:latin typeface="Arial"/>
             </a:endParaRPr>
           </a:p>
         </p:txBody>
@@ -3715,20 +3389,8 @@
             <a:normAutofit/>
           </a:bodyPr>
           <a:p>
-            <a:pPr>
-              <a:lnSpc>
-                <a:spcPct val="90000"/>
-              </a:lnSpc>
-              <a:spcBef>
-                <a:spcPts val="1417"/>
-              </a:spcBef>
-              <a:buNone/>
-            </a:pPr>
-            <a:endParaRPr b="0" lang="ru-RU" sz="2320" spc="-1" strike="noStrike">
-              <a:solidFill>
-                <a:srgbClr val="000000"/>
-              </a:solidFill>
-              <a:latin typeface="Calibri"/>
+            <a:endParaRPr b="0" lang="ru-RU" sz="3200" spc="-1" strike="noStrike">
+              <a:latin typeface="Arial"/>
             </a:endParaRPr>
           </a:p>
         </p:txBody>
@@ -3761,20 +3423,8 @@
             <a:normAutofit/>
           </a:bodyPr>
           <a:p>
-            <a:pPr>
-              <a:lnSpc>
-                <a:spcPct val="90000"/>
-              </a:lnSpc>
-              <a:spcBef>
-                <a:spcPts val="1417"/>
-              </a:spcBef>
-              <a:buNone/>
-            </a:pPr>
-            <a:endParaRPr b="0" lang="ru-RU" sz="2320" spc="-1" strike="noStrike">
-              <a:solidFill>
-                <a:srgbClr val="000000"/>
-              </a:solidFill>
-              <a:latin typeface="Calibri"/>
+            <a:endParaRPr b="0" lang="ru-RU" sz="3200" spc="-1" strike="noStrike">
+              <a:latin typeface="Arial"/>
             </a:endParaRPr>
           </a:p>
         </p:txBody>
@@ -3807,20 +3457,8 @@
             <a:normAutofit/>
           </a:bodyPr>
           <a:p>
-            <a:pPr>
-              <a:lnSpc>
-                <a:spcPct val="90000"/>
-              </a:lnSpc>
-              <a:spcBef>
-                <a:spcPts val="1417"/>
-              </a:spcBef>
-              <a:buNone/>
-            </a:pPr>
-            <a:endParaRPr b="0" lang="ru-RU" sz="2320" spc="-1" strike="noStrike">
-              <a:solidFill>
-                <a:srgbClr val="000000"/>
-              </a:solidFill>
-              <a:latin typeface="Calibri"/>
+            <a:endParaRPr b="0" lang="ru-RU" sz="3200" spc="-1" strike="noStrike">
+              <a:latin typeface="Arial"/>
             </a:endParaRPr>
           </a:p>
         </p:txBody>
@@ -3832,7 +3470,7 @@
             <a:spLocks noGrp="1"/>
           </p:cNvSpPr>
           <p:nvPr>
-            <p:ph type="ftr" idx="5"/>
+            <p:ph type="ftr" idx="4"/>
           </p:nvPr>
         </p:nvSpPr>
         <p:spPr/>
@@ -3852,14 +3490,14 @@
             <a:spLocks noGrp="1"/>
           </p:cNvSpPr>
           <p:nvPr>
-            <p:ph type="sldNum" idx="6"/>
-          </p:nvPr>
-        </p:nvSpPr>
-        <p:spPr/>
-        <p:txBody>
-          <a:bodyPr/>
-          <a:p>
-            <a:fld id="{9B89FEBB-A5F8-45BF-AA70-EF921E6DDE6F}" type="slidenum">
+            <p:ph type="sldNum" idx="5"/>
+          </p:nvPr>
+        </p:nvSpPr>
+        <p:spPr/>
+        <p:txBody>
+          <a:bodyPr/>
+          <a:p>
+            <a:fld id="{2BD472C4-AF62-48BD-8489-9BA8BE8820A1}" type="slidenum">
               <a:t>&lt;#&gt;</a:t>
             </a:fld>
           </a:p>
@@ -3872,7 +3510,7 @@
             <a:spLocks noGrp="1"/>
           </p:cNvSpPr>
           <p:nvPr>
-            <p:ph type="dt" idx="4"/>
+            <p:ph type="dt" idx="6"/>
           </p:nvPr>
         </p:nvSpPr>
         <p:spPr/>
@@ -3920,8 +3558,8 @@
         </p:nvSpPr>
         <p:spPr>
           <a:xfrm>
-            <a:off x="504000" y="226080"/>
-            <a:ext cx="9072000" cy="946440"/>
+            <a:off x="504000" y="74160"/>
+            <a:ext cx="9072000" cy="1250280"/>
           </a:xfrm>
           <a:prstGeom prst="rect">
             <a:avLst/>
@@ -3936,11 +3574,11 @@
             <a:noAutofit/>
           </a:bodyPr>
           <a:p>
-            <a:endParaRPr b="0" lang="ru-RU" sz="1800" spc="-1" strike="noStrike">
-              <a:solidFill>
-                <a:srgbClr val="000000"/>
-              </a:solidFill>
-              <a:latin typeface="Calibri"/>
+            <a:pPr algn="ctr">
+              <a:buNone/>
+            </a:pPr>
+            <a:endParaRPr b="0" lang="ru-RU" sz="4400" spc="-1" strike="noStrike">
+              <a:latin typeface="Arial"/>
             </a:endParaRPr>
           </a:p>
         </p:txBody>
@@ -3970,23 +3608,11 @@
         </p:spPr>
         <p:txBody>
           <a:bodyPr lIns="0" rIns="0" tIns="0" bIns="0" anchor="t">
-            <a:normAutofit/>
-          </a:bodyPr>
-          <a:p>
-            <a:pPr>
-              <a:lnSpc>
-                <a:spcPct val="90000"/>
-              </a:lnSpc>
-              <a:spcBef>
-                <a:spcPts val="1417"/>
-              </a:spcBef>
-              <a:buNone/>
-            </a:pPr>
-            <a:endParaRPr b="0" lang="ru-RU" sz="2320" spc="-1" strike="noStrike">
-              <a:solidFill>
-                <a:srgbClr val="000000"/>
-              </a:solidFill>
-              <a:latin typeface="Calibri"/>
+            <a:normAutofit fontScale="82000"/>
+          </a:bodyPr>
+          <a:p>
+            <a:endParaRPr b="0" lang="ru-RU" sz="3200" spc="-1" strike="noStrike">
+              <a:latin typeface="Arial"/>
             </a:endParaRPr>
           </a:p>
         </p:txBody>
@@ -4016,23 +3642,11 @@
         </p:spPr>
         <p:txBody>
           <a:bodyPr lIns="0" rIns="0" tIns="0" bIns="0" anchor="t">
-            <a:normAutofit/>
-          </a:bodyPr>
-          <a:p>
-            <a:pPr>
-              <a:lnSpc>
-                <a:spcPct val="90000"/>
-              </a:lnSpc>
-              <a:spcBef>
-                <a:spcPts val="1417"/>
-              </a:spcBef>
-              <a:buNone/>
-            </a:pPr>
-            <a:endParaRPr b="0" lang="ru-RU" sz="2320" spc="-1" strike="noStrike">
-              <a:solidFill>
-                <a:srgbClr val="000000"/>
-              </a:solidFill>
-              <a:latin typeface="Calibri"/>
+            <a:normAutofit fontScale="82000"/>
+          </a:bodyPr>
+          <a:p>
+            <a:endParaRPr b="0" lang="ru-RU" sz="3200" spc="-1" strike="noStrike">
+              <a:latin typeface="Arial"/>
             </a:endParaRPr>
           </a:p>
         </p:txBody>
@@ -4062,23 +3676,11 @@
         </p:spPr>
         <p:txBody>
           <a:bodyPr lIns="0" rIns="0" tIns="0" bIns="0" anchor="t">
-            <a:normAutofit/>
-          </a:bodyPr>
-          <a:p>
-            <a:pPr>
-              <a:lnSpc>
-                <a:spcPct val="90000"/>
-              </a:lnSpc>
-              <a:spcBef>
-                <a:spcPts val="1417"/>
-              </a:spcBef>
-              <a:buNone/>
-            </a:pPr>
-            <a:endParaRPr b="0" lang="ru-RU" sz="2320" spc="-1" strike="noStrike">
-              <a:solidFill>
-                <a:srgbClr val="000000"/>
-              </a:solidFill>
-              <a:latin typeface="Calibri"/>
+            <a:normAutofit fontScale="82000"/>
+          </a:bodyPr>
+          <a:p>
+            <a:endParaRPr b="0" lang="ru-RU" sz="3200" spc="-1" strike="noStrike">
+              <a:latin typeface="Arial"/>
             </a:endParaRPr>
           </a:p>
         </p:txBody>
@@ -4108,23 +3710,11 @@
         </p:spPr>
         <p:txBody>
           <a:bodyPr lIns="0" rIns="0" tIns="0" bIns="0" anchor="t">
-            <a:normAutofit/>
-          </a:bodyPr>
-          <a:p>
-            <a:pPr>
-              <a:lnSpc>
-                <a:spcPct val="90000"/>
-              </a:lnSpc>
-              <a:spcBef>
-                <a:spcPts val="1417"/>
-              </a:spcBef>
-              <a:buNone/>
-            </a:pPr>
-            <a:endParaRPr b="0" lang="ru-RU" sz="2320" spc="-1" strike="noStrike">
-              <a:solidFill>
-                <a:srgbClr val="000000"/>
-              </a:solidFill>
-              <a:latin typeface="Calibri"/>
+            <a:normAutofit fontScale="82000"/>
+          </a:bodyPr>
+          <a:p>
+            <a:endParaRPr b="0" lang="ru-RU" sz="3200" spc="-1" strike="noStrike">
+              <a:latin typeface="Arial"/>
             </a:endParaRPr>
           </a:p>
         </p:txBody>
@@ -4154,23 +3744,11 @@
         </p:spPr>
         <p:txBody>
           <a:bodyPr lIns="0" rIns="0" tIns="0" bIns="0" anchor="t">
-            <a:normAutofit/>
-          </a:bodyPr>
-          <a:p>
-            <a:pPr>
-              <a:lnSpc>
-                <a:spcPct val="90000"/>
-              </a:lnSpc>
-              <a:spcBef>
-                <a:spcPts val="1417"/>
-              </a:spcBef>
-              <a:buNone/>
-            </a:pPr>
-            <a:endParaRPr b="0" lang="ru-RU" sz="2320" spc="-1" strike="noStrike">
-              <a:solidFill>
-                <a:srgbClr val="000000"/>
-              </a:solidFill>
-              <a:latin typeface="Calibri"/>
+            <a:normAutofit fontScale="82000"/>
+          </a:bodyPr>
+          <a:p>
+            <a:endParaRPr b="0" lang="ru-RU" sz="3200" spc="-1" strike="noStrike">
+              <a:latin typeface="Arial"/>
             </a:endParaRPr>
           </a:p>
         </p:txBody>
@@ -4200,23 +3778,11 @@
         </p:spPr>
         <p:txBody>
           <a:bodyPr lIns="0" rIns="0" tIns="0" bIns="0" anchor="t">
-            <a:normAutofit/>
-          </a:bodyPr>
-          <a:p>
-            <a:pPr>
-              <a:lnSpc>
-                <a:spcPct val="90000"/>
-              </a:lnSpc>
-              <a:spcBef>
-                <a:spcPts val="1417"/>
-              </a:spcBef>
-              <a:buNone/>
-            </a:pPr>
-            <a:endParaRPr b="0" lang="ru-RU" sz="2320" spc="-1" strike="noStrike">
-              <a:solidFill>
-                <a:srgbClr val="000000"/>
-              </a:solidFill>
-              <a:latin typeface="Calibri"/>
+            <a:normAutofit fontScale="82000"/>
+          </a:bodyPr>
+          <a:p>
+            <a:endParaRPr b="0" lang="ru-RU" sz="3200" spc="-1" strike="noStrike">
+              <a:latin typeface="Arial"/>
             </a:endParaRPr>
           </a:p>
         </p:txBody>
@@ -4228,7 +3794,7 @@
             <a:spLocks noGrp="1"/>
           </p:cNvSpPr>
           <p:nvPr>
-            <p:ph type="ftr" idx="5"/>
+            <p:ph type="ftr" idx="4"/>
           </p:nvPr>
         </p:nvSpPr>
         <p:spPr/>
@@ -4248,14 +3814,14 @@
             <a:spLocks noGrp="1"/>
           </p:cNvSpPr>
           <p:nvPr>
-            <p:ph type="sldNum" idx="6"/>
-          </p:nvPr>
-        </p:nvSpPr>
-        <p:spPr/>
-        <p:txBody>
-          <a:bodyPr/>
-          <a:p>
-            <a:fld id="{44BDF182-A611-4C28-83C1-1A4D0C93E641}" type="slidenum">
+            <p:ph type="sldNum" idx="5"/>
+          </p:nvPr>
+        </p:nvSpPr>
+        <p:spPr/>
+        <p:txBody>
+          <a:bodyPr/>
+          <a:p>
+            <a:fld id="{24725093-3A1E-4C2E-9915-8F27F7777412}" type="slidenum">
               <a:t>&lt;#&gt;</a:t>
             </a:fld>
           </a:p>
@@ -4268,7 +3834,7 @@
             <a:spLocks noGrp="1"/>
           </p:cNvSpPr>
           <p:nvPr>
-            <p:ph type="dt" idx="4"/>
+            <p:ph type="dt" idx="6"/>
           </p:nvPr>
         </p:nvSpPr>
         <p:spPr/>
@@ -4316,8 +3882,8 @@
         </p:nvSpPr>
         <p:spPr>
           <a:xfrm>
-            <a:off x="504000" y="226080"/>
-            <a:ext cx="9072000" cy="946440"/>
+            <a:off x="504000" y="74160"/>
+            <a:ext cx="9072000" cy="1250280"/>
           </a:xfrm>
           <a:prstGeom prst="rect">
             <a:avLst/>
@@ -4332,11 +3898,11 @@
             <a:noAutofit/>
           </a:bodyPr>
           <a:p>
-            <a:endParaRPr b="0" lang="ru-RU" sz="1800" spc="-1" strike="noStrike">
-              <a:solidFill>
-                <a:srgbClr val="000000"/>
-              </a:solidFill>
-              <a:latin typeface="Calibri"/>
+            <a:pPr algn="ctr">
+              <a:buNone/>
+            </a:pPr>
+            <a:endParaRPr b="0" lang="ru-RU" sz="4400" spc="-1" strike="noStrike">
+              <a:latin typeface="Arial"/>
             </a:endParaRPr>
           </a:p>
         </p:txBody>
@@ -4369,20 +3935,8 @@
             <a:normAutofit/>
           </a:bodyPr>
           <a:p>
-            <a:pPr>
-              <a:lnSpc>
-                <a:spcPct val="90000"/>
-              </a:lnSpc>
-              <a:spcBef>
-                <a:spcPts val="1417"/>
-              </a:spcBef>
-              <a:buNone/>
-            </a:pPr>
-            <a:endParaRPr b="0" lang="ru-RU" sz="2320" spc="-1" strike="noStrike">
-              <a:solidFill>
-                <a:srgbClr val="000000"/>
-              </a:solidFill>
-              <a:latin typeface="Calibri"/>
+            <a:endParaRPr b="0" lang="ru-RU" sz="3200" spc="-1" strike="noStrike">
+              <a:latin typeface="Arial"/>
             </a:endParaRPr>
           </a:p>
         </p:txBody>
@@ -4394,7 +3948,7 @@
             <a:spLocks noGrp="1"/>
           </p:cNvSpPr>
           <p:nvPr>
-            <p:ph type="ftr" idx="2"/>
+            <p:ph type="ftr" idx="1"/>
           </p:nvPr>
         </p:nvSpPr>
         <p:spPr/>
@@ -4414,14 +3968,14 @@
             <a:spLocks noGrp="1"/>
           </p:cNvSpPr>
           <p:nvPr>
-            <p:ph type="sldNum" idx="3"/>
-          </p:nvPr>
-        </p:nvSpPr>
-        <p:spPr/>
-        <p:txBody>
-          <a:bodyPr/>
-          <a:p>
-            <a:fld id="{DF1756B3-A2FB-4051-BB7F-39A4AF150854}" type="slidenum">
+            <p:ph type="sldNum" idx="2"/>
+          </p:nvPr>
+        </p:nvSpPr>
+        <p:spPr/>
+        <p:txBody>
+          <a:bodyPr/>
+          <a:p>
+            <a:fld id="{DF0C0C72-607F-4B00-B6CC-7C30F7CC628E}" type="slidenum">
               <a:t>&lt;#&gt;</a:t>
             </a:fld>
           </a:p>
@@ -4434,7 +3988,7 @@
             <a:spLocks noGrp="1"/>
           </p:cNvSpPr>
           <p:nvPr>
-            <p:ph type="dt" idx="1"/>
+            <p:ph type="dt" idx="3"/>
           </p:nvPr>
         </p:nvSpPr>
         <p:spPr/>
@@ -4482,8 +4036,8 @@
         </p:nvSpPr>
         <p:spPr>
           <a:xfrm>
-            <a:off x="504000" y="226080"/>
-            <a:ext cx="9072000" cy="946440"/>
+            <a:off x="504000" y="74160"/>
+            <a:ext cx="9072000" cy="1250280"/>
           </a:xfrm>
           <a:prstGeom prst="rect">
             <a:avLst/>
@@ -4498,11 +4052,11 @@
             <a:noAutofit/>
           </a:bodyPr>
           <a:p>
-            <a:endParaRPr b="0" lang="ru-RU" sz="1800" spc="-1" strike="noStrike">
-              <a:solidFill>
-                <a:srgbClr val="000000"/>
-              </a:solidFill>
-              <a:latin typeface="Calibri"/>
+            <a:pPr algn="ctr">
+              <a:buNone/>
+            </a:pPr>
+            <a:endParaRPr b="0" lang="ru-RU" sz="4400" spc="-1" strike="noStrike">
+              <a:latin typeface="Arial"/>
             </a:endParaRPr>
           </a:p>
         </p:txBody>
@@ -4535,20 +4089,8 @@
             <a:normAutofit/>
           </a:bodyPr>
           <a:p>
-            <a:pPr>
-              <a:lnSpc>
-                <a:spcPct val="90000"/>
-              </a:lnSpc>
-              <a:spcBef>
-                <a:spcPts val="1417"/>
-              </a:spcBef>
-              <a:buNone/>
-            </a:pPr>
-            <a:endParaRPr b="0" lang="ru-RU" sz="2320" spc="-1" strike="noStrike">
-              <a:solidFill>
-                <a:srgbClr val="000000"/>
-              </a:solidFill>
-              <a:latin typeface="Calibri"/>
+            <a:endParaRPr b="0" lang="ru-RU" sz="3200" spc="-1" strike="noStrike">
+              <a:latin typeface="Arial"/>
             </a:endParaRPr>
           </a:p>
         </p:txBody>
@@ -4581,20 +4123,8 @@
             <a:normAutofit/>
           </a:bodyPr>
           <a:p>
-            <a:pPr>
-              <a:lnSpc>
-                <a:spcPct val="90000"/>
-              </a:lnSpc>
-              <a:spcBef>
-                <a:spcPts val="1417"/>
-              </a:spcBef>
-              <a:buNone/>
-            </a:pPr>
-            <a:endParaRPr b="0" lang="ru-RU" sz="2320" spc="-1" strike="noStrike">
-              <a:solidFill>
-                <a:srgbClr val="000000"/>
-              </a:solidFill>
-              <a:latin typeface="Calibri"/>
+            <a:endParaRPr b="0" lang="ru-RU" sz="3200" spc="-1" strike="noStrike">
+              <a:latin typeface="Arial"/>
             </a:endParaRPr>
           </a:p>
         </p:txBody>
@@ -4606,7 +4136,7 @@
             <a:spLocks noGrp="1"/>
           </p:cNvSpPr>
           <p:nvPr>
-            <p:ph type="ftr" idx="2"/>
+            <p:ph type="ftr" idx="1"/>
           </p:nvPr>
         </p:nvSpPr>
         <p:spPr/>
@@ -4626,14 +4156,14 @@
             <a:spLocks noGrp="1"/>
           </p:cNvSpPr>
           <p:nvPr>
-            <p:ph type="sldNum" idx="3"/>
-          </p:nvPr>
-        </p:nvSpPr>
-        <p:spPr/>
-        <p:txBody>
-          <a:bodyPr/>
-          <a:p>
-            <a:fld id="{F78E4333-AC19-498B-B0B0-BB90775B641E}" type="slidenum">
+            <p:ph type="sldNum" idx="2"/>
+          </p:nvPr>
+        </p:nvSpPr>
+        <p:spPr/>
+        <p:txBody>
+          <a:bodyPr/>
+          <a:p>
+            <a:fld id="{BD642C2E-16EF-46F5-AFD2-E3F420E3FF6A}" type="slidenum">
               <a:t>&lt;#&gt;</a:t>
             </a:fld>
           </a:p>
@@ -4646,7 +4176,7 @@
             <a:spLocks noGrp="1"/>
           </p:cNvSpPr>
           <p:nvPr>
-            <p:ph type="dt" idx="1"/>
+            <p:ph type="dt" idx="3"/>
           </p:nvPr>
         </p:nvSpPr>
         <p:spPr/>
@@ -4694,8 +4224,8 @@
         </p:nvSpPr>
         <p:spPr>
           <a:xfrm>
-            <a:off x="504000" y="226080"/>
-            <a:ext cx="9072000" cy="946440"/>
+            <a:off x="504000" y="74160"/>
+            <a:ext cx="9072000" cy="1250280"/>
           </a:xfrm>
           <a:prstGeom prst="rect">
             <a:avLst/>
@@ -4710,11 +4240,11 @@
             <a:noAutofit/>
           </a:bodyPr>
           <a:p>
-            <a:endParaRPr b="0" lang="ru-RU" sz="1800" spc="-1" strike="noStrike">
-              <a:solidFill>
-                <a:srgbClr val="000000"/>
-              </a:solidFill>
-              <a:latin typeface="Calibri"/>
+            <a:pPr algn="ctr">
+              <a:buNone/>
+            </a:pPr>
+            <a:endParaRPr b="0" lang="ru-RU" sz="4400" spc="-1" strike="noStrike">
+              <a:latin typeface="Arial"/>
             </a:endParaRPr>
           </a:p>
         </p:txBody>
@@ -4726,7 +4256,7 @@
             <a:spLocks noGrp="1"/>
           </p:cNvSpPr>
           <p:nvPr>
-            <p:ph type="ftr" idx="2"/>
+            <p:ph type="ftr" idx="1"/>
           </p:nvPr>
         </p:nvSpPr>
         <p:spPr/>
@@ -4746,14 +4276,14 @@
             <a:spLocks noGrp="1"/>
           </p:cNvSpPr>
           <p:nvPr>
-            <p:ph type="sldNum" idx="3"/>
-          </p:nvPr>
-        </p:nvSpPr>
-        <p:spPr/>
-        <p:txBody>
-          <a:bodyPr/>
-          <a:p>
-            <a:fld id="{9F40E164-918B-450A-B4A9-4645BB78A4D0}" type="slidenum">
+            <p:ph type="sldNum" idx="2"/>
+          </p:nvPr>
+        </p:nvSpPr>
+        <p:spPr/>
+        <p:txBody>
+          <a:bodyPr/>
+          <a:p>
+            <a:fld id="{E7F321B9-5A7E-4024-A828-C17666C112CA}" type="slidenum">
               <a:t>&lt;#&gt;</a:t>
             </a:fld>
           </a:p>
@@ -4766,7 +4296,7 @@
             <a:spLocks noGrp="1"/>
           </p:cNvSpPr>
           <p:nvPr>
-            <p:ph type="dt" idx="1"/>
+            <p:ph type="dt" idx="3"/>
           </p:nvPr>
         </p:nvSpPr>
         <p:spPr/>
@@ -4846,7 +4376,7 @@
             <a:spLocks noGrp="1"/>
           </p:cNvSpPr>
           <p:nvPr>
-            <p:ph type="ftr" idx="2"/>
+            <p:ph type="ftr" idx="1"/>
           </p:nvPr>
         </p:nvSpPr>
         <p:spPr/>
@@ -4866,14 +4396,14 @@
             <a:spLocks noGrp="1"/>
           </p:cNvSpPr>
           <p:nvPr>
-            <p:ph type="sldNum" idx="3"/>
-          </p:nvPr>
-        </p:nvSpPr>
-        <p:spPr/>
-        <p:txBody>
-          <a:bodyPr/>
-          <a:p>
-            <a:fld id="{B0972600-4829-490E-A121-BD5B64FD807B}" type="slidenum">
+            <p:ph type="sldNum" idx="2"/>
+          </p:nvPr>
+        </p:nvSpPr>
+        <p:spPr/>
+        <p:txBody>
+          <a:bodyPr/>
+          <a:p>
+            <a:fld id="{F84833E0-420C-4570-ABDA-C6D0DB0BFC91}" type="slidenum">
               <a:t>&lt;#&gt;</a:t>
             </a:fld>
           </a:p>
@@ -4886,7 +4416,7 @@
             <a:spLocks noGrp="1"/>
           </p:cNvSpPr>
           <p:nvPr>
-            <p:ph type="dt" idx="1"/>
+            <p:ph type="dt" idx="3"/>
           </p:nvPr>
         </p:nvSpPr>
         <p:spPr/>
@@ -4934,8 +4464,8 @@
         </p:nvSpPr>
         <p:spPr>
           <a:xfrm>
-            <a:off x="504000" y="226080"/>
-            <a:ext cx="9072000" cy="946440"/>
+            <a:off x="504000" y="74160"/>
+            <a:ext cx="9072000" cy="1250280"/>
           </a:xfrm>
           <a:prstGeom prst="rect">
             <a:avLst/>
@@ -4950,11 +4480,11 @@
             <a:noAutofit/>
           </a:bodyPr>
           <a:p>
-            <a:endParaRPr b="0" lang="ru-RU" sz="1800" spc="-1" strike="noStrike">
-              <a:solidFill>
-                <a:srgbClr val="000000"/>
-              </a:solidFill>
-              <a:latin typeface="Calibri"/>
+            <a:pPr algn="ctr">
+              <a:buNone/>
+            </a:pPr>
+            <a:endParaRPr b="0" lang="ru-RU" sz="4400" spc="-1" strike="noStrike">
+              <a:latin typeface="Arial"/>
             </a:endParaRPr>
           </a:p>
         </p:txBody>
@@ -4987,20 +4517,8 @@
             <a:normAutofit/>
           </a:bodyPr>
           <a:p>
-            <a:pPr>
-              <a:lnSpc>
-                <a:spcPct val="90000"/>
-              </a:lnSpc>
-              <a:spcBef>
-                <a:spcPts val="1417"/>
-              </a:spcBef>
-              <a:buNone/>
-            </a:pPr>
-            <a:endParaRPr b="0" lang="ru-RU" sz="2320" spc="-1" strike="noStrike">
-              <a:solidFill>
-                <a:srgbClr val="000000"/>
-              </a:solidFill>
-              <a:latin typeface="Calibri"/>
+            <a:endParaRPr b="0" lang="ru-RU" sz="3200" spc="-1" strike="noStrike">
+              <a:latin typeface="Arial"/>
             </a:endParaRPr>
           </a:p>
         </p:txBody>
@@ -5033,20 +4551,8 @@
             <a:normAutofit/>
           </a:bodyPr>
           <a:p>
-            <a:pPr>
-              <a:lnSpc>
-                <a:spcPct val="90000"/>
-              </a:lnSpc>
-              <a:spcBef>
-                <a:spcPts val="1417"/>
-              </a:spcBef>
-              <a:buNone/>
-            </a:pPr>
-            <a:endParaRPr b="0" lang="ru-RU" sz="2320" spc="-1" strike="noStrike">
-              <a:solidFill>
-                <a:srgbClr val="000000"/>
-              </a:solidFill>
-              <a:latin typeface="Calibri"/>
+            <a:endParaRPr b="0" lang="ru-RU" sz="3200" spc="-1" strike="noStrike">
+              <a:latin typeface="Arial"/>
             </a:endParaRPr>
           </a:p>
         </p:txBody>
@@ -5079,20 +4585,8 @@
             <a:normAutofit/>
           </a:bodyPr>
           <a:p>
-            <a:pPr>
-              <a:lnSpc>
-                <a:spcPct val="90000"/>
-              </a:lnSpc>
-              <a:spcBef>
-                <a:spcPts val="1417"/>
-              </a:spcBef>
-              <a:buNone/>
-            </a:pPr>
-            <a:endParaRPr b="0" lang="ru-RU" sz="2320" spc="-1" strike="noStrike">
-              <a:solidFill>
-                <a:srgbClr val="000000"/>
-              </a:solidFill>
-              <a:latin typeface="Calibri"/>
+            <a:endParaRPr b="0" lang="ru-RU" sz="3200" spc="-1" strike="noStrike">
+              <a:latin typeface="Arial"/>
             </a:endParaRPr>
           </a:p>
         </p:txBody>
@@ -5104,7 +4598,7 @@
             <a:spLocks noGrp="1"/>
           </p:cNvSpPr>
           <p:nvPr>
-            <p:ph type="ftr" idx="2"/>
+            <p:ph type="ftr" idx="1"/>
           </p:nvPr>
         </p:nvSpPr>
         <p:spPr/>
@@ -5124,14 +4618,14 @@
             <a:spLocks noGrp="1"/>
           </p:cNvSpPr>
           <p:nvPr>
-            <p:ph type="sldNum" idx="3"/>
-          </p:nvPr>
-        </p:nvSpPr>
-        <p:spPr/>
-        <p:txBody>
-          <a:bodyPr/>
-          <a:p>
-            <a:fld id="{AEC633AA-B617-4A1B-A17D-C0FC79670749}" type="slidenum">
+            <p:ph type="sldNum" idx="2"/>
+          </p:nvPr>
+        </p:nvSpPr>
+        <p:spPr/>
+        <p:txBody>
+          <a:bodyPr/>
+          <a:p>
+            <a:fld id="{5E92D921-78AA-4472-B674-D92EE773749C}" type="slidenum">
               <a:t>&lt;#&gt;</a:t>
             </a:fld>
           </a:p>
@@ -5144,7 +4638,7 @@
             <a:spLocks noGrp="1"/>
           </p:cNvSpPr>
           <p:nvPr>
-            <p:ph type="dt" idx="1"/>
+            <p:ph type="dt" idx="3"/>
           </p:nvPr>
         </p:nvSpPr>
         <p:spPr/>
@@ -5192,8 +4686,8 @@
         </p:nvSpPr>
         <p:spPr>
           <a:xfrm>
-            <a:off x="504000" y="226080"/>
-            <a:ext cx="9072000" cy="946440"/>
+            <a:off x="504000" y="74160"/>
+            <a:ext cx="9072000" cy="1250280"/>
           </a:xfrm>
           <a:prstGeom prst="rect">
             <a:avLst/>
@@ -5208,11 +4702,11 @@
             <a:noAutofit/>
           </a:bodyPr>
           <a:p>
-            <a:endParaRPr b="0" lang="ru-RU" sz="1800" spc="-1" strike="noStrike">
-              <a:solidFill>
-                <a:srgbClr val="000000"/>
-              </a:solidFill>
-              <a:latin typeface="Calibri"/>
+            <a:pPr algn="ctr">
+              <a:buNone/>
+            </a:pPr>
+            <a:endParaRPr b="0" lang="ru-RU" sz="4400" spc="-1" strike="noStrike">
+              <a:latin typeface="Arial"/>
             </a:endParaRPr>
           </a:p>
         </p:txBody>
@@ -5245,20 +4739,8 @@
             <a:normAutofit/>
           </a:bodyPr>
           <a:p>
-            <a:pPr>
-              <a:lnSpc>
-                <a:spcPct val="90000"/>
-              </a:lnSpc>
-              <a:spcBef>
-                <a:spcPts val="1417"/>
-              </a:spcBef>
-              <a:buNone/>
-            </a:pPr>
-            <a:endParaRPr b="0" lang="ru-RU" sz="2320" spc="-1" strike="noStrike">
-              <a:solidFill>
-                <a:srgbClr val="000000"/>
-              </a:solidFill>
-              <a:latin typeface="Calibri"/>
+            <a:endParaRPr b="0" lang="ru-RU" sz="3200" spc="-1" strike="noStrike">
+              <a:latin typeface="Arial"/>
             </a:endParaRPr>
           </a:p>
         </p:txBody>
@@ -5291,20 +4773,8 @@
             <a:normAutofit/>
           </a:bodyPr>
           <a:p>
-            <a:pPr>
-              <a:lnSpc>
-                <a:spcPct val="90000"/>
-              </a:lnSpc>
-              <a:spcBef>
-                <a:spcPts val="1417"/>
-              </a:spcBef>
-              <a:buNone/>
-            </a:pPr>
-            <a:endParaRPr b="0" lang="ru-RU" sz="2320" spc="-1" strike="noStrike">
-              <a:solidFill>
-                <a:srgbClr val="000000"/>
-              </a:solidFill>
-              <a:latin typeface="Calibri"/>
+            <a:endParaRPr b="0" lang="ru-RU" sz="3200" spc="-1" strike="noStrike">
+              <a:latin typeface="Arial"/>
             </a:endParaRPr>
           </a:p>
         </p:txBody>
@@ -5337,20 +4807,8 @@
             <a:normAutofit/>
           </a:bodyPr>
           <a:p>
-            <a:pPr>
-              <a:lnSpc>
-                <a:spcPct val="90000"/>
-              </a:lnSpc>
-              <a:spcBef>
-                <a:spcPts val="1417"/>
-              </a:spcBef>
-              <a:buNone/>
-            </a:pPr>
-            <a:endParaRPr b="0" lang="ru-RU" sz="2320" spc="-1" strike="noStrike">
-              <a:solidFill>
-                <a:srgbClr val="000000"/>
-              </a:solidFill>
-              <a:latin typeface="Calibri"/>
+            <a:endParaRPr b="0" lang="ru-RU" sz="3200" spc="-1" strike="noStrike">
+              <a:latin typeface="Arial"/>
             </a:endParaRPr>
           </a:p>
         </p:txBody>
@@ -5362,7 +4820,7 @@
             <a:spLocks noGrp="1"/>
           </p:cNvSpPr>
           <p:nvPr>
-            <p:ph type="ftr" idx="2"/>
+            <p:ph type="ftr" idx="1"/>
           </p:nvPr>
         </p:nvSpPr>
         <p:spPr/>
@@ -5382,14 +4840,14 @@
             <a:spLocks noGrp="1"/>
           </p:cNvSpPr>
           <p:nvPr>
-            <p:ph type="sldNum" idx="3"/>
-          </p:nvPr>
-        </p:nvSpPr>
-        <p:spPr/>
-        <p:txBody>
-          <a:bodyPr/>
-          <a:p>
-            <a:fld id="{22D24B56-43D5-49F6-9281-8095F54410FF}" type="slidenum">
+            <p:ph type="sldNum" idx="2"/>
+          </p:nvPr>
+        </p:nvSpPr>
+        <p:spPr/>
+        <p:txBody>
+          <a:bodyPr/>
+          <a:p>
+            <a:fld id="{0E7D92C9-FE14-4C6E-A9A0-9A57AB2812A4}" type="slidenum">
               <a:t>&lt;#&gt;</a:t>
             </a:fld>
           </a:p>
@@ -5402,7 +4860,7 @@
             <a:spLocks noGrp="1"/>
           </p:cNvSpPr>
           <p:nvPr>
-            <p:ph type="dt" idx="1"/>
+            <p:ph type="dt" idx="3"/>
           </p:nvPr>
         </p:nvSpPr>
         <p:spPr/>
@@ -5450,8 +4908,8 @@
         </p:nvSpPr>
         <p:spPr>
           <a:xfrm>
-            <a:off x="504000" y="226080"/>
-            <a:ext cx="9072000" cy="946440"/>
+            <a:off x="504000" y="74160"/>
+            <a:ext cx="9072000" cy="1250280"/>
           </a:xfrm>
           <a:prstGeom prst="rect">
             <a:avLst/>
@@ -5466,11 +4924,11 @@
             <a:noAutofit/>
           </a:bodyPr>
           <a:p>
-            <a:endParaRPr b="0" lang="ru-RU" sz="1800" spc="-1" strike="noStrike">
-              <a:solidFill>
-                <a:srgbClr val="000000"/>
-              </a:solidFill>
-              <a:latin typeface="Calibri"/>
+            <a:pPr algn="ctr">
+              <a:buNone/>
+            </a:pPr>
+            <a:endParaRPr b="0" lang="ru-RU" sz="4400" spc="-1" strike="noStrike">
+              <a:latin typeface="Arial"/>
             </a:endParaRPr>
           </a:p>
         </p:txBody>
@@ -5503,20 +4961,8 @@
             <a:normAutofit/>
           </a:bodyPr>
           <a:p>
-            <a:pPr>
-              <a:lnSpc>
-                <a:spcPct val="90000"/>
-              </a:lnSpc>
-              <a:spcBef>
-                <a:spcPts val="1417"/>
-              </a:spcBef>
-              <a:buNone/>
-            </a:pPr>
-            <a:endParaRPr b="0" lang="ru-RU" sz="2320" spc="-1" strike="noStrike">
-              <a:solidFill>
-                <a:srgbClr val="000000"/>
-              </a:solidFill>
-              <a:latin typeface="Calibri"/>
+            <a:endParaRPr b="0" lang="ru-RU" sz="3200" spc="-1" strike="noStrike">
+              <a:latin typeface="Arial"/>
             </a:endParaRPr>
           </a:p>
         </p:txBody>
@@ -5549,20 +4995,8 @@
             <a:normAutofit/>
           </a:bodyPr>
           <a:p>
-            <a:pPr>
-              <a:lnSpc>
-                <a:spcPct val="90000"/>
-              </a:lnSpc>
-              <a:spcBef>
-                <a:spcPts val="1417"/>
-              </a:spcBef>
-              <a:buNone/>
-            </a:pPr>
-            <a:endParaRPr b="0" lang="ru-RU" sz="2320" spc="-1" strike="noStrike">
-              <a:solidFill>
-                <a:srgbClr val="000000"/>
-              </a:solidFill>
-              <a:latin typeface="Calibri"/>
+            <a:endParaRPr b="0" lang="ru-RU" sz="3200" spc="-1" strike="noStrike">
+              <a:latin typeface="Arial"/>
             </a:endParaRPr>
           </a:p>
         </p:txBody>
@@ -5595,20 +5029,8 @@
             <a:normAutofit/>
           </a:bodyPr>
           <a:p>
-            <a:pPr>
-              <a:lnSpc>
-                <a:spcPct val="90000"/>
-              </a:lnSpc>
-              <a:spcBef>
-                <a:spcPts val="1417"/>
-              </a:spcBef>
-              <a:buNone/>
-            </a:pPr>
-            <a:endParaRPr b="0" lang="ru-RU" sz="2320" spc="-1" strike="noStrike">
-              <a:solidFill>
-                <a:srgbClr val="000000"/>
-              </a:solidFill>
-              <a:latin typeface="Calibri"/>
+            <a:endParaRPr b="0" lang="ru-RU" sz="3200" spc="-1" strike="noStrike">
+              <a:latin typeface="Arial"/>
             </a:endParaRPr>
           </a:p>
         </p:txBody>
@@ -5620,7 +5042,7 @@
             <a:spLocks noGrp="1"/>
           </p:cNvSpPr>
           <p:nvPr>
-            <p:ph type="ftr" idx="2"/>
+            <p:ph type="ftr" idx="1"/>
           </p:nvPr>
         </p:nvSpPr>
         <p:spPr/>
@@ -5640,14 +5062,14 @@
             <a:spLocks noGrp="1"/>
           </p:cNvSpPr>
           <p:nvPr>
-            <p:ph type="sldNum" idx="3"/>
-          </p:nvPr>
-        </p:nvSpPr>
-        <p:spPr/>
-        <p:txBody>
-          <a:bodyPr/>
-          <a:p>
-            <a:fld id="{195950E9-312F-4789-8A6F-07F5AA8B49D5}" type="slidenum">
+            <p:ph type="sldNum" idx="2"/>
+          </p:nvPr>
+        </p:nvSpPr>
+        <p:spPr/>
+        <p:txBody>
+          <a:bodyPr/>
+          <a:p>
+            <a:fld id="{F5710E98-27CF-4ACB-8B36-44D2BAD578D9}" type="slidenum">
               <a:t>&lt;#&gt;</a:t>
             </a:fld>
           </a:p>
@@ -5660,7 +5082,7 @@
             <a:spLocks noGrp="1"/>
           </p:cNvSpPr>
           <p:nvPr>
-            <p:ph type="dt" idx="1"/>
+            <p:ph type="dt" idx="3"/>
           </p:nvPr>
         </p:nvSpPr>
         <p:spPr/>
@@ -5710,75 +5132,31 @@
             <a:spLocks noGrp="1"/>
           </p:cNvSpPr>
           <p:nvPr>
-            <p:ph type="dt" idx="1"/>
-          </p:nvPr>
-        </p:nvSpPr>
-        <p:spPr>
-          <a:xfrm>
-            <a:off x="693000" y="5255640"/>
-            <a:ext cx="2267640" cy="301680"/>
-          </a:xfrm>
-          <a:prstGeom prst="rect">
-            <a:avLst/>
-          </a:prstGeom>
-          <a:noFill/>
-          <a:ln w="0">
-            <a:noFill/>
-          </a:ln>
-        </p:spPr>
-        <p:txBody>
-          <a:bodyPr anchor="ctr">
-            <a:noAutofit/>
-          </a:bodyPr>
-          <a:lstStyle>
-            <a:lvl1pPr>
-              <a:defRPr b="0" lang="ru-RU" sz="1400" spc="-1" strike="noStrike">
-                <a:latin typeface="Times New Roman"/>
-              </a:defRPr>
-            </a:lvl1pPr>
-          </a:lstStyle>
-          <a:p>
-            <a:r>
-              <a:rPr b="0" lang="ru-RU" sz="1400" spc="-1" strike="noStrike">
-                <a:latin typeface="Times New Roman"/>
-              </a:rPr>
-              <a:t> </a:t>
-            </a:r>
-            <a:endParaRPr b="0" lang="ru-RU" sz="1400" spc="-1" strike="noStrike">
-              <a:latin typeface="Times New Roman"/>
-            </a:endParaRPr>
-          </a:p>
-        </p:txBody>
-      </p:sp>
-      <p:sp>
-        <p:nvSpPr>
-          <p:cNvPr id="1" name="PlaceHolder 2"/>
-          <p:cNvSpPr>
-            <a:spLocks noGrp="1"/>
-          </p:cNvSpPr>
-          <p:nvPr>
-            <p:ph type="ftr" idx="2"/>
+            <p:ph type="ftr" idx="1"/>
           </p:nvPr>
         </p:nvSpPr>
         <p:spPr>
           <a:xfrm>
             <a:off x="3339360" y="5255640"/>
-            <a:ext cx="3402000" cy="301680"/>
-          </a:xfrm>
-          <a:prstGeom prst="rect">
-            <a:avLst/>
-          </a:prstGeom>
-          <a:noFill/>
-          <a:ln w="0">
-            <a:noFill/>
-          </a:ln>
-        </p:spPr>
-        <p:txBody>
-          <a:bodyPr anchor="ctr">
+            <a:ext cx="3401640" cy="301320"/>
+          </a:xfrm>
+          <a:prstGeom prst="rect">
+            <a:avLst/>
+          </a:prstGeom>
+          <a:noFill/>
+          <a:ln w="0">
+            <a:noFill/>
+          </a:ln>
+        </p:spPr>
+        <p:txBody>
+          <a:bodyPr lIns="90000" rIns="90000" tIns="45000" bIns="45000" anchor="ctr">
             <a:noAutofit/>
           </a:bodyPr>
           <a:lstStyle>
             <a:lvl1pPr algn="ctr">
+              <a:lnSpc>
+                <a:spcPct val="100000"/>
+              </a:lnSpc>
               <a:buNone/>
               <a:defRPr b="0" lang="ru-RU" sz="1400" spc="-1" strike="noStrike">
                 <a:latin typeface="Times New Roman"/>
@@ -5787,13 +5165,16 @@
           </a:lstStyle>
           <a:p>
             <a:pPr algn="ctr">
+              <a:lnSpc>
+                <a:spcPct val="100000"/>
+              </a:lnSpc>
               <a:buNone/>
             </a:pPr>
             <a:r>
               <a:rPr b="0" lang="ru-RU" sz="1400" spc="-1" strike="noStrike">
                 <a:latin typeface="Times New Roman"/>
               </a:rPr>
-              <a:t> </a:t>
+              <a:t>&lt;нижний колонтитул&gt;</a:t>
             </a:r>
             <a:endParaRPr b="0" lang="ru-RU" sz="1400" spc="-1" strike="noStrike">
               <a:latin typeface="Times New Roman"/>
@@ -5803,29 +5184,29 @@
       </p:sp>
       <p:sp>
         <p:nvSpPr>
-          <p:cNvPr id="2" name="PlaceHolder 3"/>
-          <p:cNvSpPr>
-            <a:spLocks noGrp="1"/>
-          </p:cNvSpPr>
-          <p:nvPr>
-            <p:ph type="sldNum" idx="3"/>
+          <p:cNvPr id="1" name="PlaceHolder 2"/>
+          <p:cNvSpPr>
+            <a:spLocks noGrp="1"/>
+          </p:cNvSpPr>
+          <p:nvPr>
+            <p:ph type="sldNum" idx="2"/>
           </p:nvPr>
         </p:nvSpPr>
         <p:spPr>
           <a:xfrm>
             <a:off x="7119360" y="5255640"/>
-            <a:ext cx="2267640" cy="301680"/>
-          </a:xfrm>
-          <a:prstGeom prst="rect">
-            <a:avLst/>
-          </a:prstGeom>
-          <a:noFill/>
-          <a:ln w="0">
-            <a:noFill/>
-          </a:ln>
-        </p:spPr>
-        <p:txBody>
-          <a:bodyPr anchor="ctr">
+            <a:ext cx="2267280" cy="301320"/>
+          </a:xfrm>
+          <a:prstGeom prst="rect">
+            <a:avLst/>
+          </a:prstGeom>
+          <a:noFill/>
+          <a:ln w="0">
+            <a:noFill/>
+          </a:ln>
+        </p:spPr>
+        <p:txBody>
+          <a:bodyPr lIns="90000" rIns="90000" tIns="45000" bIns="45000" anchor="ctr">
             <a:noAutofit/>
           </a:bodyPr>
           <a:lstStyle>
@@ -5849,14 +5230,14 @@
               </a:lnSpc>
               <a:buNone/>
             </a:pPr>
-            <a:fld id="{22D30F66-FE1E-4814-88A1-690F9D164310}" type="slidenum">
+            <a:fld id="{DBEBD8A7-4889-49F2-B98A-350110F45AF9}" type="slidenum">
               <a:rPr b="0" lang="ru-RU" sz="989" spc="-1" strike="noStrike">
                 <a:solidFill>
                   <a:srgbClr val="8b8b8b"/>
                 </a:solidFill>
                 <a:latin typeface="Calibri"/>
               </a:rPr>
-              <a:t>2</a:t>
+              <a:t>&lt;номер&gt;</a:t>
             </a:fld>
             <a:endParaRPr b="0" lang="ru-RU" sz="989" spc="-1" strike="noStrike">
               <a:latin typeface="Times New Roman"/>
@@ -5866,6 +5247,53 @@
       </p:sp>
       <p:sp>
         <p:nvSpPr>
+          <p:cNvPr id="2" name="PlaceHolder 3"/>
+          <p:cNvSpPr>
+            <a:spLocks noGrp="1"/>
+          </p:cNvSpPr>
+          <p:nvPr>
+            <p:ph type="dt" idx="3"/>
+          </p:nvPr>
+        </p:nvSpPr>
+        <p:spPr>
+          <a:xfrm>
+            <a:off x="693000" y="5255640"/>
+            <a:ext cx="2267280" cy="301320"/>
+          </a:xfrm>
+          <a:prstGeom prst="rect">
+            <a:avLst/>
+          </a:prstGeom>
+          <a:noFill/>
+          <a:ln w="0">
+            <a:noFill/>
+          </a:ln>
+        </p:spPr>
+        <p:txBody>
+          <a:bodyPr lIns="90000" rIns="90000" tIns="45000" bIns="45000" anchor="ctr">
+            <a:noAutofit/>
+          </a:bodyPr>
+          <a:lstStyle>
+            <a:lvl1pPr>
+              <a:defRPr b="0" lang="ru-RU" sz="1400" spc="-1" strike="noStrike">
+                <a:latin typeface="Times New Roman"/>
+              </a:defRPr>
+            </a:lvl1pPr>
+          </a:lstStyle>
+          <a:p>
+            <a:r>
+              <a:rPr b="0" lang="ru-RU" sz="1400" spc="-1" strike="noStrike">
+                <a:latin typeface="Times New Roman"/>
+              </a:rPr>
+              <a:t>&lt;дата/время&gt;</a:t>
+            </a:r>
+            <a:endParaRPr b="0" lang="ru-RU" sz="1400" spc="-1" strike="noStrike">
+              <a:latin typeface="Times New Roman"/>
+            </a:endParaRPr>
+          </a:p>
+        </p:txBody>
+      </p:sp>
+      <p:sp>
+        <p:nvSpPr>
           <p:cNvPr id="3" name="PlaceHolder 4"/>
           <p:cNvSpPr>
             <a:spLocks noGrp="1"/>
@@ -5892,38 +5320,29 @@
             <a:noAutofit/>
           </a:bodyPr>
           <a:p>
-            <a:r>
-              <a:rPr b="0" lang="ru-RU" sz="1800" spc="-1" strike="noStrike">
-                <a:solidFill>
-                  <a:srgbClr val="000000"/>
-                </a:solidFill>
-                <a:latin typeface="Calibri"/>
+            <a:pPr algn="ctr">
+              <a:buNone/>
+            </a:pPr>
+            <a:r>
+              <a:rPr b="0" lang="ru-RU" sz="4400" spc="-1" strike="noStrike">
+                <a:latin typeface="Arial"/>
               </a:rPr>
               <a:t>Для правки текста </a:t>
             </a:r>
             <a:r>
-              <a:rPr b="0" lang="ru-RU" sz="1800" spc="-1" strike="noStrike">
-                <a:solidFill>
-                  <a:srgbClr val="000000"/>
-                </a:solidFill>
-                <a:latin typeface="Calibri"/>
+              <a:rPr b="0" lang="ru-RU" sz="4400" spc="-1" strike="noStrike">
+                <a:latin typeface="Arial"/>
               </a:rPr>
               <a:t>заглавия щёлкните </a:t>
             </a:r>
             <a:r>
-              <a:rPr b="0" lang="ru-RU" sz="1800" spc="-1" strike="noStrike">
-                <a:solidFill>
-                  <a:srgbClr val="000000"/>
-                </a:solidFill>
-                <a:latin typeface="Calibri"/>
+              <a:rPr b="0" lang="ru-RU" sz="4400" spc="-1" strike="noStrike">
+                <a:latin typeface="Arial"/>
               </a:rPr>
               <a:t>мышью</a:t>
             </a:r>
-            <a:endParaRPr b="0" lang="ru-RU" sz="1800" spc="-1" strike="noStrike">
-              <a:solidFill>
-                <a:srgbClr val="000000"/>
-              </a:solidFill>
-              <a:latin typeface="Calibri"/>
+            <a:endParaRPr b="0" lang="ru-RU" sz="4400" spc="-1" strike="noStrike">
+              <a:latin typeface="Arial"/>
             </a:endParaRPr>
           </a:p>
         </p:txBody>
@@ -5957,9 +5376,6 @@
           </a:bodyPr>
           <a:p>
             <a:pPr marL="432000" indent="-324000">
-              <a:lnSpc>
-                <a:spcPct val="90000"/>
-              </a:lnSpc>
               <a:spcBef>
                 <a:spcPts val="1417"/>
               </a:spcBef>
@@ -5971,26 +5387,17 @@
               <a:buChar char=""/>
             </a:pPr>
             <a:r>
-              <a:rPr b="0" lang="ru-RU" sz="2320" spc="-1" strike="noStrike">
-                <a:solidFill>
-                  <a:srgbClr val="000000"/>
-                </a:solidFill>
-                <a:latin typeface="Calibri"/>
+              <a:rPr b="0" lang="ru-RU" sz="3200" spc="-1" strike="noStrike">
+                <a:latin typeface="Arial"/>
               </a:rPr>
               <a:t>Для правки структуры щёлкните мышью</a:t>
             </a:r>
-            <a:endParaRPr b="0" lang="ru-RU" sz="2320" spc="-1" strike="noStrike">
-              <a:solidFill>
-                <a:srgbClr val="000000"/>
-              </a:solidFill>
-              <a:latin typeface="Calibri"/>
+            <a:endParaRPr b="0" lang="ru-RU" sz="3200" spc="-1" strike="noStrike">
+              <a:latin typeface="Arial"/>
             </a:endParaRPr>
           </a:p>
           <a:p>
             <a:pPr lvl="1" marL="864000" indent="-324000">
-              <a:lnSpc>
-                <a:spcPct val="90000"/>
-              </a:lnSpc>
               <a:spcBef>
                 <a:spcPts val="1134"/>
               </a:spcBef>
@@ -6002,26 +5409,17 @@
               <a:buChar char=""/>
             </a:pPr>
             <a:r>
-              <a:rPr b="0" lang="ru-RU" sz="1660" spc="-1" strike="noStrike">
-                <a:solidFill>
-                  <a:srgbClr val="000000"/>
-                </a:solidFill>
-                <a:latin typeface="Calibri"/>
+              <a:rPr b="0" lang="ru-RU" sz="2800" spc="-1" strike="noStrike">
+                <a:latin typeface="Arial"/>
               </a:rPr>
               <a:t>Второй уровень структуры</a:t>
             </a:r>
-            <a:endParaRPr b="0" lang="ru-RU" sz="1660" spc="-1" strike="noStrike">
-              <a:solidFill>
-                <a:srgbClr val="000000"/>
-              </a:solidFill>
-              <a:latin typeface="Calibri"/>
+            <a:endParaRPr b="0" lang="ru-RU" sz="2800" spc="-1" strike="noStrike">
+              <a:latin typeface="Arial"/>
             </a:endParaRPr>
           </a:p>
           <a:p>
             <a:pPr lvl="2" marL="1296000" indent="-288000">
-              <a:lnSpc>
-                <a:spcPct val="90000"/>
-              </a:lnSpc>
               <a:spcBef>
                 <a:spcPts val="850"/>
               </a:spcBef>
@@ -6033,26 +5431,17 @@
               <a:buChar char=""/>
             </a:pPr>
             <a:r>
-              <a:rPr b="0" lang="ru-RU" sz="1490" spc="-1" strike="noStrike">
-                <a:solidFill>
-                  <a:srgbClr val="000000"/>
-                </a:solidFill>
-                <a:latin typeface="Calibri"/>
+              <a:rPr b="0" lang="ru-RU" sz="2400" spc="-1" strike="noStrike">
+                <a:latin typeface="Arial"/>
               </a:rPr>
               <a:t>Третий уровень структуры</a:t>
             </a:r>
-            <a:endParaRPr b="0" lang="ru-RU" sz="1490" spc="-1" strike="noStrike">
-              <a:solidFill>
-                <a:srgbClr val="000000"/>
-              </a:solidFill>
-              <a:latin typeface="Calibri"/>
+            <a:endParaRPr b="0" lang="ru-RU" sz="2400" spc="-1" strike="noStrike">
+              <a:latin typeface="Arial"/>
             </a:endParaRPr>
           </a:p>
           <a:p>
             <a:pPr lvl="3" marL="1728000" indent="-216000">
-              <a:lnSpc>
-                <a:spcPct val="90000"/>
-              </a:lnSpc>
               <a:spcBef>
                 <a:spcPts val="567"/>
               </a:spcBef>
@@ -6064,26 +5453,17 @@
               <a:buChar char=""/>
             </a:pPr>
             <a:r>
-              <a:rPr b="0" lang="ru-RU" sz="1490" spc="-1" strike="noStrike">
-                <a:solidFill>
-                  <a:srgbClr val="000000"/>
-                </a:solidFill>
-                <a:latin typeface="Calibri"/>
+              <a:rPr b="0" lang="ru-RU" sz="2000" spc="-1" strike="noStrike">
+                <a:latin typeface="Arial"/>
               </a:rPr>
               <a:t>Четвёртый уровень структуры</a:t>
             </a:r>
-            <a:endParaRPr b="0" lang="ru-RU" sz="1490" spc="-1" strike="noStrike">
-              <a:solidFill>
-                <a:srgbClr val="000000"/>
-              </a:solidFill>
-              <a:latin typeface="Calibri"/>
+            <a:endParaRPr b="0" lang="ru-RU" sz="2000" spc="-1" strike="noStrike">
+              <a:latin typeface="Arial"/>
             </a:endParaRPr>
           </a:p>
           <a:p>
             <a:pPr lvl="4" marL="2160000" indent="-216000">
-              <a:lnSpc>
-                <a:spcPct val="90000"/>
-              </a:lnSpc>
               <a:spcBef>
                 <a:spcPts val="283"/>
               </a:spcBef>
@@ -6096,25 +5476,16 @@
             </a:pPr>
             <a:r>
               <a:rPr b="0" lang="ru-RU" sz="2000" spc="-1" strike="noStrike">
-                <a:solidFill>
-                  <a:srgbClr val="000000"/>
-                </a:solidFill>
-                <a:latin typeface="Calibri"/>
+                <a:latin typeface="Arial"/>
               </a:rPr>
               <a:t>Пятый уровень структуры</a:t>
             </a:r>
             <a:endParaRPr b="0" lang="ru-RU" sz="2000" spc="-1" strike="noStrike">
-              <a:solidFill>
-                <a:srgbClr val="000000"/>
-              </a:solidFill>
-              <a:latin typeface="Calibri"/>
+              <a:latin typeface="Arial"/>
             </a:endParaRPr>
           </a:p>
           <a:p>
             <a:pPr lvl="5" marL="2592000" indent="-216000">
-              <a:lnSpc>
-                <a:spcPct val="90000"/>
-              </a:lnSpc>
               <a:spcBef>
                 <a:spcPts val="283"/>
               </a:spcBef>
@@ -6127,25 +5498,16 @@
             </a:pPr>
             <a:r>
               <a:rPr b="0" lang="ru-RU" sz="2000" spc="-1" strike="noStrike">
-                <a:solidFill>
-                  <a:srgbClr val="000000"/>
-                </a:solidFill>
-                <a:latin typeface="Calibri"/>
+                <a:latin typeface="Arial"/>
               </a:rPr>
               <a:t>Шестой уровень структуры</a:t>
             </a:r>
             <a:endParaRPr b="0" lang="ru-RU" sz="2000" spc="-1" strike="noStrike">
-              <a:solidFill>
-                <a:srgbClr val="000000"/>
-              </a:solidFill>
-              <a:latin typeface="Calibri"/>
+              <a:latin typeface="Arial"/>
             </a:endParaRPr>
           </a:p>
           <a:p>
             <a:pPr lvl="6" marL="3024000" indent="-216000">
-              <a:lnSpc>
-                <a:spcPct val="90000"/>
-              </a:lnSpc>
               <a:spcBef>
                 <a:spcPts val="283"/>
               </a:spcBef>
@@ -6158,18 +5520,12 @@
             </a:pPr>
             <a:r>
               <a:rPr b="0" lang="ru-RU" sz="2000" spc="-1" strike="noStrike">
-                <a:solidFill>
-                  <a:srgbClr val="000000"/>
-                </a:solidFill>
-                <a:latin typeface="Calibri"/>
+                <a:latin typeface="Arial"/>
               </a:rPr>
               <a:t>Седьмой уровень структуры</a:t>
             </a:r>
             <a:endParaRPr b="0" lang="ru-RU" sz="2000" spc="-1" strike="noStrike">
-              <a:solidFill>
-                <a:srgbClr val="000000"/>
-              </a:solidFill>
-              <a:latin typeface="Calibri"/>
+              <a:latin typeface="Arial"/>
             </a:endParaRPr>
           </a:p>
         </p:txBody>
@@ -6225,75 +5581,31 @@
             <a:spLocks noGrp="1"/>
           </p:cNvSpPr>
           <p:nvPr>
-            <p:ph type="dt" idx="4"/>
-          </p:nvPr>
-        </p:nvSpPr>
-        <p:spPr>
-          <a:xfrm>
-            <a:off x="693000" y="5255640"/>
-            <a:ext cx="2267640" cy="301680"/>
-          </a:xfrm>
-          <a:prstGeom prst="rect">
-            <a:avLst/>
-          </a:prstGeom>
-          <a:noFill/>
-          <a:ln w="0">
-            <a:noFill/>
-          </a:ln>
-        </p:spPr>
-        <p:txBody>
-          <a:bodyPr anchor="ctr">
-            <a:noAutofit/>
-          </a:bodyPr>
-          <a:lstStyle>
-            <a:lvl1pPr>
-              <a:defRPr b="0" lang="ru-RU" sz="1400" spc="-1" strike="noStrike">
-                <a:latin typeface="Times New Roman"/>
-              </a:defRPr>
-            </a:lvl1pPr>
-          </a:lstStyle>
-          <a:p>
-            <a:r>
-              <a:rPr b="0" lang="ru-RU" sz="1400" spc="-1" strike="noStrike">
-                <a:latin typeface="Times New Roman"/>
-              </a:rPr>
-              <a:t>&lt;дата/время&gt;</a:t>
-            </a:r>
-            <a:endParaRPr b="0" lang="ru-RU" sz="1400" spc="-1" strike="noStrike">
-              <a:latin typeface="Times New Roman"/>
-            </a:endParaRPr>
-          </a:p>
-        </p:txBody>
-      </p:sp>
-      <p:sp>
-        <p:nvSpPr>
-          <p:cNvPr id="42" name="PlaceHolder 2"/>
-          <p:cNvSpPr>
-            <a:spLocks noGrp="1"/>
-          </p:cNvSpPr>
-          <p:nvPr>
-            <p:ph type="ftr" idx="5"/>
+            <p:ph type="ftr" idx="4"/>
           </p:nvPr>
         </p:nvSpPr>
         <p:spPr>
           <a:xfrm>
             <a:off x="3339360" y="5255640"/>
-            <a:ext cx="3402000" cy="301680"/>
-          </a:xfrm>
-          <a:prstGeom prst="rect">
-            <a:avLst/>
-          </a:prstGeom>
-          <a:noFill/>
-          <a:ln w="0">
-            <a:noFill/>
-          </a:ln>
-        </p:spPr>
-        <p:txBody>
-          <a:bodyPr anchor="ctr">
+            <a:ext cx="3401640" cy="301320"/>
+          </a:xfrm>
+          <a:prstGeom prst="rect">
+            <a:avLst/>
+          </a:prstGeom>
+          <a:noFill/>
+          <a:ln w="0">
+            <a:noFill/>
+          </a:ln>
+        </p:spPr>
+        <p:txBody>
+          <a:bodyPr lIns="90000" rIns="90000" tIns="45000" bIns="45000" anchor="ctr">
             <a:noAutofit/>
           </a:bodyPr>
           <a:lstStyle>
             <a:lvl1pPr algn="ctr">
+              <a:lnSpc>
+                <a:spcPct val="100000"/>
+              </a:lnSpc>
               <a:buNone/>
               <a:defRPr b="0" lang="ru-RU" sz="1400" spc="-1" strike="noStrike">
                 <a:latin typeface="Times New Roman"/>
@@ -6302,6 +5614,9 @@
           </a:lstStyle>
           <a:p>
             <a:pPr algn="ctr">
+              <a:lnSpc>
+                <a:spcPct val="100000"/>
+              </a:lnSpc>
               <a:buNone/>
             </a:pPr>
             <a:r>
@@ -6318,29 +5633,29 @@
       </p:sp>
       <p:sp>
         <p:nvSpPr>
-          <p:cNvPr id="43" name="PlaceHolder 3"/>
-          <p:cNvSpPr>
-            <a:spLocks noGrp="1"/>
-          </p:cNvSpPr>
-          <p:nvPr>
-            <p:ph type="sldNum" idx="6"/>
+          <p:cNvPr id="42" name="PlaceHolder 2"/>
+          <p:cNvSpPr>
+            <a:spLocks noGrp="1"/>
+          </p:cNvSpPr>
+          <p:nvPr>
+            <p:ph type="sldNum" idx="5"/>
           </p:nvPr>
         </p:nvSpPr>
         <p:spPr>
           <a:xfrm>
             <a:off x="7119360" y="5255640"/>
-            <a:ext cx="2267640" cy="301680"/>
-          </a:xfrm>
-          <a:prstGeom prst="rect">
-            <a:avLst/>
-          </a:prstGeom>
-          <a:noFill/>
-          <a:ln w="0">
-            <a:noFill/>
-          </a:ln>
-        </p:spPr>
-        <p:txBody>
-          <a:bodyPr anchor="ctr">
+            <a:ext cx="2267280" cy="301320"/>
+          </a:xfrm>
+          <a:prstGeom prst="rect">
+            <a:avLst/>
+          </a:prstGeom>
+          <a:noFill/>
+          <a:ln w="0">
+            <a:noFill/>
+          </a:ln>
+        </p:spPr>
+        <p:txBody>
+          <a:bodyPr lIns="90000" rIns="90000" tIns="45000" bIns="45000" anchor="ctr">
             <a:noAutofit/>
           </a:bodyPr>
           <a:lstStyle>
@@ -6364,7 +5679,7 @@
               </a:lnSpc>
               <a:buNone/>
             </a:pPr>
-            <a:fld id="{CAF1D7ED-F239-40D0-B0D3-6026658ADD99}" type="slidenum">
+            <a:fld id="{5B94B8AC-0C84-45D9-8C25-CAF9D56C823B}" type="slidenum">
               <a:rPr b="0" lang="ru-RU" sz="989" spc="-1" strike="noStrike">
                 <a:solidFill>
                   <a:srgbClr val="8b8b8b"/>
@@ -6381,6 +5696,53 @@
       </p:sp>
       <p:sp>
         <p:nvSpPr>
+          <p:cNvPr id="43" name="PlaceHolder 3"/>
+          <p:cNvSpPr>
+            <a:spLocks noGrp="1"/>
+          </p:cNvSpPr>
+          <p:nvPr>
+            <p:ph type="dt" idx="6"/>
+          </p:nvPr>
+        </p:nvSpPr>
+        <p:spPr>
+          <a:xfrm>
+            <a:off x="693000" y="5255640"/>
+            <a:ext cx="2267280" cy="301320"/>
+          </a:xfrm>
+          <a:prstGeom prst="rect">
+            <a:avLst/>
+          </a:prstGeom>
+          <a:noFill/>
+          <a:ln w="0">
+            <a:noFill/>
+          </a:ln>
+        </p:spPr>
+        <p:txBody>
+          <a:bodyPr lIns="90000" rIns="90000" tIns="45000" bIns="45000" anchor="ctr">
+            <a:noAutofit/>
+          </a:bodyPr>
+          <a:lstStyle>
+            <a:lvl1pPr>
+              <a:defRPr b="0" lang="ru-RU" sz="1400" spc="-1" strike="noStrike">
+                <a:latin typeface="Times New Roman"/>
+              </a:defRPr>
+            </a:lvl1pPr>
+          </a:lstStyle>
+          <a:p>
+            <a:r>
+              <a:rPr b="0" lang="ru-RU" sz="1400" spc="-1" strike="noStrike">
+                <a:latin typeface="Times New Roman"/>
+              </a:rPr>
+              <a:t>&lt;дата/время&gt;</a:t>
+            </a:r>
+            <a:endParaRPr b="0" lang="ru-RU" sz="1400" spc="-1" strike="noStrike">
+              <a:latin typeface="Times New Roman"/>
+            </a:endParaRPr>
+          </a:p>
+        </p:txBody>
+      </p:sp>
+      <p:sp>
+        <p:nvSpPr>
           <p:cNvPr id="44" name="PlaceHolder 4"/>
           <p:cNvSpPr>
             <a:spLocks noGrp="1"/>
@@ -6407,20 +5769,17 @@
             <a:noAutofit/>
           </a:bodyPr>
           <a:p>
-            <a:r>
-              <a:rPr b="0" lang="ru-RU" sz="1800" spc="-1" strike="noStrike">
-                <a:solidFill>
-                  <a:srgbClr val="000000"/>
-                </a:solidFill>
-                <a:latin typeface="Calibri"/>
+            <a:pPr algn="ctr">
+              <a:buNone/>
+            </a:pPr>
+            <a:r>
+              <a:rPr b="0" lang="ru-RU" sz="4400" spc="-1" strike="noStrike">
+                <a:latin typeface="Arial"/>
               </a:rPr>
               <a:t>Для правки текста заглавия щёлкните мышью</a:t>
             </a:r>
-            <a:endParaRPr b="0" lang="ru-RU" sz="1800" spc="-1" strike="noStrike">
-              <a:solidFill>
-                <a:srgbClr val="000000"/>
-              </a:solidFill>
-              <a:latin typeface="Calibri"/>
+            <a:endParaRPr b="0" lang="ru-RU" sz="4400" spc="-1" strike="noStrike">
+              <a:latin typeface="Arial"/>
             </a:endParaRPr>
           </a:p>
         </p:txBody>
@@ -6454,9 +5813,6 @@
           </a:bodyPr>
           <a:p>
             <a:pPr marL="432000" indent="-324000">
-              <a:lnSpc>
-                <a:spcPct val="90000"/>
-              </a:lnSpc>
               <a:spcBef>
                 <a:spcPts val="1417"/>
               </a:spcBef>
@@ -6468,26 +5824,17 @@
               <a:buChar char=""/>
             </a:pPr>
             <a:r>
-              <a:rPr b="0" lang="ru-RU" sz="2320" spc="-1" strike="noStrike">
-                <a:solidFill>
-                  <a:srgbClr val="000000"/>
-                </a:solidFill>
-                <a:latin typeface="Calibri"/>
+              <a:rPr b="0" lang="ru-RU" sz="3200" spc="-1" strike="noStrike">
+                <a:latin typeface="Arial"/>
               </a:rPr>
               <a:t>Для правки структуры щёлкните мышью</a:t>
             </a:r>
-            <a:endParaRPr b="0" lang="ru-RU" sz="2320" spc="-1" strike="noStrike">
-              <a:solidFill>
-                <a:srgbClr val="000000"/>
-              </a:solidFill>
-              <a:latin typeface="Calibri"/>
+            <a:endParaRPr b="0" lang="ru-RU" sz="3200" spc="-1" strike="noStrike">
+              <a:latin typeface="Arial"/>
             </a:endParaRPr>
           </a:p>
           <a:p>
             <a:pPr lvl="1" marL="864000" indent="-324000">
-              <a:lnSpc>
-                <a:spcPct val="90000"/>
-              </a:lnSpc>
               <a:spcBef>
                 <a:spcPts val="1134"/>
               </a:spcBef>
@@ -6499,26 +5846,17 @@
               <a:buChar char=""/>
             </a:pPr>
             <a:r>
-              <a:rPr b="0" lang="ru-RU" sz="1660" spc="-1" strike="noStrike">
-                <a:solidFill>
-                  <a:srgbClr val="000000"/>
-                </a:solidFill>
-                <a:latin typeface="Calibri"/>
+              <a:rPr b="0" lang="ru-RU" sz="2800" spc="-1" strike="noStrike">
+                <a:latin typeface="Arial"/>
               </a:rPr>
               <a:t>Второй уровень структуры</a:t>
             </a:r>
-            <a:endParaRPr b="0" lang="ru-RU" sz="1660" spc="-1" strike="noStrike">
-              <a:solidFill>
-                <a:srgbClr val="000000"/>
-              </a:solidFill>
-              <a:latin typeface="Calibri"/>
+            <a:endParaRPr b="0" lang="ru-RU" sz="2800" spc="-1" strike="noStrike">
+              <a:latin typeface="Arial"/>
             </a:endParaRPr>
           </a:p>
           <a:p>
             <a:pPr lvl="2" marL="1296000" indent="-288000">
-              <a:lnSpc>
-                <a:spcPct val="90000"/>
-              </a:lnSpc>
               <a:spcBef>
                 <a:spcPts val="850"/>
               </a:spcBef>
@@ -6530,26 +5868,17 @@
               <a:buChar char=""/>
             </a:pPr>
             <a:r>
-              <a:rPr b="0" lang="ru-RU" sz="1490" spc="-1" strike="noStrike">
-                <a:solidFill>
-                  <a:srgbClr val="000000"/>
-                </a:solidFill>
-                <a:latin typeface="Calibri"/>
+              <a:rPr b="0" lang="ru-RU" sz="2400" spc="-1" strike="noStrike">
+                <a:latin typeface="Arial"/>
               </a:rPr>
               <a:t>Третий уровень структуры</a:t>
             </a:r>
-            <a:endParaRPr b="0" lang="ru-RU" sz="1490" spc="-1" strike="noStrike">
-              <a:solidFill>
-                <a:srgbClr val="000000"/>
-              </a:solidFill>
-              <a:latin typeface="Calibri"/>
+            <a:endParaRPr b="0" lang="ru-RU" sz="2400" spc="-1" strike="noStrike">
+              <a:latin typeface="Arial"/>
             </a:endParaRPr>
           </a:p>
           <a:p>
             <a:pPr lvl="3" marL="1728000" indent="-216000">
-              <a:lnSpc>
-                <a:spcPct val="90000"/>
-              </a:lnSpc>
               <a:spcBef>
                 <a:spcPts val="567"/>
               </a:spcBef>
@@ -6561,26 +5890,17 @@
               <a:buChar char=""/>
             </a:pPr>
             <a:r>
-              <a:rPr b="0" lang="ru-RU" sz="1490" spc="-1" strike="noStrike">
-                <a:solidFill>
-                  <a:srgbClr val="000000"/>
-                </a:solidFill>
-                <a:latin typeface="Calibri"/>
+              <a:rPr b="0" lang="ru-RU" sz="2000" spc="-1" strike="noStrike">
+                <a:latin typeface="Arial"/>
               </a:rPr>
               <a:t>Четвёртый уровень структуры</a:t>
             </a:r>
-            <a:endParaRPr b="0" lang="ru-RU" sz="1490" spc="-1" strike="noStrike">
-              <a:solidFill>
-                <a:srgbClr val="000000"/>
-              </a:solidFill>
-              <a:latin typeface="Calibri"/>
+            <a:endParaRPr b="0" lang="ru-RU" sz="2000" spc="-1" strike="noStrike">
+              <a:latin typeface="Arial"/>
             </a:endParaRPr>
           </a:p>
           <a:p>
             <a:pPr lvl="4" marL="2160000" indent="-216000">
-              <a:lnSpc>
-                <a:spcPct val="90000"/>
-              </a:lnSpc>
               <a:spcBef>
                 <a:spcPts val="283"/>
               </a:spcBef>
@@ -6593,25 +5913,16 @@
             </a:pPr>
             <a:r>
               <a:rPr b="0" lang="ru-RU" sz="2000" spc="-1" strike="noStrike">
-                <a:solidFill>
-                  <a:srgbClr val="000000"/>
-                </a:solidFill>
-                <a:latin typeface="Calibri"/>
+                <a:latin typeface="Arial"/>
               </a:rPr>
               <a:t>Пятый уровень структуры</a:t>
             </a:r>
             <a:endParaRPr b="0" lang="ru-RU" sz="2000" spc="-1" strike="noStrike">
-              <a:solidFill>
-                <a:srgbClr val="000000"/>
-              </a:solidFill>
-              <a:latin typeface="Calibri"/>
+              <a:latin typeface="Arial"/>
             </a:endParaRPr>
           </a:p>
           <a:p>
             <a:pPr lvl="5" marL="2592000" indent="-216000">
-              <a:lnSpc>
-                <a:spcPct val="90000"/>
-              </a:lnSpc>
               <a:spcBef>
                 <a:spcPts val="283"/>
               </a:spcBef>
@@ -6624,25 +5935,16 @@
             </a:pPr>
             <a:r>
               <a:rPr b="0" lang="ru-RU" sz="2000" spc="-1" strike="noStrike">
-                <a:solidFill>
-                  <a:srgbClr val="000000"/>
-                </a:solidFill>
-                <a:latin typeface="Calibri"/>
+                <a:latin typeface="Arial"/>
               </a:rPr>
               <a:t>Шестой уровень структуры</a:t>
             </a:r>
             <a:endParaRPr b="0" lang="ru-RU" sz="2000" spc="-1" strike="noStrike">
-              <a:solidFill>
-                <a:srgbClr val="000000"/>
-              </a:solidFill>
-              <a:latin typeface="Calibri"/>
+              <a:latin typeface="Arial"/>
             </a:endParaRPr>
           </a:p>
           <a:p>
             <a:pPr lvl="6" marL="3024000" indent="-216000">
-              <a:lnSpc>
-                <a:spcPct val="90000"/>
-              </a:lnSpc>
               <a:spcBef>
                 <a:spcPts val="283"/>
               </a:spcBef>
@@ -6655,18 +5957,12 @@
             </a:pPr>
             <a:r>
               <a:rPr b="0" lang="ru-RU" sz="2000" spc="-1" strike="noStrike">
-                <a:solidFill>
-                  <a:srgbClr val="000000"/>
-                </a:solidFill>
-                <a:latin typeface="Calibri"/>
+                <a:latin typeface="Arial"/>
               </a:rPr>
               <a:t>Седьмой уровень структуры</a:t>
             </a:r>
             <a:endParaRPr b="0" lang="ru-RU" sz="2000" spc="-1" strike="noStrike">
-              <a:solidFill>
-                <a:srgbClr val="000000"/>
-              </a:solidFill>
-              <a:latin typeface="Calibri"/>
+              <a:latin typeface="Arial"/>
             </a:endParaRPr>
           </a:p>
         </p:txBody>
@@ -6721,18 +6017,18 @@
         <p:spPr>
           <a:xfrm>
             <a:off x="2267640" y="1620000"/>
-            <a:ext cx="5292360" cy="1038240"/>
-          </a:xfrm>
-          <a:prstGeom prst="rect">
-            <a:avLst/>
-          </a:prstGeom>
-          <a:noFill/>
-          <a:ln w="0">
-            <a:noFill/>
-          </a:ln>
-        </p:spPr>
-        <p:txBody>
-          <a:bodyPr anchor="ctr">
+            <a:ext cx="5292000" cy="1037880"/>
+          </a:xfrm>
+          <a:prstGeom prst="rect">
+            <a:avLst/>
+          </a:prstGeom>
+          <a:noFill/>
+          <a:ln w="0">
+            <a:noFill/>
+          </a:ln>
+        </p:spPr>
+        <p:txBody>
+          <a:bodyPr lIns="0" rIns="0" tIns="0" bIns="0" anchor="ctr">
             <a:noAutofit/>
           </a:bodyPr>
           <a:p>
@@ -6752,10 +6048,7 @@
               <a:t>Релизный цикл МТИ</a:t>
             </a:r>
             <a:endParaRPr b="0" lang="ru-RU" sz="3640" spc="-1" strike="noStrike">
-              <a:solidFill>
-                <a:srgbClr val="000000"/>
-              </a:solidFill>
-              <a:latin typeface="Calibri"/>
+              <a:latin typeface="Arial"/>
             </a:endParaRPr>
           </a:p>
         </p:txBody>
@@ -6793,27 +6086,39 @@
       <p:sp>
         <p:nvSpPr>
           <p:cNvPr id="89" name=""/>
-          <p:cNvSpPr txBox="1"/>
+          <p:cNvSpPr/>
           <p:nvPr/>
         </p:nvSpPr>
         <p:spPr>
           <a:xfrm>
             <a:off x="3240000" y="92520"/>
-            <a:ext cx="2700000" cy="627480"/>
-          </a:xfrm>
-          <a:prstGeom prst="rect">
-            <a:avLst/>
-          </a:prstGeom>
-          <a:noFill/>
-          <a:ln w="0">
-            <a:noFill/>
-          </a:ln>
-        </p:spPr>
+            <a:ext cx="2699640" cy="627120"/>
+          </a:xfrm>
+          <a:prstGeom prst="rect">
+            <a:avLst/>
+          </a:prstGeom>
+          <a:noFill/>
+          <a:ln w="0">
+            <a:noFill/>
+          </a:ln>
+        </p:spPr>
+        <p:style>
+          <a:lnRef idx="0"/>
+          <a:fillRef idx="0"/>
+          <a:effectRef idx="0"/>
+          <a:fontRef idx="minor"/>
+        </p:style>
         <p:txBody>
           <a:bodyPr lIns="90000" rIns="90000" tIns="45000" bIns="45000" anchor="t">
             <a:noAutofit/>
           </a:bodyPr>
           <a:p>
+            <a:pPr>
+              <a:lnSpc>
+                <a:spcPct val="100000"/>
+              </a:lnSpc>
+              <a:buNone/>
+            </a:pPr>
             <a:r>
               <a:rPr b="0" lang="ru-RU" sz="3640" spc="-1" strike="noStrike">
                 <a:solidFill>
@@ -6842,7 +6147,7 @@
         <p:spPr>
           <a:xfrm>
             <a:off x="-360" y="1073880"/>
-            <a:ext cx="10080360" cy="1266120"/>
+            <a:ext cx="10080000" cy="1265760"/>
           </a:xfrm>
           <a:prstGeom prst="rect">
             <a:avLst/>
@@ -6855,32 +6160,231 @@
       <p:sp>
         <p:nvSpPr>
           <p:cNvPr id="91" name=""/>
-          <p:cNvSpPr txBox="1"/>
+          <p:cNvSpPr/>
           <p:nvPr/>
         </p:nvSpPr>
         <p:spPr>
           <a:xfrm>
-            <a:off x="3425760" y="720000"/>
-            <a:ext cx="2197080" cy="346320"/>
-          </a:xfrm>
-          <a:prstGeom prst="rect">
-            <a:avLst/>
-          </a:prstGeom>
-          <a:noFill/>
-          <a:ln w="0">
-            <a:noFill/>
-          </a:ln>
-        </p:spPr>
+            <a:off x="2340000" y="720000"/>
+            <a:ext cx="6480000" cy="345960"/>
+          </a:xfrm>
+          <a:prstGeom prst="rect">
+            <a:avLst/>
+          </a:prstGeom>
+          <a:noFill/>
+          <a:ln w="0">
+            <a:noFill/>
+          </a:ln>
+        </p:spPr>
+        <p:style>
+          <a:lnRef idx="0"/>
+          <a:fillRef idx="0"/>
+          <a:effectRef idx="0"/>
+          <a:fontRef idx="minor"/>
+        </p:style>
         <p:txBody>
           <a:bodyPr lIns="90000" rIns="90000" tIns="45000" bIns="45000" anchor="t">
             <a:noAutofit/>
           </a:bodyPr>
           <a:p>
+            <a:pPr>
+              <a:lnSpc>
+                <a:spcPct val="100000"/>
+              </a:lnSpc>
+              <a:buNone/>
+            </a:pPr>
+            <a:r>
+              <a:rPr b="0" lang="ru-RU" sz="1800" spc="-1" strike="noStrike">
+                <a:latin typeface="Arial"/>
+                <a:ea typeface="Noto Sans CJK SC"/>
+              </a:rPr>
+              <a:t>Добавился </a:t>
+            </a:r>
             <a:r>
               <a:rPr b="0" lang="ru-RU" sz="1800" spc="-1" strike="noStrike">
                 <a:latin typeface="Arial"/>
               </a:rPr>
-              <a:t>Раздел с задачами</a:t>
+              <a:t>Раздел поиском  с задачами</a:t>
+            </a:r>
+            <a:endParaRPr b="0" lang="ru-RU" sz="1800" spc="-1" strike="noStrike">
+              <a:latin typeface="Arial"/>
+            </a:endParaRPr>
+          </a:p>
+        </p:txBody>
+      </p:sp>
+      <p:pic>
+        <p:nvPicPr>
+          <p:cNvPr id="92" name="" descr=""/>
+          <p:cNvPicPr/>
+          <p:nvPr/>
+        </p:nvPicPr>
+        <p:blipFill>
+          <a:blip r:embed="rId2"/>
+          <a:srcRect l="0" t="0" r="0" b="20004"/>
+          <a:stretch/>
+        </p:blipFill>
+        <p:spPr>
+          <a:xfrm>
+            <a:off x="130680" y="3240000"/>
+            <a:ext cx="9769320" cy="2159640"/>
+          </a:xfrm>
+          <a:prstGeom prst="rect">
+            <a:avLst/>
+          </a:prstGeom>
+          <a:ln w="0">
+            <a:noFill/>
+          </a:ln>
+        </p:spPr>
+      </p:pic>
+      <p:sp>
+        <p:nvSpPr>
+          <p:cNvPr id="93" name=""/>
+          <p:cNvSpPr/>
+          <p:nvPr/>
+        </p:nvSpPr>
+        <p:spPr>
+          <a:xfrm>
+            <a:off x="2520000" y="2700000"/>
+            <a:ext cx="6480000" cy="345960"/>
+          </a:xfrm>
+          <a:prstGeom prst="rect">
+            <a:avLst/>
+          </a:prstGeom>
+          <a:noFill/>
+          <a:ln w="0">
+            <a:noFill/>
+          </a:ln>
+        </p:spPr>
+        <p:style>
+          <a:lnRef idx="0"/>
+          <a:fillRef idx="0"/>
+          <a:effectRef idx="0"/>
+          <a:fontRef idx="minor"/>
+        </p:style>
+        <p:txBody>
+          <a:bodyPr lIns="90000" rIns="90000" tIns="45000" bIns="45000" anchor="t">
+            <a:noAutofit/>
+          </a:bodyPr>
+          <a:p>
+            <a:pPr>
+              <a:lnSpc>
+                <a:spcPct val="100000"/>
+              </a:lnSpc>
+              <a:buNone/>
+            </a:pPr>
+            <a:r>
+              <a:rPr b="0" lang="ru-RU" sz="1800" spc="-1" strike="noStrike">
+                <a:latin typeface="Arial"/>
+                <a:ea typeface="Noto Sans CJK SC"/>
+              </a:rPr>
+              <a:t>Добавился </a:t>
+            </a:r>
+            <a:r>
+              <a:rPr b="0" lang="ru-RU" sz="1800" spc="-1" strike="noStrike">
+                <a:latin typeface="Arial"/>
+              </a:rPr>
+              <a:t>Раздел с задачами на контроле </a:t>
+            </a:r>
+            <a:endParaRPr b="0" lang="ru-RU" sz="1800" spc="-1" strike="noStrike">
+              <a:latin typeface="Arial"/>
+            </a:endParaRPr>
+          </a:p>
+        </p:txBody>
+      </p:sp>
+    </p:spTree>
+  </p:cSld>
+  <mc:AlternateContent>
+    <mc:Choice Requires="p14">
+      <p:transition spd="slow" p14:dur="2000"/>
+    </mc:Choice>
+    <mc:Fallback>
+      <p:transition spd="slow"/>
+    </mc:Fallback>
+  </mc:AlternateContent>
+</p:sld>
+</file>
+
+<file path=ppt/slides/slide3.xml><?xml version="1.0" encoding="utf-8"?>
+<p:sld xmlns:a="http://schemas.openxmlformats.org/drawingml/2006/main" xmlns:p="http://schemas.openxmlformats.org/presentationml/2006/main" xmlns:r="http://schemas.openxmlformats.org/officeDocument/2006/relationships" xmlns:p14="http://schemas.microsoft.com/office/powerpoint/2010/main" xmlns:p15="http://schemas.microsoft.com/office/powerpoint/2012/main" xmlns:mc="http://schemas.openxmlformats.org/markup-compatibility/2006">
+  <p:cSld>
+    <p:spTree>
+      <p:nvGrpSpPr>
+        <p:cNvPr id="1" name=""/>
+        <p:cNvGrpSpPr/>
+        <p:nvPr/>
+      </p:nvGrpSpPr>
+      <p:grpSpPr>
+        <a:xfrm>
+          <a:off x="0" y="0"/>
+          <a:ext cx="0" cy="0"/>
+          <a:chOff x="0" y="0"/>
+          <a:chExt cx="0" cy="0"/>
+        </a:xfrm>
+      </p:grpSpPr>
+      <p:pic>
+        <p:nvPicPr>
+          <p:cNvPr id="94" name="" descr=""/>
+          <p:cNvPicPr/>
+          <p:nvPr/>
+        </p:nvPicPr>
+        <p:blipFill>
+          <a:blip r:embed="rId1"/>
+          <a:stretch/>
+        </p:blipFill>
+        <p:spPr>
+          <a:xfrm>
+            <a:off x="2520000" y="900000"/>
+            <a:ext cx="3228480" cy="3419280"/>
+          </a:xfrm>
+          <a:prstGeom prst="rect">
+            <a:avLst/>
+          </a:prstGeom>
+          <a:ln w="0">
+            <a:noFill/>
+          </a:ln>
+        </p:spPr>
+      </p:pic>
+      <p:sp>
+        <p:nvSpPr>
+          <p:cNvPr id="95" name=""/>
+          <p:cNvSpPr/>
+          <p:nvPr/>
+        </p:nvSpPr>
+        <p:spPr>
+          <a:xfrm>
+            <a:off x="1980000" y="194040"/>
+            <a:ext cx="6480000" cy="345960"/>
+          </a:xfrm>
+          <a:prstGeom prst="rect">
+            <a:avLst/>
+          </a:prstGeom>
+          <a:noFill/>
+          <a:ln w="0">
+            <a:noFill/>
+          </a:ln>
+        </p:spPr>
+        <p:style>
+          <a:lnRef idx="0"/>
+          <a:fillRef idx="0"/>
+          <a:effectRef idx="0"/>
+          <a:fontRef idx="minor"/>
+        </p:style>
+        <p:txBody>
+          <a:bodyPr lIns="90000" rIns="90000" tIns="45000" bIns="45000" anchor="t">
+            <a:noAutofit/>
+          </a:bodyPr>
+          <a:p>
+            <a:pPr>
+              <a:lnSpc>
+                <a:spcPct val="100000"/>
+              </a:lnSpc>
+              <a:buNone/>
+            </a:pPr>
+            <a:r>
+              <a:rPr b="0" lang="ru-RU" sz="1800" spc="-1" strike="noStrike">
+                <a:latin typeface="Arial"/>
+              </a:rPr>
+              <a:t>В задачи добавились вложения </a:t>
             </a:r>
             <a:endParaRPr b="0" lang="ru-RU" sz="1800" spc="-1" strike="noStrike">
               <a:latin typeface="Arial"/>

--- a/Презентация с релизами.pptx
+++ b/Презентация с релизами.pptx
@@ -12,6 +12,13 @@
     <p:sldId id="256" r:id="rId5"/>
     <p:sldId id="257" r:id="rId6"/>
     <p:sldId id="258" r:id="rId7"/>
+    <p:sldId id="259" r:id="rId8"/>
+    <p:sldId id="260" r:id="rId9"/>
+    <p:sldId id="261" r:id="rId10"/>
+    <p:sldId id="262" r:id="rId11"/>
+    <p:sldId id="263" r:id="rId12"/>
+    <p:sldId id="264" r:id="rId13"/>
+    <p:sldId id="265" r:id="rId14"/>
   </p:sldIdLst>
   <p:sldSz cx="10080625" cy="5670550"/>
   <p:notesSz cx="7559675" cy="10691813"/>
@@ -295,7 +302,7 @@
             <a:pPr algn="r">
               <a:buNone/>
             </a:pPr>
-            <a:fld id="{35123C62-3DED-4AA0-A5B1-137EA09D5D48}" type="slidenum">
+            <a:fld id="{7194480E-903B-4883-87CB-040DD328B9E2}" type="slidenum">
               <a:rPr b="0" lang="ru-RU" sz="1400" spc="-1" strike="noStrike">
                 <a:latin typeface="Times New Roman"/>
               </a:rPr>
@@ -332,7 +339,7 @@
       </p:grpSpPr>
       <p:sp>
         <p:nvSpPr>
-          <p:cNvPr id="96" name="PlaceHolder 1"/>
+          <p:cNvPr id="118" name="PlaceHolder 1"/>
           <p:cNvSpPr>
             <a:spLocks noGrp="1"/>
           </p:cNvSpPr>
@@ -376,7 +383,7 @@
               </a:lnSpc>
               <a:buNone/>
             </a:pPr>
-            <a:fld id="{8AF22E42-440B-49A8-B03F-FF0EE4D598EA}" type="slidenum">
+            <a:fld id="{8E891414-B86A-4DBA-AC0F-E7FFA8096BD8}" type="slidenum">
               <a:rPr b="0" lang="ru-RU" sz="1400" spc="-1" strike="noStrike">
                 <a:latin typeface="Arial"/>
                 <a:ea typeface="DejaVu Sans"/>
@@ -391,7 +398,7 @@
       </p:sp>
       <p:sp>
         <p:nvSpPr>
-          <p:cNvPr id="97" name="PlaceHolder 2"/>
+          <p:cNvPr id="119" name="PlaceHolder 2"/>
           <p:cNvSpPr>
             <a:spLocks noGrp="1"/>
           </p:cNvSpPr>
@@ -414,7 +421,7 @@
       </p:sp>
       <p:sp>
         <p:nvSpPr>
-          <p:cNvPr id="98" name="PlaceHolder 3"/>
+          <p:cNvPr id="120" name="PlaceHolder 3"/>
           <p:cNvSpPr>
             <a:spLocks noGrp="1"/>
           </p:cNvSpPr>
@@ -470,7 +477,7 @@
       </p:grpSpPr>
       <p:sp>
         <p:nvSpPr>
-          <p:cNvPr id="99" name="PlaceHolder 1"/>
+          <p:cNvPr id="121" name="PlaceHolder 1"/>
           <p:cNvSpPr>
             <a:spLocks noGrp="1"/>
           </p:cNvSpPr>
@@ -514,7 +521,7 @@
               </a:lnSpc>
               <a:buNone/>
             </a:pPr>
-            <a:fld id="{5D4AB2D8-E68C-4883-B412-8C8EA54625F0}" type="slidenum">
+            <a:fld id="{8900E378-168A-402C-9857-F0D2902BB71D}" type="slidenum">
               <a:rPr b="0" lang="ru-RU" sz="1400" spc="-1" strike="noStrike">
                 <a:latin typeface="Arial"/>
                 <a:ea typeface="DejaVu Sans"/>
@@ -529,7 +536,7 @@
       </p:sp>
       <p:sp>
         <p:nvSpPr>
-          <p:cNvPr id="100" name="PlaceHolder 2"/>
+          <p:cNvPr id="122" name="PlaceHolder 2"/>
           <p:cNvSpPr>
             <a:spLocks noGrp="1"/>
           </p:cNvSpPr>
@@ -552,7 +559,7 @@
       </p:sp>
       <p:sp>
         <p:nvSpPr>
-          <p:cNvPr id="101" name="PlaceHolder 3"/>
+          <p:cNvPr id="123" name="PlaceHolder 3"/>
           <p:cNvSpPr>
             <a:spLocks noGrp="1"/>
           </p:cNvSpPr>
@@ -640,7 +647,7 @@
         <p:txBody>
           <a:bodyPr/>
           <a:p>
-            <a:fld id="{EEFFF6EE-FB39-4FAB-8D90-241AA117FB18}" type="slidenum">
+            <a:fld id="{D0ABD90D-E955-418A-9851-1459ED92511B}" type="slidenum">
               <a:t>&lt;#&gt;</a:t>
             </a:fld>
           </a:p>
@@ -828,7 +835,7 @@
         <p:txBody>
           <a:bodyPr/>
           <a:p>
-            <a:fld id="{AE87BABE-8BBE-4E86-89CF-D9265D1756B1}" type="slidenum">
+            <a:fld id="{5BDF6967-E9AA-462E-AA71-46A7A3D5F240}" type="slidenum">
               <a:t>&lt;#&gt;</a:t>
             </a:fld>
           </a:p>
@@ -1084,7 +1091,7 @@
         <p:txBody>
           <a:bodyPr/>
           <a:p>
-            <a:fld id="{953CFE63-66AF-4678-9711-44A26AF2323F}" type="slidenum">
+            <a:fld id="{F63A0AF6-81D7-4EF9-84DC-BBDCCD7A228E}" type="slidenum">
               <a:t>&lt;#&gt;</a:t>
             </a:fld>
           </a:p>
@@ -1408,7 +1415,7 @@
         <p:txBody>
           <a:bodyPr/>
           <a:p>
-            <a:fld id="{62B04F74-A6DA-49BE-B153-C299BFD7B6E5}" type="slidenum">
+            <a:fld id="{78D3BE15-4814-4343-AB30-81826A8680E3}" type="slidenum">
               <a:t>&lt;#&gt;</a:t>
             </a:fld>
           </a:p>
@@ -1491,7 +1498,7 @@
         <p:txBody>
           <a:bodyPr/>
           <a:p>
-            <a:fld id="{1C4155E1-9DEE-4171-8EEF-2952C90EE03D}" type="slidenum">
+            <a:fld id="{C915B2E0-54CC-4006-8335-3D33F25E9C95}" type="slidenum">
               <a:t>&lt;#&gt;</a:t>
             </a:fld>
           </a:p>
@@ -1648,7 +1655,7 @@
         <p:txBody>
           <a:bodyPr/>
           <a:p>
-            <a:fld id="{EA561924-B480-4E3A-B87D-D363DFF8E5CF}" type="slidenum">
+            <a:fld id="{9620A699-D20D-470E-A2C8-FD65FBEDA0AA}" type="slidenum">
               <a:t>&lt;#&gt;</a:t>
             </a:fld>
           </a:p>
@@ -1802,7 +1809,7 @@
         <p:txBody>
           <a:bodyPr/>
           <a:p>
-            <a:fld id="{DB0D5D47-58A7-4547-A03A-5C107E7C7F58}" type="slidenum">
+            <a:fld id="{4EB462DA-B420-46B8-8169-D8F3A368A9A5}" type="slidenum">
               <a:t>&lt;#&gt;</a:t>
             </a:fld>
           </a:p>
@@ -1990,7 +1997,7 @@
         <p:txBody>
           <a:bodyPr/>
           <a:p>
-            <a:fld id="{1D3DA039-C48E-4A48-B9C4-CD375B531018}" type="slidenum">
+            <a:fld id="{80D4A325-A050-480A-AA94-9AFE94D705F0}" type="slidenum">
               <a:t>&lt;#&gt;</a:t>
             </a:fld>
           </a:p>
@@ -2110,7 +2117,7 @@
         <p:txBody>
           <a:bodyPr/>
           <a:p>
-            <a:fld id="{3F4302DE-E1CB-4743-89C9-8AB3331A0B4F}" type="slidenum">
+            <a:fld id="{DDF1018E-4130-4B2A-AC4B-5B79D711E96F}" type="slidenum">
               <a:t>&lt;#&gt;</a:t>
             </a:fld>
           </a:p>
@@ -2230,7 +2237,7 @@
         <p:txBody>
           <a:bodyPr/>
           <a:p>
-            <a:fld id="{DD965B44-BCF9-4A25-997F-40CE03F7BED5}" type="slidenum">
+            <a:fld id="{7E7696AD-D4B5-48B1-AE01-D48473DF9230}" type="slidenum">
               <a:t>&lt;#&gt;</a:t>
             </a:fld>
           </a:p>
@@ -2452,7 +2459,7 @@
         <p:txBody>
           <a:bodyPr/>
           <a:p>
-            <a:fld id="{6ED50581-00A3-4698-A7EE-184DA96A8E30}" type="slidenum">
+            <a:fld id="{D41BE7F8-618E-4647-8FA6-15C736FDDACD}" type="slidenum">
               <a:t>&lt;#&gt;</a:t>
             </a:fld>
           </a:p>
@@ -2609,7 +2616,7 @@
         <p:txBody>
           <a:bodyPr/>
           <a:p>
-            <a:fld id="{5FBE3AFF-9D4D-4630-B1B3-2378D538595D}" type="slidenum">
+            <a:fld id="{4F82F899-28C9-43B9-BFD5-CB437CCCE0F9}" type="slidenum">
               <a:t>&lt;#&gt;</a:t>
             </a:fld>
           </a:p>
@@ -2831,7 +2838,7 @@
         <p:txBody>
           <a:bodyPr/>
           <a:p>
-            <a:fld id="{B2634326-DF4E-42A9-BEE6-4ABEAA1CFDE5}" type="slidenum">
+            <a:fld id="{355B78D6-4A23-45EC-B84C-E98256BADAE6}" type="slidenum">
               <a:t>&lt;#&gt;</a:t>
             </a:fld>
           </a:p>
@@ -3053,7 +3060,7 @@
         <p:txBody>
           <a:bodyPr/>
           <a:p>
-            <a:fld id="{EA6BC6EF-E836-4103-84F8-26FC1A27DC46}" type="slidenum">
+            <a:fld id="{4634FDBA-913B-4083-A07E-67AFB97280B4}" type="slidenum">
               <a:t>&lt;#&gt;</a:t>
             </a:fld>
           </a:p>
@@ -3241,7 +3248,7 @@
         <p:txBody>
           <a:bodyPr/>
           <a:p>
-            <a:fld id="{6918397B-0A4E-4E28-8C5C-31F47A3F4BE1}" type="slidenum">
+            <a:fld id="{958EEAFA-36CE-432A-B5B8-11AEA8340F89}" type="slidenum">
               <a:t>&lt;#&gt;</a:t>
             </a:fld>
           </a:p>
@@ -3497,7 +3504,7 @@
         <p:txBody>
           <a:bodyPr/>
           <a:p>
-            <a:fld id="{2BD472C4-AF62-48BD-8489-9BA8BE8820A1}" type="slidenum">
+            <a:fld id="{1C8C338A-CFC8-4DBF-AEA4-F504FE480461}" type="slidenum">
               <a:t>&lt;#&gt;</a:t>
             </a:fld>
           </a:p>
@@ -3821,7 +3828,7 @@
         <p:txBody>
           <a:bodyPr/>
           <a:p>
-            <a:fld id="{24725093-3A1E-4C2E-9915-8F27F7777412}" type="slidenum">
+            <a:fld id="{E50D1E30-4DA1-4ABD-BC81-A7497EBC9E6E}" type="slidenum">
               <a:t>&lt;#&gt;</a:t>
             </a:fld>
           </a:p>
@@ -3975,7 +3982,7 @@
         <p:txBody>
           <a:bodyPr/>
           <a:p>
-            <a:fld id="{DF0C0C72-607F-4B00-B6CC-7C30F7CC628E}" type="slidenum">
+            <a:fld id="{35BDE951-F54D-4082-A0C4-8104D19F4D1E}" type="slidenum">
               <a:t>&lt;#&gt;</a:t>
             </a:fld>
           </a:p>
@@ -4163,7 +4170,7 @@
         <p:txBody>
           <a:bodyPr/>
           <a:p>
-            <a:fld id="{BD642C2E-16EF-46F5-AFD2-E3F420E3FF6A}" type="slidenum">
+            <a:fld id="{26279D96-8E93-4928-B3A9-1BEF6ED45729}" type="slidenum">
               <a:t>&lt;#&gt;</a:t>
             </a:fld>
           </a:p>
@@ -4283,7 +4290,7 @@
         <p:txBody>
           <a:bodyPr/>
           <a:p>
-            <a:fld id="{E7F321B9-5A7E-4024-A828-C17666C112CA}" type="slidenum">
+            <a:fld id="{3BD514A2-EA64-49DC-B0BC-8D2B59FC7DFB}" type="slidenum">
               <a:t>&lt;#&gt;</a:t>
             </a:fld>
           </a:p>
@@ -4403,7 +4410,7 @@
         <p:txBody>
           <a:bodyPr/>
           <a:p>
-            <a:fld id="{F84833E0-420C-4570-ABDA-C6D0DB0BFC91}" type="slidenum">
+            <a:fld id="{F4E2CD9E-F7AA-4C51-B3FD-F23522430940}" type="slidenum">
               <a:t>&lt;#&gt;</a:t>
             </a:fld>
           </a:p>
@@ -4625,7 +4632,7 @@
         <p:txBody>
           <a:bodyPr/>
           <a:p>
-            <a:fld id="{5E92D921-78AA-4472-B674-D92EE773749C}" type="slidenum">
+            <a:fld id="{7D98C799-AD1A-4F5C-B947-D925F9CF290A}" type="slidenum">
               <a:t>&lt;#&gt;</a:t>
             </a:fld>
           </a:p>
@@ -4847,7 +4854,7 @@
         <p:txBody>
           <a:bodyPr/>
           <a:p>
-            <a:fld id="{0E7D92C9-FE14-4C6E-A9A0-9A57AB2812A4}" type="slidenum">
+            <a:fld id="{373EA8B4-974C-4AFF-BA75-C63C6DB94E33}" type="slidenum">
               <a:t>&lt;#&gt;</a:t>
             </a:fld>
           </a:p>
@@ -5069,7 +5076,7 @@
         <p:txBody>
           <a:bodyPr/>
           <a:p>
-            <a:fld id="{F5710E98-27CF-4ACB-8B36-44D2BAD578D9}" type="slidenum">
+            <a:fld id="{97B1244D-7CAE-4EEC-AEC0-18BD9B723E3F}" type="slidenum">
               <a:t>&lt;#&gt;</a:t>
             </a:fld>
           </a:p>
@@ -5230,7 +5237,7 @@
               </a:lnSpc>
               <a:buNone/>
             </a:pPr>
-            <a:fld id="{DBEBD8A7-4889-49F2-B98A-350110F45AF9}" type="slidenum">
+            <a:fld id="{38822C1A-E417-40CC-AB96-9CA90C3BE3D9}" type="slidenum">
               <a:rPr b="0" lang="ru-RU" sz="989" spc="-1" strike="noStrike">
                 <a:solidFill>
                   <a:srgbClr val="8b8b8b"/>
@@ -5327,19 +5334,7 @@
               <a:rPr b="0" lang="ru-RU" sz="4400" spc="-1" strike="noStrike">
                 <a:latin typeface="Arial"/>
               </a:rPr>
-              <a:t>Для правки текста </a:t>
-            </a:r>
-            <a:r>
-              <a:rPr b="0" lang="ru-RU" sz="4400" spc="-1" strike="noStrike">
-                <a:latin typeface="Arial"/>
-              </a:rPr>
-              <a:t>заглавия щёлкните </a:t>
-            </a:r>
-            <a:r>
-              <a:rPr b="0" lang="ru-RU" sz="4400" spc="-1" strike="noStrike">
-                <a:latin typeface="Arial"/>
-              </a:rPr>
-              <a:t>мышью</a:t>
+              <a:t>Для правки текста заглавия щёлкните мышью</a:t>
             </a:r>
             <a:endParaRPr b="0" lang="ru-RU" sz="4400" spc="-1" strike="noStrike">
               <a:latin typeface="Arial"/>
@@ -5679,7 +5674,7 @@
               </a:lnSpc>
               <a:buNone/>
             </a:pPr>
-            <a:fld id="{5B94B8AC-0C84-45D9-8C25-CAF9D56C823B}" type="slidenum">
+            <a:fld id="{8946FCD5-FFD4-4ADA-BDA4-2A5778197C8B}" type="slidenum">
               <a:rPr b="0" lang="ru-RU" sz="989" spc="-1" strike="noStrike">
                 <a:solidFill>
                   <a:srgbClr val="8b8b8b"/>
@@ -6045,7 +6040,16 @@
                 </a:solidFill>
                 <a:latin typeface="Calibri Light"/>
               </a:rPr>
-              <a:t>Релизный цикл МТИ</a:t>
+              <a:t>Релизный </a:t>
+            </a:r>
+            <a:r>
+              <a:rPr b="0" lang="ru-RU" sz="3640" spc="-1" strike="noStrike">
+                <a:solidFill>
+                  <a:srgbClr val="000000"/>
+                </a:solidFill>
+                <a:latin typeface="Calibri Light"/>
+              </a:rPr>
+              <a:t>цикл МТИ</a:t>
             </a:r>
             <a:endParaRPr b="0" lang="ru-RU" sz="3640" spc="-1" strike="noStrike">
               <a:latin typeface="Arial"/>
@@ -6053,6 +6057,95 @@
           </a:p>
         </p:txBody>
       </p:sp>
+    </p:spTree>
+  </p:cSld>
+  <mc:AlternateContent>
+    <mc:Choice Requires="p14">
+      <p:transition spd="slow" p14:dur="2000"/>
+    </mc:Choice>
+    <mc:Fallback>
+      <p:transition spd="slow"/>
+    </mc:Fallback>
+  </mc:AlternateContent>
+</p:sld>
+</file>
+
+<file path=ppt/slides/slide10.xml><?xml version="1.0" encoding="utf-8"?>
+<p:sld xmlns:a="http://schemas.openxmlformats.org/drawingml/2006/main" xmlns:p="http://schemas.openxmlformats.org/presentationml/2006/main" xmlns:r="http://schemas.openxmlformats.org/officeDocument/2006/relationships" xmlns:p14="http://schemas.microsoft.com/office/powerpoint/2010/main" xmlns:p15="http://schemas.microsoft.com/office/powerpoint/2012/main" xmlns:mc="http://schemas.openxmlformats.org/markup-compatibility/2006">
+  <p:cSld>
+    <p:spTree>
+      <p:nvGrpSpPr>
+        <p:cNvPr id="1" name=""/>
+        <p:cNvGrpSpPr/>
+        <p:nvPr/>
+      </p:nvGrpSpPr>
+      <p:grpSpPr>
+        <a:xfrm>
+          <a:off x="0" y="0"/>
+          <a:ext cx="0" cy="0"/>
+          <a:chOff x="0" y="0"/>
+          <a:chExt cx="0" cy="0"/>
+        </a:xfrm>
+      </p:grpSpPr>
+      <p:sp>
+        <p:nvSpPr>
+          <p:cNvPr id="116" name=""/>
+          <p:cNvSpPr txBox="1"/>
+          <p:nvPr/>
+        </p:nvSpPr>
+        <p:spPr>
+          <a:xfrm>
+            <a:off x="137880" y="0"/>
+            <a:ext cx="8502120" cy="858240"/>
+          </a:xfrm>
+          <a:prstGeom prst="rect">
+            <a:avLst/>
+          </a:prstGeom>
+          <a:noFill/>
+          <a:ln w="0">
+            <a:noFill/>
+          </a:ln>
+        </p:spPr>
+        <p:txBody>
+          <a:bodyPr lIns="90000" rIns="90000" tIns="45000" bIns="45000" anchor="t">
+            <a:noAutofit/>
+          </a:bodyPr>
+          <a:p>
+            <a:r>
+              <a:rPr b="0" lang="ru-RU" sz="1800" spc="-1" strike="noStrike">
+                <a:latin typeface="Arial"/>
+              </a:rPr>
+              <a:t>Добавился раздел с задачами по работам ППР. По каждой из работ можно создать отдельную задачу на группу исполнителей, следить за ней через раздел задач и добавлять вложения.</a:t>
+            </a:r>
+            <a:endParaRPr b="0" lang="ru-RU" sz="1800" spc="-1" strike="noStrike">
+              <a:latin typeface="Arial"/>
+            </a:endParaRPr>
+          </a:p>
+        </p:txBody>
+      </p:sp>
+      <p:pic>
+        <p:nvPicPr>
+          <p:cNvPr id="117" name="" descr=""/>
+          <p:cNvPicPr/>
+          <p:nvPr/>
+        </p:nvPicPr>
+        <p:blipFill>
+          <a:blip r:embed="rId1"/>
+          <a:stretch/>
+        </p:blipFill>
+        <p:spPr>
+          <a:xfrm>
+            <a:off x="1260000" y="1038960"/>
+            <a:ext cx="3780000" cy="4541040"/>
+          </a:xfrm>
+          <a:prstGeom prst="rect">
+            <a:avLst/>
+          </a:prstGeom>
+          <a:ln w="0">
+            <a:noFill/>
+          </a:ln>
+        </p:spPr>
+      </p:pic>
     </p:spTree>
   </p:cSld>
   <mc:AlternateContent>
@@ -6220,13 +6313,13 @@
         </p:nvPicPr>
         <p:blipFill>
           <a:blip r:embed="rId2"/>
-          <a:srcRect l="0" t="0" r="0" b="20004"/>
+          <a:srcRect l="37494" t="0" r="0" b="0"/>
           <a:stretch/>
         </p:blipFill>
         <p:spPr>
           <a:xfrm>
-            <a:off x="130680" y="3240000"/>
-            <a:ext cx="9769320" cy="2159640"/>
+            <a:off x="360000" y="3046680"/>
+            <a:ext cx="6300360" cy="1528200"/>
           </a:xfrm>
           <a:prstGeom prst="rect">
             <a:avLst/>
@@ -6236,54 +6329,58 @@
           </a:ln>
         </p:spPr>
       </p:pic>
-      <p:sp>
-        <p:nvSpPr>
-          <p:cNvPr id="93" name=""/>
-          <p:cNvSpPr/>
+      <p:pic>
+        <p:nvPicPr>
+          <p:cNvPr id="93" name="" descr=""/>
+          <p:cNvPicPr/>
           <p:nvPr/>
-        </p:nvSpPr>
-        <p:spPr>
-          <a:xfrm>
-            <a:off x="2520000" y="2700000"/>
-            <a:ext cx="6480000" cy="345960"/>
-          </a:xfrm>
-          <a:prstGeom prst="rect">
-            <a:avLst/>
-          </a:prstGeom>
-          <a:noFill/>
-          <a:ln w="0">
-            <a:noFill/>
-          </a:ln>
-        </p:spPr>
-        <p:style>
-          <a:lnRef idx="0"/>
-          <a:fillRef idx="0"/>
-          <a:effectRef idx="0"/>
-          <a:fontRef idx="minor"/>
-        </p:style>
+        </p:nvPicPr>
+        <p:blipFill>
+          <a:blip r:embed="rId3"/>
+          <a:stretch/>
+        </p:blipFill>
+        <p:spPr>
+          <a:xfrm>
+            <a:off x="7734960" y="3209760"/>
+            <a:ext cx="1085400" cy="1456920"/>
+          </a:xfrm>
+          <a:prstGeom prst="rect">
+            <a:avLst/>
+          </a:prstGeom>
+          <a:ln w="0">
+            <a:noFill/>
+          </a:ln>
+        </p:spPr>
+      </p:pic>
+      <p:sp>
+        <p:nvSpPr>
+          <p:cNvPr id="94" name=""/>
+          <p:cNvSpPr txBox="1"/>
+          <p:nvPr/>
+        </p:nvSpPr>
+        <p:spPr>
+          <a:xfrm>
+            <a:off x="1980360" y="2520000"/>
+            <a:ext cx="5683680" cy="602280"/>
+          </a:xfrm>
+          <a:prstGeom prst="rect">
+            <a:avLst/>
+          </a:prstGeom>
+          <a:noFill/>
+          <a:ln w="0">
+            <a:noFill/>
+          </a:ln>
+        </p:spPr>
         <p:txBody>
           <a:bodyPr lIns="90000" rIns="90000" tIns="45000" bIns="45000" anchor="t">
             <a:noAutofit/>
           </a:bodyPr>
           <a:p>
-            <a:pPr>
-              <a:lnSpc>
-                <a:spcPct val="100000"/>
-              </a:lnSpc>
-              <a:buNone/>
-            </a:pPr>
-            <a:r>
-              <a:rPr b="0" lang="ru-RU" sz="1800" spc="-1" strike="noStrike">
-                <a:latin typeface="Arial"/>
-                <a:ea typeface="Noto Sans CJK SC"/>
-              </a:rPr>
-              <a:t>Добавился </a:t>
-            </a:r>
-            <a:r>
-              <a:rPr b="0" lang="ru-RU" sz="1800" spc="-1" strike="noStrike">
-                <a:latin typeface="Arial"/>
-              </a:rPr>
-              <a:t>Раздел с задачами на контроле </a:t>
+            <a:r>
+              <a:rPr b="0" lang="ru-RU" sz="1800" spc="-1" strike="noStrike">
+                <a:latin typeface="Arial"/>
+              </a:rPr>
+              <a:t>Через поиск можно брать задачу на контроль</a:t>
             </a:r>
             <a:endParaRPr b="0" lang="ru-RU" sz="1800" spc="-1" strike="noStrike">
               <a:latin typeface="Arial"/>
@@ -6323,7 +6420,851 @@
       </p:grpSpPr>
       <p:pic>
         <p:nvPicPr>
-          <p:cNvPr id="94" name="" descr=""/>
+          <p:cNvPr id="95" name="" descr=""/>
+          <p:cNvPicPr/>
+          <p:nvPr/>
+        </p:nvPicPr>
+        <p:blipFill>
+          <a:blip r:embed="rId1"/>
+          <a:srcRect l="0" t="0" r="0" b="20004"/>
+          <a:stretch/>
+        </p:blipFill>
+        <p:spPr>
+          <a:xfrm>
+            <a:off x="130680" y="720000"/>
+            <a:ext cx="9769320" cy="2159640"/>
+          </a:xfrm>
+          <a:prstGeom prst="rect">
+            <a:avLst/>
+          </a:prstGeom>
+          <a:ln w="0">
+            <a:noFill/>
+          </a:ln>
+        </p:spPr>
+      </p:pic>
+      <p:sp>
+        <p:nvSpPr>
+          <p:cNvPr id="96" name=""/>
+          <p:cNvSpPr/>
+          <p:nvPr/>
+        </p:nvSpPr>
+        <p:spPr>
+          <a:xfrm>
+            <a:off x="2520000" y="180000"/>
+            <a:ext cx="6480000" cy="345960"/>
+          </a:xfrm>
+          <a:prstGeom prst="rect">
+            <a:avLst/>
+          </a:prstGeom>
+          <a:noFill/>
+          <a:ln w="0">
+            <a:noFill/>
+          </a:ln>
+        </p:spPr>
+        <p:style>
+          <a:lnRef idx="0"/>
+          <a:fillRef idx="0"/>
+          <a:effectRef idx="0"/>
+          <a:fontRef idx="minor"/>
+        </p:style>
+        <p:txBody>
+          <a:bodyPr lIns="90000" rIns="90000" tIns="45000" bIns="45000" anchor="t">
+            <a:noAutofit/>
+          </a:bodyPr>
+          <a:p>
+            <a:pPr>
+              <a:lnSpc>
+                <a:spcPct val="100000"/>
+              </a:lnSpc>
+              <a:buNone/>
+            </a:pPr>
+            <a:r>
+              <a:rPr b="0" lang="ru-RU" sz="1800" spc="-1" strike="noStrike">
+                <a:latin typeface="Arial"/>
+                <a:ea typeface="Noto Sans CJK SC"/>
+              </a:rPr>
+              <a:t>Д</a:t>
+            </a:r>
+            <a:r>
+              <a:rPr b="0" lang="ru-RU" sz="1800" spc="-1" strike="noStrike">
+                <a:latin typeface="Arial"/>
+                <a:ea typeface="Noto Sans CJK SC"/>
+              </a:rPr>
+              <a:t>о</a:t>
+            </a:r>
+            <a:r>
+              <a:rPr b="0" lang="ru-RU" sz="1800" spc="-1" strike="noStrike">
+                <a:latin typeface="Arial"/>
+                <a:ea typeface="Noto Sans CJK SC"/>
+              </a:rPr>
+              <a:t>б</a:t>
+            </a:r>
+            <a:r>
+              <a:rPr b="0" lang="ru-RU" sz="1800" spc="-1" strike="noStrike">
+                <a:latin typeface="Arial"/>
+                <a:ea typeface="Noto Sans CJK SC"/>
+              </a:rPr>
+              <a:t>а</a:t>
+            </a:r>
+            <a:r>
+              <a:rPr b="0" lang="ru-RU" sz="1800" spc="-1" strike="noStrike">
+                <a:latin typeface="Arial"/>
+                <a:ea typeface="Noto Sans CJK SC"/>
+              </a:rPr>
+              <a:t>в</a:t>
+            </a:r>
+            <a:r>
+              <a:rPr b="0" lang="ru-RU" sz="1800" spc="-1" strike="noStrike">
+                <a:latin typeface="Arial"/>
+                <a:ea typeface="Noto Sans CJK SC"/>
+              </a:rPr>
+              <a:t>и</a:t>
+            </a:r>
+            <a:r>
+              <a:rPr b="0" lang="ru-RU" sz="1800" spc="-1" strike="noStrike">
+                <a:latin typeface="Arial"/>
+                <a:ea typeface="Noto Sans CJK SC"/>
+              </a:rPr>
+              <a:t>л</a:t>
+            </a:r>
+            <a:r>
+              <a:rPr b="0" lang="ru-RU" sz="1800" spc="-1" strike="noStrike">
+                <a:latin typeface="Arial"/>
+                <a:ea typeface="Noto Sans CJK SC"/>
+              </a:rPr>
+              <a:t>с</a:t>
+            </a:r>
+            <a:r>
+              <a:rPr b="0" lang="ru-RU" sz="1800" spc="-1" strike="noStrike">
+                <a:latin typeface="Arial"/>
+                <a:ea typeface="Noto Sans CJK SC"/>
+              </a:rPr>
+              <a:t>я</a:t>
+            </a:r>
+            <a:r>
+              <a:rPr b="0" lang="ru-RU" sz="1800" spc="-1" strike="noStrike">
+                <a:latin typeface="Arial"/>
+                <a:ea typeface="Noto Sans CJK SC"/>
+              </a:rPr>
+              <a:t> </a:t>
+            </a:r>
+            <a:r>
+              <a:rPr b="0" lang="ru-RU" sz="1800" spc="-1" strike="noStrike">
+                <a:latin typeface="Arial"/>
+              </a:rPr>
+              <a:t>Р</a:t>
+            </a:r>
+            <a:r>
+              <a:rPr b="0" lang="ru-RU" sz="1800" spc="-1" strike="noStrike">
+                <a:latin typeface="Arial"/>
+              </a:rPr>
+              <a:t>а</a:t>
+            </a:r>
+            <a:r>
+              <a:rPr b="0" lang="ru-RU" sz="1800" spc="-1" strike="noStrike">
+                <a:latin typeface="Arial"/>
+              </a:rPr>
+              <a:t>з</a:t>
+            </a:r>
+            <a:r>
+              <a:rPr b="0" lang="ru-RU" sz="1800" spc="-1" strike="noStrike">
+                <a:latin typeface="Arial"/>
+              </a:rPr>
+              <a:t>д</a:t>
+            </a:r>
+            <a:r>
+              <a:rPr b="0" lang="ru-RU" sz="1800" spc="-1" strike="noStrike">
+                <a:latin typeface="Arial"/>
+              </a:rPr>
+              <a:t>е</a:t>
+            </a:r>
+            <a:r>
+              <a:rPr b="0" lang="ru-RU" sz="1800" spc="-1" strike="noStrike">
+                <a:latin typeface="Arial"/>
+              </a:rPr>
+              <a:t>л</a:t>
+            </a:r>
+            <a:r>
+              <a:rPr b="0" lang="ru-RU" sz="1800" spc="-1" strike="noStrike">
+                <a:latin typeface="Arial"/>
+              </a:rPr>
+              <a:t> </a:t>
+            </a:r>
+            <a:r>
+              <a:rPr b="0" lang="ru-RU" sz="1800" spc="-1" strike="noStrike">
+                <a:latin typeface="Arial"/>
+              </a:rPr>
+              <a:t>с</a:t>
+            </a:r>
+            <a:r>
+              <a:rPr b="0" lang="ru-RU" sz="1800" spc="-1" strike="noStrike">
+                <a:latin typeface="Arial"/>
+              </a:rPr>
+              <a:t> </a:t>
+            </a:r>
+            <a:r>
+              <a:rPr b="0" lang="ru-RU" sz="1800" spc="-1" strike="noStrike">
+                <a:latin typeface="Arial"/>
+              </a:rPr>
+              <a:t>з</a:t>
+            </a:r>
+            <a:r>
+              <a:rPr b="0" lang="ru-RU" sz="1800" spc="-1" strike="noStrike">
+                <a:latin typeface="Arial"/>
+              </a:rPr>
+              <a:t>а</a:t>
+            </a:r>
+            <a:r>
+              <a:rPr b="0" lang="ru-RU" sz="1800" spc="-1" strike="noStrike">
+                <a:latin typeface="Arial"/>
+              </a:rPr>
+              <a:t>д</a:t>
+            </a:r>
+            <a:r>
+              <a:rPr b="0" lang="ru-RU" sz="1800" spc="-1" strike="noStrike">
+                <a:latin typeface="Arial"/>
+              </a:rPr>
+              <a:t>а</a:t>
+            </a:r>
+            <a:r>
+              <a:rPr b="0" lang="ru-RU" sz="1800" spc="-1" strike="noStrike">
+                <a:latin typeface="Arial"/>
+              </a:rPr>
+              <a:t>ч</a:t>
+            </a:r>
+            <a:r>
+              <a:rPr b="0" lang="ru-RU" sz="1800" spc="-1" strike="noStrike">
+                <a:latin typeface="Arial"/>
+              </a:rPr>
+              <a:t>а</a:t>
+            </a:r>
+            <a:r>
+              <a:rPr b="0" lang="ru-RU" sz="1800" spc="-1" strike="noStrike">
+                <a:latin typeface="Arial"/>
+              </a:rPr>
+              <a:t>м</a:t>
+            </a:r>
+            <a:r>
+              <a:rPr b="0" lang="ru-RU" sz="1800" spc="-1" strike="noStrike">
+                <a:latin typeface="Arial"/>
+              </a:rPr>
+              <a:t>и</a:t>
+            </a:r>
+            <a:r>
+              <a:rPr b="0" lang="ru-RU" sz="1800" spc="-1" strike="noStrike">
+                <a:latin typeface="Arial"/>
+              </a:rPr>
+              <a:t> </a:t>
+            </a:r>
+            <a:r>
+              <a:rPr b="0" lang="ru-RU" sz="1800" spc="-1" strike="noStrike">
+                <a:latin typeface="Arial"/>
+              </a:rPr>
+              <a:t>н</a:t>
+            </a:r>
+            <a:r>
+              <a:rPr b="0" lang="ru-RU" sz="1800" spc="-1" strike="noStrike">
+                <a:latin typeface="Arial"/>
+              </a:rPr>
+              <a:t>а</a:t>
+            </a:r>
+            <a:r>
+              <a:rPr b="0" lang="ru-RU" sz="1800" spc="-1" strike="noStrike">
+                <a:latin typeface="Arial"/>
+              </a:rPr>
+              <a:t> </a:t>
+            </a:r>
+            <a:r>
+              <a:rPr b="0" lang="ru-RU" sz="1800" spc="-1" strike="noStrike">
+                <a:latin typeface="Arial"/>
+              </a:rPr>
+              <a:t>к</a:t>
+            </a:r>
+            <a:r>
+              <a:rPr b="0" lang="ru-RU" sz="1800" spc="-1" strike="noStrike">
+                <a:latin typeface="Arial"/>
+              </a:rPr>
+              <a:t>о</a:t>
+            </a:r>
+            <a:r>
+              <a:rPr b="0" lang="ru-RU" sz="1800" spc="-1" strike="noStrike">
+                <a:latin typeface="Arial"/>
+              </a:rPr>
+              <a:t>н</a:t>
+            </a:r>
+            <a:r>
+              <a:rPr b="0" lang="ru-RU" sz="1800" spc="-1" strike="noStrike">
+                <a:latin typeface="Arial"/>
+              </a:rPr>
+              <a:t>т</a:t>
+            </a:r>
+            <a:r>
+              <a:rPr b="0" lang="ru-RU" sz="1800" spc="-1" strike="noStrike">
+                <a:latin typeface="Arial"/>
+              </a:rPr>
+              <a:t>р</a:t>
+            </a:r>
+            <a:r>
+              <a:rPr b="0" lang="ru-RU" sz="1800" spc="-1" strike="noStrike">
+                <a:latin typeface="Arial"/>
+              </a:rPr>
+              <a:t>о</a:t>
+            </a:r>
+            <a:r>
+              <a:rPr b="0" lang="ru-RU" sz="1800" spc="-1" strike="noStrike">
+                <a:latin typeface="Arial"/>
+              </a:rPr>
+              <a:t>л</a:t>
+            </a:r>
+            <a:r>
+              <a:rPr b="0" lang="ru-RU" sz="1800" spc="-1" strike="noStrike">
+                <a:latin typeface="Arial"/>
+              </a:rPr>
+              <a:t>е</a:t>
+            </a:r>
+            <a:r>
+              <a:rPr b="0" lang="ru-RU" sz="1800" spc="-1" strike="noStrike">
+                <a:latin typeface="Arial"/>
+              </a:rPr>
+              <a:t> </a:t>
+            </a:r>
+            <a:endParaRPr b="0" lang="ru-RU" sz="1800" spc="-1" strike="noStrike">
+              <a:latin typeface="Arial"/>
+            </a:endParaRPr>
+          </a:p>
+        </p:txBody>
+      </p:sp>
+      <p:pic>
+        <p:nvPicPr>
+          <p:cNvPr id="97" name="" descr=""/>
+          <p:cNvPicPr/>
+          <p:nvPr/>
+        </p:nvPicPr>
+        <p:blipFill>
+          <a:blip r:embed="rId2"/>
+          <a:srcRect l="0" t="0" r="0" b="21515"/>
+          <a:stretch/>
+        </p:blipFill>
+        <p:spPr>
+          <a:xfrm>
+            <a:off x="180000" y="3348360"/>
+            <a:ext cx="9000000" cy="2159640"/>
+          </a:xfrm>
+          <a:prstGeom prst="rect">
+            <a:avLst/>
+          </a:prstGeom>
+          <a:ln w="0">
+            <a:noFill/>
+          </a:ln>
+        </p:spPr>
+      </p:pic>
+      <p:sp>
+        <p:nvSpPr>
+          <p:cNvPr id="98" name=""/>
+          <p:cNvSpPr/>
+          <p:nvPr/>
+        </p:nvSpPr>
+        <p:spPr>
+          <a:xfrm>
+            <a:off x="900000" y="2879640"/>
+            <a:ext cx="8280000" cy="345960"/>
+          </a:xfrm>
+          <a:prstGeom prst="rect">
+            <a:avLst/>
+          </a:prstGeom>
+          <a:noFill/>
+          <a:ln w="0">
+            <a:noFill/>
+          </a:ln>
+        </p:spPr>
+        <p:style>
+          <a:lnRef idx="0"/>
+          <a:fillRef idx="0"/>
+          <a:effectRef idx="0"/>
+          <a:fontRef idx="minor"/>
+        </p:style>
+        <p:txBody>
+          <a:bodyPr lIns="90000" rIns="90000" tIns="45000" bIns="45000" anchor="t">
+            <a:noAutofit/>
+          </a:bodyPr>
+          <a:p>
+            <a:pPr>
+              <a:lnSpc>
+                <a:spcPct val="100000"/>
+              </a:lnSpc>
+              <a:buNone/>
+            </a:pPr>
+            <a:r>
+              <a:rPr b="0" lang="ru-RU" sz="1800" spc="-1" strike="noStrike">
+                <a:latin typeface="Arial"/>
+              </a:rPr>
+              <a:t>Т</a:t>
+            </a:r>
+            <a:r>
+              <a:rPr b="0" lang="ru-RU" sz="1800" spc="-1" strike="noStrike">
+                <a:latin typeface="Arial"/>
+              </a:rPr>
+              <a:t>у</a:t>
+            </a:r>
+            <a:r>
+              <a:rPr b="0" lang="ru-RU" sz="1800" spc="-1" strike="noStrike">
+                <a:latin typeface="Arial"/>
+              </a:rPr>
+              <a:t>т</a:t>
+            </a:r>
+            <a:r>
+              <a:rPr b="0" lang="ru-RU" sz="1800" spc="-1" strike="noStrike">
+                <a:latin typeface="Arial"/>
+              </a:rPr>
+              <a:t> </a:t>
+            </a:r>
+            <a:r>
+              <a:rPr b="0" lang="ru-RU" sz="1800" spc="-1" strike="noStrike">
+                <a:latin typeface="Arial"/>
+              </a:rPr>
+              <a:t>м</a:t>
+            </a:r>
+            <a:r>
+              <a:rPr b="0" lang="ru-RU" sz="1800" spc="-1" strike="noStrike">
+                <a:latin typeface="Arial"/>
+              </a:rPr>
+              <a:t>о</a:t>
+            </a:r>
+            <a:r>
+              <a:rPr b="0" lang="ru-RU" sz="1800" spc="-1" strike="noStrike">
+                <a:latin typeface="Arial"/>
+              </a:rPr>
+              <a:t>ж</a:t>
+            </a:r>
+            <a:r>
+              <a:rPr b="0" lang="ru-RU" sz="1800" spc="-1" strike="noStrike">
+                <a:latin typeface="Arial"/>
+              </a:rPr>
+              <a:t>н</a:t>
+            </a:r>
+            <a:r>
+              <a:rPr b="0" lang="ru-RU" sz="1800" spc="-1" strike="noStrike">
+                <a:latin typeface="Arial"/>
+              </a:rPr>
+              <a:t>о</a:t>
+            </a:r>
+            <a:r>
+              <a:rPr b="0" lang="ru-RU" sz="1800" spc="-1" strike="noStrike">
+                <a:latin typeface="Arial"/>
+              </a:rPr>
+              <a:t> </a:t>
+            </a:r>
+            <a:r>
+              <a:rPr b="0" lang="ru-RU" sz="1800" spc="-1" strike="noStrike">
+                <a:latin typeface="Arial"/>
+              </a:rPr>
+              <a:t>п</a:t>
+            </a:r>
+            <a:r>
+              <a:rPr b="0" lang="ru-RU" sz="1800" spc="-1" strike="noStrike">
+                <a:latin typeface="Arial"/>
+              </a:rPr>
+              <a:t>о</a:t>
+            </a:r>
+            <a:r>
+              <a:rPr b="0" lang="ru-RU" sz="1800" spc="-1" strike="noStrike">
+                <a:latin typeface="Arial"/>
+              </a:rPr>
+              <a:t>с</a:t>
+            </a:r>
+            <a:r>
+              <a:rPr b="0" lang="ru-RU" sz="1800" spc="-1" strike="noStrike">
+                <a:latin typeface="Arial"/>
+              </a:rPr>
+              <a:t>м</a:t>
+            </a:r>
+            <a:r>
+              <a:rPr b="0" lang="ru-RU" sz="1800" spc="-1" strike="noStrike">
+                <a:latin typeface="Arial"/>
+              </a:rPr>
+              <a:t>о</a:t>
+            </a:r>
+            <a:r>
+              <a:rPr b="0" lang="ru-RU" sz="1800" spc="-1" strike="noStrike">
+                <a:latin typeface="Arial"/>
+              </a:rPr>
+              <a:t>т</a:t>
+            </a:r>
+            <a:r>
+              <a:rPr b="0" lang="ru-RU" sz="1800" spc="-1" strike="noStrike">
+                <a:latin typeface="Arial"/>
+              </a:rPr>
+              <a:t>р</a:t>
+            </a:r>
+            <a:r>
+              <a:rPr b="0" lang="ru-RU" sz="1800" spc="-1" strike="noStrike">
+                <a:latin typeface="Arial"/>
+              </a:rPr>
+              <a:t>е</a:t>
+            </a:r>
+            <a:r>
+              <a:rPr b="0" lang="ru-RU" sz="1800" spc="-1" strike="noStrike">
+                <a:latin typeface="Arial"/>
+              </a:rPr>
+              <a:t>т</a:t>
+            </a:r>
+            <a:r>
+              <a:rPr b="0" lang="ru-RU" sz="1800" spc="-1" strike="noStrike">
+                <a:latin typeface="Arial"/>
+              </a:rPr>
+              <a:t>ь</a:t>
+            </a:r>
+            <a:r>
+              <a:rPr b="0" lang="ru-RU" sz="1800" spc="-1" strike="noStrike">
+                <a:latin typeface="Arial"/>
+              </a:rPr>
+              <a:t> </a:t>
+            </a:r>
+            <a:r>
+              <a:rPr b="0" lang="ru-RU" sz="1800" spc="-1" strike="noStrike">
+                <a:latin typeface="Arial"/>
+              </a:rPr>
+              <a:t>с</a:t>
+            </a:r>
+            <a:r>
+              <a:rPr b="0" lang="ru-RU" sz="1800" spc="-1" strike="noStrike">
+                <a:latin typeface="Arial"/>
+              </a:rPr>
+              <a:t>т</a:t>
+            </a:r>
+            <a:r>
+              <a:rPr b="0" lang="ru-RU" sz="1800" spc="-1" strike="noStrike">
+                <a:latin typeface="Arial"/>
+              </a:rPr>
+              <a:t>а</a:t>
+            </a:r>
+            <a:r>
+              <a:rPr b="0" lang="ru-RU" sz="1800" spc="-1" strike="noStrike">
+                <a:latin typeface="Arial"/>
+              </a:rPr>
+              <a:t>т</a:t>
+            </a:r>
+            <a:r>
+              <a:rPr b="0" lang="ru-RU" sz="1800" spc="-1" strike="noStrike">
+                <a:latin typeface="Arial"/>
+              </a:rPr>
+              <a:t>у</a:t>
+            </a:r>
+            <a:r>
+              <a:rPr b="0" lang="ru-RU" sz="1800" spc="-1" strike="noStrike">
+                <a:latin typeface="Arial"/>
+              </a:rPr>
+              <a:t>с</a:t>
+            </a:r>
+            <a:r>
+              <a:rPr b="0" lang="ru-RU" sz="1800" spc="-1" strike="noStrike">
+                <a:latin typeface="Arial"/>
+              </a:rPr>
+              <a:t> </a:t>
+            </a:r>
+            <a:r>
+              <a:rPr b="0" lang="ru-RU" sz="1800" spc="-1" strike="noStrike">
+                <a:latin typeface="Arial"/>
+              </a:rPr>
+              <a:t>з</a:t>
+            </a:r>
+            <a:r>
+              <a:rPr b="0" lang="ru-RU" sz="1800" spc="-1" strike="noStrike">
+                <a:latin typeface="Arial"/>
+              </a:rPr>
+              <a:t>а</a:t>
+            </a:r>
+            <a:r>
+              <a:rPr b="0" lang="ru-RU" sz="1800" spc="-1" strike="noStrike">
+                <a:latin typeface="Arial"/>
+              </a:rPr>
+              <a:t>д</a:t>
+            </a:r>
+            <a:r>
+              <a:rPr b="0" lang="ru-RU" sz="1800" spc="-1" strike="noStrike">
+                <a:latin typeface="Arial"/>
+              </a:rPr>
+              <a:t>а</a:t>
+            </a:r>
+            <a:r>
+              <a:rPr b="0" lang="ru-RU" sz="1800" spc="-1" strike="noStrike">
+                <a:latin typeface="Arial"/>
+              </a:rPr>
+              <a:t>ч</a:t>
+            </a:r>
+            <a:r>
+              <a:rPr b="0" lang="ru-RU" sz="1800" spc="-1" strike="noStrike">
+                <a:latin typeface="Arial"/>
+              </a:rPr>
+              <a:t>и</a:t>
+            </a:r>
+            <a:r>
+              <a:rPr b="0" lang="ru-RU" sz="1800" spc="-1" strike="noStrike">
+                <a:latin typeface="Arial"/>
+              </a:rPr>
+              <a:t> </a:t>
+            </a:r>
+            <a:r>
+              <a:rPr b="0" lang="ru-RU" sz="1800" spc="-1" strike="noStrike">
+                <a:latin typeface="Arial"/>
+              </a:rPr>
+              <a:t>и</a:t>
+            </a:r>
+            <a:r>
+              <a:rPr b="0" lang="ru-RU" sz="1800" spc="-1" strike="noStrike">
+                <a:latin typeface="Arial"/>
+              </a:rPr>
+              <a:t> </a:t>
+            </a:r>
+            <a:r>
+              <a:rPr b="0" lang="ru-RU" sz="1800" spc="-1" strike="noStrike">
+                <a:latin typeface="Arial"/>
+              </a:rPr>
+              <a:t>п</a:t>
+            </a:r>
+            <a:r>
+              <a:rPr b="0" lang="ru-RU" sz="1800" spc="-1" strike="noStrike">
+                <a:latin typeface="Arial"/>
+              </a:rPr>
+              <a:t>р</a:t>
+            </a:r>
+            <a:r>
+              <a:rPr b="0" lang="ru-RU" sz="1800" spc="-1" strike="noStrike">
+                <a:latin typeface="Arial"/>
+              </a:rPr>
+              <a:t>и</a:t>
+            </a:r>
+            <a:r>
+              <a:rPr b="0" lang="ru-RU" sz="1800" spc="-1" strike="noStrike">
+                <a:latin typeface="Arial"/>
+              </a:rPr>
+              <a:t> </a:t>
+            </a:r>
+            <a:r>
+              <a:rPr b="0" lang="ru-RU" sz="1800" spc="-1" strike="noStrike">
+                <a:latin typeface="Arial"/>
+              </a:rPr>
+              <a:t>н</a:t>
+            </a:r>
+            <a:r>
+              <a:rPr b="0" lang="ru-RU" sz="1800" spc="-1" strike="noStrike">
+                <a:latin typeface="Arial"/>
+              </a:rPr>
+              <a:t>е</a:t>
+            </a:r>
+            <a:r>
+              <a:rPr b="0" lang="ru-RU" sz="1800" spc="-1" strike="noStrike">
+                <a:latin typeface="Arial"/>
+              </a:rPr>
+              <a:t>о</a:t>
+            </a:r>
+            <a:r>
+              <a:rPr b="0" lang="ru-RU" sz="1800" spc="-1" strike="noStrike">
+                <a:latin typeface="Arial"/>
+              </a:rPr>
+              <a:t>б</a:t>
+            </a:r>
+            <a:r>
+              <a:rPr b="0" lang="ru-RU" sz="1800" spc="-1" strike="noStrike">
+                <a:latin typeface="Arial"/>
+              </a:rPr>
+              <a:t>х</a:t>
+            </a:r>
+            <a:r>
+              <a:rPr b="0" lang="ru-RU" sz="1800" spc="-1" strike="noStrike">
+                <a:latin typeface="Arial"/>
+              </a:rPr>
+              <a:t>о</a:t>
+            </a:r>
+            <a:r>
+              <a:rPr b="0" lang="ru-RU" sz="1800" spc="-1" strike="noStrike">
+                <a:latin typeface="Arial"/>
+              </a:rPr>
+              <a:t>д</a:t>
+            </a:r>
+            <a:r>
+              <a:rPr b="0" lang="ru-RU" sz="1800" spc="-1" strike="noStrike">
+                <a:latin typeface="Arial"/>
+              </a:rPr>
+              <a:t>и</a:t>
+            </a:r>
+            <a:r>
+              <a:rPr b="0" lang="ru-RU" sz="1800" spc="-1" strike="noStrike">
+                <a:latin typeface="Arial"/>
+              </a:rPr>
+              <a:t>м</a:t>
+            </a:r>
+            <a:r>
+              <a:rPr b="0" lang="ru-RU" sz="1800" spc="-1" strike="noStrike">
+                <a:latin typeface="Arial"/>
+              </a:rPr>
+              <a:t>о</a:t>
+            </a:r>
+            <a:r>
+              <a:rPr b="0" lang="ru-RU" sz="1800" spc="-1" strike="noStrike">
+                <a:latin typeface="Arial"/>
+              </a:rPr>
+              <a:t>с</a:t>
+            </a:r>
+            <a:r>
+              <a:rPr b="0" lang="ru-RU" sz="1800" spc="-1" strike="noStrike">
+                <a:latin typeface="Arial"/>
+              </a:rPr>
+              <a:t>т</a:t>
+            </a:r>
+            <a:r>
+              <a:rPr b="0" lang="ru-RU" sz="1800" spc="-1" strike="noStrike">
+                <a:latin typeface="Arial"/>
+              </a:rPr>
+              <a:t>и</a:t>
+            </a:r>
+            <a:r>
+              <a:rPr b="0" lang="ru-RU" sz="1800" spc="-1" strike="noStrike">
+                <a:latin typeface="Arial"/>
+              </a:rPr>
+              <a:t> </a:t>
+            </a:r>
+            <a:r>
+              <a:rPr b="0" lang="ru-RU" sz="1800" spc="-1" strike="noStrike">
+                <a:latin typeface="Arial"/>
+              </a:rPr>
+              <a:t>с</a:t>
+            </a:r>
+            <a:r>
+              <a:rPr b="0" lang="ru-RU" sz="1800" spc="-1" strike="noStrike">
+                <a:latin typeface="Arial"/>
+              </a:rPr>
+              <a:t>н</a:t>
+            </a:r>
+            <a:r>
+              <a:rPr b="0" lang="ru-RU" sz="1800" spc="-1" strike="noStrike">
+                <a:latin typeface="Arial"/>
+              </a:rPr>
+              <a:t>я</a:t>
+            </a:r>
+            <a:r>
+              <a:rPr b="0" lang="ru-RU" sz="1800" spc="-1" strike="noStrike">
+                <a:latin typeface="Arial"/>
+              </a:rPr>
+              <a:t>т</a:t>
+            </a:r>
+            <a:r>
+              <a:rPr b="0" lang="ru-RU" sz="1800" spc="-1" strike="noStrike">
+                <a:latin typeface="Arial"/>
+              </a:rPr>
+              <a:t>ь</a:t>
+            </a:r>
+            <a:r>
+              <a:rPr b="0" lang="ru-RU" sz="1800" spc="-1" strike="noStrike">
+                <a:latin typeface="Arial"/>
+              </a:rPr>
+              <a:t> </a:t>
+            </a:r>
+            <a:r>
+              <a:rPr b="0" lang="ru-RU" sz="1800" spc="-1" strike="noStrike">
+                <a:latin typeface="Arial"/>
+              </a:rPr>
+              <a:t>с</a:t>
+            </a:r>
+            <a:r>
+              <a:rPr b="0" lang="ru-RU" sz="1800" spc="-1" strike="noStrike">
+                <a:latin typeface="Arial"/>
+              </a:rPr>
+              <a:t> </a:t>
+            </a:r>
+            <a:r>
+              <a:rPr b="0" lang="ru-RU" sz="1800" spc="-1" strike="noStrike">
+                <a:latin typeface="Arial"/>
+              </a:rPr>
+              <a:t>к</a:t>
+            </a:r>
+            <a:r>
+              <a:rPr b="0" lang="ru-RU" sz="1800" spc="-1" strike="noStrike">
+                <a:latin typeface="Arial"/>
+              </a:rPr>
+              <a:t>о</a:t>
+            </a:r>
+            <a:r>
+              <a:rPr b="0" lang="ru-RU" sz="1800" spc="-1" strike="noStrike">
+                <a:latin typeface="Arial"/>
+              </a:rPr>
+              <a:t>н</a:t>
+            </a:r>
+            <a:r>
+              <a:rPr b="0" lang="ru-RU" sz="1800" spc="-1" strike="noStrike">
+                <a:latin typeface="Arial"/>
+              </a:rPr>
+              <a:t>т</a:t>
+            </a:r>
+            <a:r>
+              <a:rPr b="0" lang="ru-RU" sz="1800" spc="-1" strike="noStrike">
+                <a:latin typeface="Arial"/>
+              </a:rPr>
+              <a:t>р</a:t>
+            </a:r>
+            <a:r>
+              <a:rPr b="0" lang="ru-RU" sz="1800" spc="-1" strike="noStrike">
+                <a:latin typeface="Arial"/>
+              </a:rPr>
+              <a:t>о</a:t>
+            </a:r>
+            <a:r>
+              <a:rPr b="0" lang="ru-RU" sz="1800" spc="-1" strike="noStrike">
+                <a:latin typeface="Arial"/>
+              </a:rPr>
+              <a:t>л</a:t>
+            </a:r>
+            <a:r>
+              <a:rPr b="0" lang="ru-RU" sz="1800" spc="-1" strike="noStrike">
+                <a:latin typeface="Arial"/>
+              </a:rPr>
+              <a:t>я</a:t>
+            </a:r>
+            <a:r>
+              <a:rPr b="0" lang="ru-RU" sz="1800" spc="-1" strike="noStrike">
+                <a:latin typeface="Arial"/>
+              </a:rPr>
+              <a:t> </a:t>
+            </a:r>
+            <a:endParaRPr b="0" lang="ru-RU" sz="1800" spc="-1" strike="noStrike">
+              <a:latin typeface="Arial"/>
+            </a:endParaRPr>
+          </a:p>
+        </p:txBody>
+      </p:sp>
+    </p:spTree>
+  </p:cSld>
+  <mc:AlternateContent>
+    <mc:Choice Requires="p14">
+      <p:transition spd="slow" p14:dur="2000"/>
+    </mc:Choice>
+    <mc:Fallback>
+      <p:transition spd="slow"/>
+    </mc:Fallback>
+  </mc:AlternateContent>
+</p:sld>
+</file>
+
+<file path=ppt/slides/slide4.xml><?xml version="1.0" encoding="utf-8"?>
+<p:sld xmlns:a="http://schemas.openxmlformats.org/drawingml/2006/main" xmlns:p="http://schemas.openxmlformats.org/presentationml/2006/main" xmlns:r="http://schemas.openxmlformats.org/officeDocument/2006/relationships" xmlns:p14="http://schemas.microsoft.com/office/powerpoint/2010/main" xmlns:p15="http://schemas.microsoft.com/office/powerpoint/2012/main" xmlns:mc="http://schemas.openxmlformats.org/markup-compatibility/2006">
+  <p:cSld>
+    <p:spTree>
+      <p:nvGrpSpPr>
+        <p:cNvPr id="1" name=""/>
+        <p:cNvGrpSpPr/>
+        <p:nvPr/>
+      </p:nvGrpSpPr>
+      <p:grpSpPr>
+        <a:xfrm>
+          <a:off x="0" y="0"/>
+          <a:ext cx="0" cy="0"/>
+          <a:chOff x="0" y="0"/>
+          <a:chExt cx="0" cy="0"/>
+        </a:xfrm>
+      </p:grpSpPr>
+      <p:pic>
+        <p:nvPicPr>
+          <p:cNvPr id="99" name="" descr=""/>
           <p:cNvPicPr/>
           <p:nvPr/>
         </p:nvPicPr>
@@ -6333,7 +7274,7 @@
         </p:blipFill>
         <p:spPr>
           <a:xfrm>
-            <a:off x="2520000" y="900000"/>
+            <a:off x="3060000" y="1080000"/>
             <a:ext cx="3228480" cy="3419280"/>
           </a:xfrm>
           <a:prstGeom prst="rect">
@@ -6346,7 +7287,7 @@
       </p:pic>
       <p:sp>
         <p:nvSpPr>
-          <p:cNvPr id="95" name=""/>
+          <p:cNvPr id="100" name=""/>
           <p:cNvSpPr/>
           <p:nvPr/>
         </p:nvSpPr>
@@ -6385,6 +7326,869 @@
                 <a:latin typeface="Arial"/>
               </a:rPr>
               <a:t>В задачи добавились вложения </a:t>
+            </a:r>
+            <a:endParaRPr b="0" lang="ru-RU" sz="1800" spc="-1" strike="noStrike">
+              <a:latin typeface="Arial"/>
+            </a:endParaRPr>
+          </a:p>
+        </p:txBody>
+      </p:sp>
+    </p:spTree>
+  </p:cSld>
+  <mc:AlternateContent>
+    <mc:Choice Requires="p14">
+      <p:transition spd="slow" p14:dur="2000"/>
+    </mc:Choice>
+    <mc:Fallback>
+      <p:transition spd="slow"/>
+    </mc:Fallback>
+  </mc:AlternateContent>
+</p:sld>
+</file>
+
+<file path=ppt/slides/slide5.xml><?xml version="1.0" encoding="utf-8"?>
+<p:sld xmlns:a="http://schemas.openxmlformats.org/drawingml/2006/main" xmlns:p="http://schemas.openxmlformats.org/presentationml/2006/main" xmlns:r="http://schemas.openxmlformats.org/officeDocument/2006/relationships" xmlns:p14="http://schemas.microsoft.com/office/powerpoint/2010/main" xmlns:p15="http://schemas.microsoft.com/office/powerpoint/2012/main" xmlns:mc="http://schemas.openxmlformats.org/markup-compatibility/2006">
+  <p:cSld>
+    <p:spTree>
+      <p:nvGrpSpPr>
+        <p:cNvPr id="1" name=""/>
+        <p:cNvGrpSpPr/>
+        <p:nvPr/>
+      </p:nvGrpSpPr>
+      <p:grpSpPr>
+        <a:xfrm>
+          <a:off x="0" y="0"/>
+          <a:ext cx="0" cy="0"/>
+          <a:chOff x="0" y="0"/>
+          <a:chExt cx="0" cy="0"/>
+        </a:xfrm>
+      </p:grpSpPr>
+      <p:pic>
+        <p:nvPicPr>
+          <p:cNvPr id="101" name="" descr=""/>
+          <p:cNvPicPr/>
+          <p:nvPr/>
+        </p:nvPicPr>
+        <p:blipFill>
+          <a:blip r:embed="rId1"/>
+          <a:stretch/>
+        </p:blipFill>
+        <p:spPr>
+          <a:xfrm>
+            <a:off x="179640" y="682920"/>
+            <a:ext cx="7740360" cy="613080"/>
+          </a:xfrm>
+          <a:prstGeom prst="rect">
+            <a:avLst/>
+          </a:prstGeom>
+          <a:ln w="0">
+            <a:noFill/>
+          </a:ln>
+        </p:spPr>
+      </p:pic>
+      <p:pic>
+        <p:nvPicPr>
+          <p:cNvPr id="102" name="" descr=""/>
+          <p:cNvPicPr/>
+          <p:nvPr/>
+        </p:nvPicPr>
+        <p:blipFill>
+          <a:blip r:embed="rId2"/>
+          <a:stretch/>
+        </p:blipFill>
+        <p:spPr>
+          <a:xfrm rot="12600">
+            <a:off x="177480" y="1613160"/>
+            <a:ext cx="7740000" cy="1217160"/>
+          </a:xfrm>
+          <a:prstGeom prst="rect">
+            <a:avLst/>
+          </a:prstGeom>
+          <a:ln w="0">
+            <a:noFill/>
+          </a:ln>
+        </p:spPr>
+      </p:pic>
+      <p:sp>
+        <p:nvSpPr>
+          <p:cNvPr id="103" name=""/>
+          <p:cNvSpPr/>
+          <p:nvPr/>
+        </p:nvSpPr>
+        <p:spPr>
+          <a:xfrm>
+            <a:off x="1980000" y="194040"/>
+            <a:ext cx="6480000" cy="345960"/>
+          </a:xfrm>
+          <a:prstGeom prst="rect">
+            <a:avLst/>
+          </a:prstGeom>
+          <a:noFill/>
+          <a:ln w="0">
+            <a:noFill/>
+          </a:ln>
+        </p:spPr>
+        <p:style>
+          <a:lnRef idx="0"/>
+          <a:fillRef idx="0"/>
+          <a:effectRef idx="0"/>
+          <a:fontRef idx="minor"/>
+        </p:style>
+        <p:txBody>
+          <a:bodyPr lIns="90000" rIns="90000" tIns="45000" bIns="45000" anchor="t">
+            <a:noAutofit/>
+          </a:bodyPr>
+          <a:p>
+            <a:pPr>
+              <a:lnSpc>
+                <a:spcPct val="100000"/>
+              </a:lnSpc>
+              <a:buNone/>
+            </a:pPr>
+            <a:r>
+              <a:rPr b="0" lang="ru-RU" sz="1800" spc="-1" strike="noStrike">
+                <a:latin typeface="Arial"/>
+              </a:rPr>
+              <a:t>Можно создавать связанные задачи  </a:t>
+            </a:r>
+            <a:endParaRPr b="0" lang="ru-RU" sz="1800" spc="-1" strike="noStrike">
+              <a:latin typeface="Arial"/>
+            </a:endParaRPr>
+          </a:p>
+        </p:txBody>
+      </p:sp>
+      <p:sp>
+        <p:nvSpPr>
+          <p:cNvPr id="104" name=""/>
+          <p:cNvSpPr/>
+          <p:nvPr/>
+        </p:nvSpPr>
+        <p:spPr>
+          <a:xfrm>
+            <a:off x="360000" y="3254040"/>
+            <a:ext cx="9360000" cy="345960"/>
+          </a:xfrm>
+          <a:prstGeom prst="rect">
+            <a:avLst/>
+          </a:prstGeom>
+          <a:noFill/>
+          <a:ln w="0">
+            <a:noFill/>
+          </a:ln>
+        </p:spPr>
+        <p:style>
+          <a:lnRef idx="0"/>
+          <a:fillRef idx="0"/>
+          <a:effectRef idx="0"/>
+          <a:fontRef idx="minor"/>
+        </p:style>
+        <p:txBody>
+          <a:bodyPr lIns="90000" rIns="90000" tIns="45000" bIns="45000" anchor="t">
+            <a:noAutofit/>
+          </a:bodyPr>
+          <a:p>
+            <a:pPr>
+              <a:lnSpc>
+                <a:spcPct val="100000"/>
+              </a:lnSpc>
+              <a:buNone/>
+            </a:pPr>
+            <a:r>
+              <a:rPr b="0" lang="ru-RU" sz="1800" spc="-1" strike="noStrike">
+                <a:latin typeface="Arial"/>
+              </a:rPr>
+              <a:t>Все исполнители из корневой будут прокидываться в </a:t>
+            </a:r>
+            <a:r>
+              <a:rPr b="0" lang="ru-RU" sz="1800" spc="-1" strike="noStrike">
+                <a:latin typeface="Arial"/>
+              </a:rPr>
+              <a:t>задачи на контроле!</a:t>
+            </a:r>
+            <a:endParaRPr b="0" lang="ru-RU" sz="1800" spc="-1" strike="noStrike">
+              <a:latin typeface="Arial"/>
+            </a:endParaRPr>
+          </a:p>
+        </p:txBody>
+      </p:sp>
+    </p:spTree>
+  </p:cSld>
+  <mc:AlternateContent>
+    <mc:Choice Requires="p14">
+      <p:transition spd="slow" p14:dur="2000"/>
+    </mc:Choice>
+    <mc:Fallback>
+      <p:transition spd="slow"/>
+    </mc:Fallback>
+  </mc:AlternateContent>
+</p:sld>
+</file>
+
+<file path=ppt/slides/slide6.xml><?xml version="1.0" encoding="utf-8"?>
+<p:sld xmlns:a="http://schemas.openxmlformats.org/drawingml/2006/main" xmlns:p="http://schemas.openxmlformats.org/presentationml/2006/main" xmlns:r="http://schemas.openxmlformats.org/officeDocument/2006/relationships" xmlns:p14="http://schemas.microsoft.com/office/powerpoint/2010/main" xmlns:p15="http://schemas.microsoft.com/office/powerpoint/2012/main" xmlns:mc="http://schemas.openxmlformats.org/markup-compatibility/2006">
+  <p:cSld>
+    <p:spTree>
+      <p:nvGrpSpPr>
+        <p:cNvPr id="1" name=""/>
+        <p:cNvGrpSpPr/>
+        <p:nvPr/>
+      </p:nvGrpSpPr>
+      <p:grpSpPr>
+        <a:xfrm>
+          <a:off x="0" y="0"/>
+          <a:ext cx="0" cy="0"/>
+          <a:chOff x="0" y="0"/>
+          <a:chExt cx="0" cy="0"/>
+        </a:xfrm>
+      </p:grpSpPr>
+      <p:pic>
+        <p:nvPicPr>
+          <p:cNvPr id="105" name="" descr=""/>
+          <p:cNvPicPr/>
+          <p:nvPr/>
+        </p:nvPicPr>
+        <p:blipFill>
+          <a:blip r:embed="rId1"/>
+          <a:stretch/>
+        </p:blipFill>
+        <p:spPr>
+          <a:xfrm>
+            <a:off x="360000" y="540000"/>
+            <a:ext cx="2232000" cy="4950360"/>
+          </a:xfrm>
+          <a:prstGeom prst="rect">
+            <a:avLst/>
+          </a:prstGeom>
+          <a:ln w="0">
+            <a:noFill/>
+          </a:ln>
+        </p:spPr>
+      </p:pic>
+      <p:sp>
+        <p:nvSpPr>
+          <p:cNvPr id="106" name=""/>
+          <p:cNvSpPr/>
+          <p:nvPr/>
+        </p:nvSpPr>
+        <p:spPr>
+          <a:xfrm>
+            <a:off x="0" y="180000"/>
+            <a:ext cx="3420000" cy="345960"/>
+          </a:xfrm>
+          <a:prstGeom prst="rect">
+            <a:avLst/>
+          </a:prstGeom>
+          <a:noFill/>
+          <a:ln w="0">
+            <a:noFill/>
+          </a:ln>
+        </p:spPr>
+        <p:style>
+          <a:lnRef idx="0"/>
+          <a:fillRef idx="0"/>
+          <a:effectRef idx="0"/>
+          <a:fontRef idx="minor"/>
+        </p:style>
+        <p:txBody>
+          <a:bodyPr lIns="90000" rIns="90000" tIns="45000" bIns="45000" anchor="t">
+            <a:noAutofit/>
+          </a:bodyPr>
+          <a:p>
+            <a:pPr>
+              <a:lnSpc>
+                <a:spcPct val="100000"/>
+              </a:lnSpc>
+              <a:buNone/>
+            </a:pPr>
+            <a:r>
+              <a:rPr b="0" lang="ru-RU" sz="1800" spc="-1" strike="noStrike">
+                <a:latin typeface="Arial"/>
+              </a:rPr>
+              <a:t>М</a:t>
+            </a:r>
+            <a:r>
+              <a:rPr b="0" lang="ru-RU" sz="1800" spc="-1" strike="noStrike">
+                <a:latin typeface="Arial"/>
+              </a:rPr>
+              <a:t>о</a:t>
+            </a:r>
+            <a:r>
+              <a:rPr b="0" lang="ru-RU" sz="1800" spc="-1" strike="noStrike">
+                <a:latin typeface="Arial"/>
+              </a:rPr>
+              <a:t>ж</a:t>
+            </a:r>
+            <a:r>
+              <a:rPr b="0" lang="ru-RU" sz="1800" spc="-1" strike="noStrike">
+                <a:latin typeface="Arial"/>
+              </a:rPr>
+              <a:t>н</a:t>
+            </a:r>
+            <a:r>
+              <a:rPr b="0" lang="ru-RU" sz="1800" spc="-1" strike="noStrike">
+                <a:latin typeface="Arial"/>
+              </a:rPr>
+              <a:t>о</a:t>
+            </a:r>
+            <a:r>
+              <a:rPr b="0" lang="ru-RU" sz="1800" spc="-1" strike="noStrike">
+                <a:latin typeface="Arial"/>
+              </a:rPr>
+              <a:t> </a:t>
+            </a:r>
+            <a:r>
+              <a:rPr b="0" lang="ru-RU" sz="1800" spc="-1" strike="noStrike">
+                <a:latin typeface="Arial"/>
+              </a:rPr>
+              <a:t>с</a:t>
+            </a:r>
+            <a:r>
+              <a:rPr b="0" lang="ru-RU" sz="1800" spc="-1" strike="noStrike">
+                <a:latin typeface="Arial"/>
+              </a:rPr>
+              <a:t>о</a:t>
+            </a:r>
+            <a:r>
+              <a:rPr b="0" lang="ru-RU" sz="1800" spc="-1" strike="noStrike">
+                <a:latin typeface="Arial"/>
+              </a:rPr>
+              <a:t>з</a:t>
+            </a:r>
+            <a:r>
+              <a:rPr b="0" lang="ru-RU" sz="1800" spc="-1" strike="noStrike">
+                <a:latin typeface="Arial"/>
+              </a:rPr>
+              <a:t>д</a:t>
+            </a:r>
+            <a:r>
+              <a:rPr b="0" lang="ru-RU" sz="1800" spc="-1" strike="noStrike">
+                <a:latin typeface="Arial"/>
+              </a:rPr>
+              <a:t>а</a:t>
+            </a:r>
+            <a:r>
+              <a:rPr b="0" lang="ru-RU" sz="1800" spc="-1" strike="noStrike">
+                <a:latin typeface="Arial"/>
+              </a:rPr>
+              <a:t>в</a:t>
+            </a:r>
+            <a:r>
+              <a:rPr b="0" lang="ru-RU" sz="1800" spc="-1" strike="noStrike">
+                <a:latin typeface="Arial"/>
+              </a:rPr>
+              <a:t>а</a:t>
+            </a:r>
+            <a:r>
+              <a:rPr b="0" lang="ru-RU" sz="1800" spc="-1" strike="noStrike">
+                <a:latin typeface="Arial"/>
+              </a:rPr>
+              <a:t>т</a:t>
+            </a:r>
+            <a:r>
+              <a:rPr b="0" lang="ru-RU" sz="1800" spc="-1" strike="noStrike">
+                <a:latin typeface="Arial"/>
+              </a:rPr>
+              <a:t>ь</a:t>
+            </a:r>
+            <a:r>
+              <a:rPr b="0" lang="ru-RU" sz="1800" spc="-1" strike="noStrike">
+                <a:latin typeface="Arial"/>
+              </a:rPr>
+              <a:t> </a:t>
+            </a:r>
+            <a:r>
+              <a:rPr b="0" lang="ru-RU" sz="1800" spc="-1" strike="noStrike">
+                <a:latin typeface="Arial"/>
+              </a:rPr>
+              <a:t>с</a:t>
+            </a:r>
+            <a:r>
+              <a:rPr b="0" lang="ru-RU" sz="1800" spc="-1" strike="noStrike">
+                <a:latin typeface="Arial"/>
+              </a:rPr>
+              <a:t>в</a:t>
+            </a:r>
+            <a:r>
+              <a:rPr b="0" lang="ru-RU" sz="1800" spc="-1" strike="noStrike">
+                <a:latin typeface="Arial"/>
+              </a:rPr>
+              <a:t>я</a:t>
+            </a:r>
+            <a:r>
+              <a:rPr b="0" lang="ru-RU" sz="1800" spc="-1" strike="noStrike">
+                <a:latin typeface="Arial"/>
+              </a:rPr>
+              <a:t>з</a:t>
+            </a:r>
+            <a:r>
+              <a:rPr b="0" lang="ru-RU" sz="1800" spc="-1" strike="noStrike">
+                <a:latin typeface="Arial"/>
+              </a:rPr>
+              <a:t>а</a:t>
+            </a:r>
+            <a:r>
+              <a:rPr b="0" lang="ru-RU" sz="1800" spc="-1" strike="noStrike">
+                <a:latin typeface="Arial"/>
+              </a:rPr>
+              <a:t>н</a:t>
+            </a:r>
+            <a:r>
+              <a:rPr b="0" lang="ru-RU" sz="1800" spc="-1" strike="noStrike">
+                <a:latin typeface="Arial"/>
+              </a:rPr>
+              <a:t>н</a:t>
+            </a:r>
+            <a:r>
+              <a:rPr b="0" lang="ru-RU" sz="1800" spc="-1" strike="noStrike">
+                <a:latin typeface="Arial"/>
+              </a:rPr>
+              <a:t>ы</a:t>
+            </a:r>
+            <a:r>
+              <a:rPr b="0" lang="ru-RU" sz="1800" spc="-1" strike="noStrike">
+                <a:latin typeface="Arial"/>
+              </a:rPr>
+              <a:t>е</a:t>
+            </a:r>
+            <a:r>
+              <a:rPr b="0" lang="ru-RU" sz="1800" spc="-1" strike="noStrike">
+                <a:latin typeface="Arial"/>
+              </a:rPr>
+              <a:t> </a:t>
+            </a:r>
+            <a:r>
+              <a:rPr b="0" lang="ru-RU" sz="1800" spc="-1" strike="noStrike">
+                <a:latin typeface="Arial"/>
+              </a:rPr>
+              <a:t>з</a:t>
+            </a:r>
+            <a:r>
+              <a:rPr b="0" lang="ru-RU" sz="1800" spc="-1" strike="noStrike">
+                <a:latin typeface="Arial"/>
+              </a:rPr>
+              <a:t>а</a:t>
+            </a:r>
+            <a:r>
+              <a:rPr b="0" lang="ru-RU" sz="1800" spc="-1" strike="noStrike">
+                <a:latin typeface="Arial"/>
+              </a:rPr>
+              <a:t>д</a:t>
+            </a:r>
+            <a:r>
+              <a:rPr b="0" lang="ru-RU" sz="1800" spc="-1" strike="noStrike">
+                <a:latin typeface="Arial"/>
+              </a:rPr>
+              <a:t>а</a:t>
+            </a:r>
+            <a:r>
+              <a:rPr b="0" lang="ru-RU" sz="1800" spc="-1" strike="noStrike">
+                <a:latin typeface="Arial"/>
+              </a:rPr>
+              <a:t>ч</a:t>
+            </a:r>
+            <a:r>
+              <a:rPr b="0" lang="ru-RU" sz="1800" spc="-1" strike="noStrike">
+                <a:latin typeface="Arial"/>
+              </a:rPr>
+              <a:t>и</a:t>
+            </a:r>
+            <a:r>
+              <a:rPr b="0" lang="ru-RU" sz="1800" spc="-1" strike="noStrike">
+                <a:latin typeface="Arial"/>
+              </a:rPr>
+              <a:t> </a:t>
+            </a:r>
+            <a:r>
+              <a:rPr b="0" lang="ru-RU" sz="1800" spc="-1" strike="noStrike">
+                <a:latin typeface="Arial"/>
+              </a:rPr>
+              <a:t> </a:t>
+            </a:r>
+            <a:endParaRPr b="0" lang="ru-RU" sz="1800" spc="-1" strike="noStrike">
+              <a:latin typeface="Arial"/>
+            </a:endParaRPr>
+          </a:p>
+        </p:txBody>
+      </p:sp>
+      <p:sp>
+        <p:nvSpPr>
+          <p:cNvPr id="107" name=""/>
+          <p:cNvSpPr/>
+          <p:nvPr/>
+        </p:nvSpPr>
+        <p:spPr>
+          <a:xfrm>
+            <a:off x="180000" y="180000"/>
+            <a:ext cx="4320000" cy="345960"/>
+          </a:xfrm>
+          <a:prstGeom prst="rect">
+            <a:avLst/>
+          </a:prstGeom>
+          <a:noFill/>
+          <a:ln w="0">
+            <a:noFill/>
+          </a:ln>
+        </p:spPr>
+        <p:style>
+          <a:lnRef idx="0"/>
+          <a:fillRef idx="0"/>
+          <a:effectRef idx="0"/>
+          <a:fontRef idx="minor"/>
+        </p:style>
+        <p:txBody>
+          <a:bodyPr lIns="90000" rIns="90000" tIns="45000" bIns="45000" anchor="t">
+            <a:noAutofit/>
+          </a:bodyPr>
+          <a:p>
+            <a:pPr>
+              <a:lnSpc>
+                <a:spcPct val="100000"/>
+              </a:lnSpc>
+              <a:buNone/>
+            </a:pPr>
+            <a:r>
+              <a:rPr b="0" lang="ru-RU" sz="1800" spc="-1" strike="noStrike">
+                <a:latin typeface="Arial"/>
+              </a:rPr>
+              <a:t>Между обращениями появилась связь </a:t>
+            </a:r>
+            <a:endParaRPr b="0" lang="ru-RU" sz="1800" spc="-1" strike="noStrike">
+              <a:latin typeface="Arial"/>
+            </a:endParaRPr>
+          </a:p>
+        </p:txBody>
+      </p:sp>
+      <p:pic>
+        <p:nvPicPr>
+          <p:cNvPr id="108" name="" descr=""/>
+          <p:cNvPicPr/>
+          <p:nvPr/>
+        </p:nvPicPr>
+        <p:blipFill>
+          <a:blip r:embed="rId2"/>
+          <a:stretch/>
+        </p:blipFill>
+        <p:spPr>
+          <a:xfrm>
+            <a:off x="4500000" y="900000"/>
+            <a:ext cx="5226120" cy="2809440"/>
+          </a:xfrm>
+          <a:prstGeom prst="rect">
+            <a:avLst/>
+          </a:prstGeom>
+          <a:ln w="0">
+            <a:noFill/>
+          </a:ln>
+        </p:spPr>
+      </p:pic>
+      <p:sp>
+        <p:nvSpPr>
+          <p:cNvPr id="109" name=""/>
+          <p:cNvSpPr/>
+          <p:nvPr/>
+        </p:nvSpPr>
+        <p:spPr>
+          <a:xfrm>
+            <a:off x="4860000" y="194040"/>
+            <a:ext cx="4320000" cy="345960"/>
+          </a:xfrm>
+          <a:prstGeom prst="rect">
+            <a:avLst/>
+          </a:prstGeom>
+          <a:noFill/>
+          <a:ln w="0">
+            <a:noFill/>
+          </a:ln>
+        </p:spPr>
+        <p:style>
+          <a:lnRef idx="0"/>
+          <a:fillRef idx="0"/>
+          <a:effectRef idx="0"/>
+          <a:fontRef idx="minor"/>
+        </p:style>
+        <p:txBody>
+          <a:bodyPr lIns="90000" rIns="90000" tIns="45000" bIns="45000" anchor="t">
+            <a:noAutofit/>
+          </a:bodyPr>
+          <a:p>
+            <a:pPr>
+              <a:lnSpc>
+                <a:spcPct val="100000"/>
+              </a:lnSpc>
+              <a:buNone/>
+            </a:pPr>
+            <a:r>
+              <a:rPr b="0" lang="ru-RU" sz="1800" spc="-1" strike="noStrike">
+                <a:latin typeface="Arial"/>
+              </a:rPr>
+              <a:t>Можно посмотреть вложения </a:t>
+            </a:r>
+            <a:endParaRPr b="0" lang="ru-RU" sz="1800" spc="-1" strike="noStrike">
+              <a:latin typeface="Arial"/>
+            </a:endParaRPr>
+          </a:p>
+        </p:txBody>
+      </p:sp>
+    </p:spTree>
+  </p:cSld>
+  <mc:AlternateContent>
+    <mc:Choice Requires="p14">
+      <p:transition spd="slow" p14:dur="2000"/>
+    </mc:Choice>
+    <mc:Fallback>
+      <p:transition spd="slow"/>
+    </mc:Fallback>
+  </mc:AlternateContent>
+</p:sld>
+</file>
+
+<file path=ppt/slides/slide7.xml><?xml version="1.0" encoding="utf-8"?>
+<p:sld xmlns:a="http://schemas.openxmlformats.org/drawingml/2006/main" xmlns:p="http://schemas.openxmlformats.org/presentationml/2006/main" xmlns:r="http://schemas.openxmlformats.org/officeDocument/2006/relationships" xmlns:p14="http://schemas.microsoft.com/office/powerpoint/2010/main" xmlns:p15="http://schemas.microsoft.com/office/powerpoint/2012/main" xmlns:mc="http://schemas.openxmlformats.org/markup-compatibility/2006">
+  <p:cSld>
+    <p:spTree>
+      <p:nvGrpSpPr>
+        <p:cNvPr id="1" name=""/>
+        <p:cNvGrpSpPr/>
+        <p:nvPr/>
+      </p:nvGrpSpPr>
+      <p:grpSpPr>
+        <a:xfrm>
+          <a:off x="0" y="0"/>
+          <a:ext cx="0" cy="0"/>
+          <a:chOff x="0" y="0"/>
+          <a:chExt cx="0" cy="0"/>
+        </a:xfrm>
+      </p:grpSpPr>
+      <p:pic>
+        <p:nvPicPr>
+          <p:cNvPr id="110" name="" descr=""/>
+          <p:cNvPicPr/>
+          <p:nvPr/>
+        </p:nvPicPr>
+        <p:blipFill>
+          <a:blip r:embed="rId1"/>
+          <a:stretch/>
+        </p:blipFill>
+        <p:spPr>
+          <a:xfrm>
+            <a:off x="360000" y="720000"/>
+            <a:ext cx="9000000" cy="2178360"/>
+          </a:xfrm>
+          <a:prstGeom prst="rect">
+            <a:avLst/>
+          </a:prstGeom>
+          <a:ln w="0">
+            <a:noFill/>
+          </a:ln>
+        </p:spPr>
+      </p:pic>
+      <p:sp>
+        <p:nvSpPr>
+          <p:cNvPr id="111" name=""/>
+          <p:cNvSpPr txBox="1"/>
+          <p:nvPr/>
+        </p:nvSpPr>
+        <p:spPr>
+          <a:xfrm>
+            <a:off x="1934280" y="193680"/>
+            <a:ext cx="5985720" cy="346320"/>
+          </a:xfrm>
+          <a:prstGeom prst="rect">
+            <a:avLst/>
+          </a:prstGeom>
+          <a:noFill/>
+          <a:ln w="0">
+            <a:noFill/>
+          </a:ln>
+        </p:spPr>
+        <p:txBody>
+          <a:bodyPr lIns="90000" rIns="90000" tIns="45000" bIns="45000" anchor="t">
+            <a:noAutofit/>
+          </a:bodyPr>
+          <a:p>
+            <a:r>
+              <a:rPr b="0" lang="ru-RU" sz="1800" spc="-1" strike="noStrike">
+                <a:latin typeface="Arial"/>
+              </a:rPr>
+              <a:t>Появилась связь созданного Тех. Задания с Задачами</a:t>
+            </a:r>
+            <a:endParaRPr b="0" lang="ru-RU" sz="1800" spc="-1" strike="noStrike">
+              <a:latin typeface="Arial"/>
+            </a:endParaRPr>
+          </a:p>
+        </p:txBody>
+      </p:sp>
+    </p:spTree>
+  </p:cSld>
+  <mc:AlternateContent>
+    <mc:Choice Requires="p14">
+      <p:transition spd="slow" p14:dur="2000"/>
+    </mc:Choice>
+    <mc:Fallback>
+      <p:transition spd="slow"/>
+    </mc:Fallback>
+  </mc:AlternateContent>
+</p:sld>
+</file>
+
+<file path=ppt/slides/slide8.xml><?xml version="1.0" encoding="utf-8"?>
+<p:sld xmlns:a="http://schemas.openxmlformats.org/drawingml/2006/main" xmlns:p="http://schemas.openxmlformats.org/presentationml/2006/main" xmlns:r="http://schemas.openxmlformats.org/officeDocument/2006/relationships" xmlns:p14="http://schemas.microsoft.com/office/powerpoint/2010/main" xmlns:p15="http://schemas.microsoft.com/office/powerpoint/2012/main" xmlns:mc="http://schemas.openxmlformats.org/markup-compatibility/2006">
+  <p:cSld>
+    <p:spTree>
+      <p:nvGrpSpPr>
+        <p:cNvPr id="1" name=""/>
+        <p:cNvGrpSpPr/>
+        <p:nvPr/>
+      </p:nvGrpSpPr>
+      <p:grpSpPr>
+        <a:xfrm>
+          <a:off x="0" y="0"/>
+          <a:ext cx="0" cy="0"/>
+          <a:chOff x="0" y="0"/>
+          <a:chExt cx="0" cy="0"/>
+        </a:xfrm>
+      </p:grpSpPr>
+      <p:pic>
+        <p:nvPicPr>
+          <p:cNvPr id="112" name="" descr=""/>
+          <p:cNvPicPr/>
+          <p:nvPr/>
+        </p:nvPicPr>
+        <p:blipFill>
+          <a:blip r:embed="rId1"/>
+          <a:stretch/>
+        </p:blipFill>
+        <p:spPr>
+          <a:xfrm>
+            <a:off x="180000" y="555120"/>
+            <a:ext cx="9195480" cy="3044880"/>
+          </a:xfrm>
+          <a:prstGeom prst="rect">
+            <a:avLst/>
+          </a:prstGeom>
+          <a:ln w="0">
+            <a:noFill/>
+          </a:ln>
+        </p:spPr>
+      </p:pic>
+      <p:sp>
+        <p:nvSpPr>
+          <p:cNvPr id="113" name=""/>
+          <p:cNvSpPr txBox="1"/>
+          <p:nvPr/>
+        </p:nvSpPr>
+        <p:spPr>
+          <a:xfrm>
+            <a:off x="70200" y="180000"/>
+            <a:ext cx="10010520" cy="346320"/>
+          </a:xfrm>
+          <a:prstGeom prst="rect">
+            <a:avLst/>
+          </a:prstGeom>
+          <a:noFill/>
+          <a:ln w="0">
+            <a:noFill/>
+          </a:ln>
+        </p:spPr>
+        <p:txBody>
+          <a:bodyPr lIns="90000" rIns="90000" tIns="45000" bIns="45000" anchor="t">
+            <a:noAutofit/>
+          </a:bodyPr>
+          <a:p>
+            <a:r>
+              <a:rPr b="0" lang="ru-RU" sz="1800" spc="-1" strike="noStrike">
+                <a:latin typeface="Arial"/>
+              </a:rPr>
+              <a:t>В тех. Задании добавлен блок активными и архивными задачами  по текущему тех заданию</a:t>
+            </a:r>
+            <a:endParaRPr b="0" lang="ru-RU" sz="1800" spc="-1" strike="noStrike">
+              <a:latin typeface="Arial"/>
+            </a:endParaRPr>
+          </a:p>
+        </p:txBody>
+      </p:sp>
+    </p:spTree>
+  </p:cSld>
+  <mc:AlternateContent>
+    <mc:Choice Requires="p14">
+      <p:transition spd="slow" p14:dur="2000"/>
+    </mc:Choice>
+    <mc:Fallback>
+      <p:transition spd="slow"/>
+    </mc:Fallback>
+  </mc:AlternateContent>
+</p:sld>
+</file>
+
+<file path=ppt/slides/slide9.xml><?xml version="1.0" encoding="utf-8"?>
+<p:sld xmlns:a="http://schemas.openxmlformats.org/drawingml/2006/main" xmlns:p="http://schemas.openxmlformats.org/presentationml/2006/main" xmlns:r="http://schemas.openxmlformats.org/officeDocument/2006/relationships" xmlns:p14="http://schemas.microsoft.com/office/powerpoint/2010/main" xmlns:p15="http://schemas.microsoft.com/office/powerpoint/2012/main" xmlns:mc="http://schemas.openxmlformats.org/markup-compatibility/2006">
+  <p:cSld>
+    <p:spTree>
+      <p:nvGrpSpPr>
+        <p:cNvPr id="1" name=""/>
+        <p:cNvGrpSpPr/>
+        <p:nvPr/>
+      </p:nvGrpSpPr>
+      <p:grpSpPr>
+        <a:xfrm>
+          <a:off x="0" y="0"/>
+          <a:ext cx="0" cy="0"/>
+          <a:chOff x="0" y="0"/>
+          <a:chExt cx="0" cy="0"/>
+        </a:xfrm>
+      </p:grpSpPr>
+      <p:pic>
+        <p:nvPicPr>
+          <p:cNvPr id="114" name="" descr=""/>
+          <p:cNvPicPr/>
+          <p:nvPr/>
+        </p:nvPicPr>
+        <p:blipFill>
+          <a:blip r:embed="rId1"/>
+          <a:stretch/>
+        </p:blipFill>
+        <p:spPr>
+          <a:xfrm>
+            <a:off x="180000" y="900000"/>
+            <a:ext cx="9555480" cy="3488760"/>
+          </a:xfrm>
+          <a:prstGeom prst="rect">
+            <a:avLst/>
+          </a:prstGeom>
+          <a:ln w="0">
+            <a:noFill/>
+          </a:ln>
+        </p:spPr>
+      </p:pic>
+      <p:sp>
+        <p:nvSpPr>
+          <p:cNvPr id="115" name=""/>
+          <p:cNvSpPr txBox="1"/>
+          <p:nvPr/>
+        </p:nvSpPr>
+        <p:spPr>
+          <a:xfrm>
+            <a:off x="1640520" y="193680"/>
+            <a:ext cx="6639480" cy="346320"/>
+          </a:xfrm>
+          <a:prstGeom prst="rect">
+            <a:avLst/>
+          </a:prstGeom>
+          <a:noFill/>
+          <a:ln w="0">
+            <a:noFill/>
+          </a:ln>
+        </p:spPr>
+        <p:txBody>
+          <a:bodyPr lIns="90000" rIns="90000" tIns="45000" bIns="45000" anchor="t">
+            <a:noAutofit/>
+          </a:bodyPr>
+          <a:p>
+            <a:r>
+              <a:rPr b="0" lang="ru-RU" sz="1800" spc="-1" strike="noStrike">
+                <a:latin typeface="Arial"/>
+              </a:rPr>
+              <a:t>В Тех. Задании появился блок с созданием связанных задач</a:t>
             </a:r>
             <a:endParaRPr b="0" lang="ru-RU" sz="1800" spc="-1" strike="noStrike">
               <a:latin typeface="Arial"/>

--- a/Презентация с релизами.pptx
+++ b/Презентация с релизами.pptx
@@ -19,6 +19,7 @@
     <p:sldId id="263" r:id="rId12"/>
     <p:sldId id="264" r:id="rId13"/>
     <p:sldId id="265" r:id="rId14"/>
+    <p:sldId id="266" r:id="rId15"/>
   </p:sldIdLst>
   <p:sldSz cx="10080625" cy="5670550"/>
   <p:notesSz cx="7559675" cy="10691813"/>
@@ -302,7 +303,7 @@
             <a:pPr algn="r">
               <a:buNone/>
             </a:pPr>
-            <a:fld id="{7194480E-903B-4883-87CB-040DD328B9E2}" type="slidenum">
+            <a:fld id="{112EE5DF-B9D8-4FB0-B90F-9C307FB7EB19}" type="slidenum">
               <a:rPr b="0" lang="ru-RU" sz="1400" spc="-1" strike="noStrike">
                 <a:latin typeface="Times New Roman"/>
               </a:rPr>
@@ -339,7 +340,7 @@
       </p:grpSpPr>
       <p:sp>
         <p:nvSpPr>
-          <p:cNvPr id="118" name="PlaceHolder 1"/>
+          <p:cNvPr id="122" name="PlaceHolder 1"/>
           <p:cNvSpPr>
             <a:spLocks noGrp="1"/>
           </p:cNvSpPr>
@@ -383,7 +384,7 @@
               </a:lnSpc>
               <a:buNone/>
             </a:pPr>
-            <a:fld id="{8E891414-B86A-4DBA-AC0F-E7FFA8096BD8}" type="slidenum">
+            <a:fld id="{476A1FF2-B177-4DBD-8672-462F29D96E67}" type="slidenum">
               <a:rPr b="0" lang="ru-RU" sz="1400" spc="-1" strike="noStrike">
                 <a:latin typeface="Arial"/>
                 <a:ea typeface="DejaVu Sans"/>
@@ -398,7 +399,7 @@
       </p:sp>
       <p:sp>
         <p:nvSpPr>
-          <p:cNvPr id="119" name="PlaceHolder 2"/>
+          <p:cNvPr id="123" name="PlaceHolder 2"/>
           <p:cNvSpPr>
             <a:spLocks noGrp="1"/>
           </p:cNvSpPr>
@@ -421,7 +422,7 @@
       </p:sp>
       <p:sp>
         <p:nvSpPr>
-          <p:cNvPr id="120" name="PlaceHolder 3"/>
+          <p:cNvPr id="124" name="PlaceHolder 3"/>
           <p:cNvSpPr>
             <a:spLocks noGrp="1"/>
           </p:cNvSpPr>
@@ -477,7 +478,7 @@
       </p:grpSpPr>
       <p:sp>
         <p:nvSpPr>
-          <p:cNvPr id="121" name="PlaceHolder 1"/>
+          <p:cNvPr id="125" name="PlaceHolder 1"/>
           <p:cNvSpPr>
             <a:spLocks noGrp="1"/>
           </p:cNvSpPr>
@@ -521,7 +522,7 @@
               </a:lnSpc>
               <a:buNone/>
             </a:pPr>
-            <a:fld id="{8900E378-168A-402C-9857-F0D2902BB71D}" type="slidenum">
+            <a:fld id="{5CB07EF0-08C1-479E-89A0-09DD92B0F464}" type="slidenum">
               <a:rPr b="0" lang="ru-RU" sz="1400" spc="-1" strike="noStrike">
                 <a:latin typeface="Arial"/>
                 <a:ea typeface="DejaVu Sans"/>
@@ -536,7 +537,7 @@
       </p:sp>
       <p:sp>
         <p:nvSpPr>
-          <p:cNvPr id="122" name="PlaceHolder 2"/>
+          <p:cNvPr id="126" name="PlaceHolder 2"/>
           <p:cNvSpPr>
             <a:spLocks noGrp="1"/>
           </p:cNvSpPr>
@@ -559,7 +560,7 @@
       </p:sp>
       <p:sp>
         <p:nvSpPr>
-          <p:cNvPr id="123" name="PlaceHolder 3"/>
+          <p:cNvPr id="127" name="PlaceHolder 3"/>
           <p:cNvSpPr>
             <a:spLocks noGrp="1"/>
           </p:cNvSpPr>
@@ -647,7 +648,7 @@
         <p:txBody>
           <a:bodyPr/>
           <a:p>
-            <a:fld id="{D0ABD90D-E955-418A-9851-1459ED92511B}" type="slidenum">
+            <a:fld id="{CCD754CA-59BD-4139-B7D3-65C1C95C9DDC}" type="slidenum">
               <a:t>&lt;#&gt;</a:t>
             </a:fld>
           </a:p>
@@ -835,7 +836,7 @@
         <p:txBody>
           <a:bodyPr/>
           <a:p>
-            <a:fld id="{5BDF6967-E9AA-462E-AA71-46A7A3D5F240}" type="slidenum">
+            <a:fld id="{AFC02151-0623-439D-BFE8-61BD13C3429E}" type="slidenum">
               <a:t>&lt;#&gt;</a:t>
             </a:fld>
           </a:p>
@@ -1091,7 +1092,7 @@
         <p:txBody>
           <a:bodyPr/>
           <a:p>
-            <a:fld id="{F63A0AF6-81D7-4EF9-84DC-BBDCCD7A228E}" type="slidenum">
+            <a:fld id="{1627BC12-A2E0-42DF-A209-3AA913E6D316}" type="slidenum">
               <a:t>&lt;#&gt;</a:t>
             </a:fld>
           </a:p>
@@ -1415,7 +1416,7 @@
         <p:txBody>
           <a:bodyPr/>
           <a:p>
-            <a:fld id="{78D3BE15-4814-4343-AB30-81826A8680E3}" type="slidenum">
+            <a:fld id="{EF688CBE-A3C6-401C-BE66-D14B9356E227}" type="slidenum">
               <a:t>&lt;#&gt;</a:t>
             </a:fld>
           </a:p>
@@ -1498,7 +1499,7 @@
         <p:txBody>
           <a:bodyPr/>
           <a:p>
-            <a:fld id="{C915B2E0-54CC-4006-8335-3D33F25E9C95}" type="slidenum">
+            <a:fld id="{D43C1396-B51D-4811-BD9A-0DFA012E2C40}" type="slidenum">
               <a:t>&lt;#&gt;</a:t>
             </a:fld>
           </a:p>
@@ -1655,7 +1656,7 @@
         <p:txBody>
           <a:bodyPr/>
           <a:p>
-            <a:fld id="{9620A699-D20D-470E-A2C8-FD65FBEDA0AA}" type="slidenum">
+            <a:fld id="{B3D09D33-26EE-4E73-9ECD-602D5AFECBF4}" type="slidenum">
               <a:t>&lt;#&gt;</a:t>
             </a:fld>
           </a:p>
@@ -1809,7 +1810,7 @@
         <p:txBody>
           <a:bodyPr/>
           <a:p>
-            <a:fld id="{4EB462DA-B420-46B8-8169-D8F3A368A9A5}" type="slidenum">
+            <a:fld id="{6047346B-E2B0-453C-B37D-575087A99ED6}" type="slidenum">
               <a:t>&lt;#&gt;</a:t>
             </a:fld>
           </a:p>
@@ -1997,7 +1998,7 @@
         <p:txBody>
           <a:bodyPr/>
           <a:p>
-            <a:fld id="{80D4A325-A050-480A-AA94-9AFE94D705F0}" type="slidenum">
+            <a:fld id="{D647ADFE-E07D-4EEE-955C-29D3901B12A1}" type="slidenum">
               <a:t>&lt;#&gt;</a:t>
             </a:fld>
           </a:p>
@@ -2117,7 +2118,7 @@
         <p:txBody>
           <a:bodyPr/>
           <a:p>
-            <a:fld id="{DDF1018E-4130-4B2A-AC4B-5B79D711E96F}" type="slidenum">
+            <a:fld id="{43CEB611-A368-42C3-A4C5-06D09345604C}" type="slidenum">
               <a:t>&lt;#&gt;</a:t>
             </a:fld>
           </a:p>
@@ -2237,7 +2238,7 @@
         <p:txBody>
           <a:bodyPr/>
           <a:p>
-            <a:fld id="{7E7696AD-D4B5-48B1-AE01-D48473DF9230}" type="slidenum">
+            <a:fld id="{B6E538B3-4F30-4FCB-8B91-304A7EAE8921}" type="slidenum">
               <a:t>&lt;#&gt;</a:t>
             </a:fld>
           </a:p>
@@ -2459,7 +2460,7 @@
         <p:txBody>
           <a:bodyPr/>
           <a:p>
-            <a:fld id="{D41BE7F8-618E-4647-8FA6-15C736FDDACD}" type="slidenum">
+            <a:fld id="{8BA41A5C-DAE6-4695-8C7C-BDF7C4CB799B}" type="slidenum">
               <a:t>&lt;#&gt;</a:t>
             </a:fld>
           </a:p>
@@ -2616,7 +2617,7 @@
         <p:txBody>
           <a:bodyPr/>
           <a:p>
-            <a:fld id="{4F82F899-28C9-43B9-BFD5-CB437CCCE0F9}" type="slidenum">
+            <a:fld id="{E191AEF6-DDD2-431E-9A7B-E3CC891A141E}" type="slidenum">
               <a:t>&lt;#&gt;</a:t>
             </a:fld>
           </a:p>
@@ -2838,7 +2839,7 @@
         <p:txBody>
           <a:bodyPr/>
           <a:p>
-            <a:fld id="{355B78D6-4A23-45EC-B84C-E98256BADAE6}" type="slidenum">
+            <a:fld id="{BBDEE282-784C-451D-B175-7156B007B5AA}" type="slidenum">
               <a:t>&lt;#&gt;</a:t>
             </a:fld>
           </a:p>
@@ -3060,7 +3061,7 @@
         <p:txBody>
           <a:bodyPr/>
           <a:p>
-            <a:fld id="{4634FDBA-913B-4083-A07E-67AFB97280B4}" type="slidenum">
+            <a:fld id="{4B683CED-268F-4A77-BA14-E58CF3A872E8}" type="slidenum">
               <a:t>&lt;#&gt;</a:t>
             </a:fld>
           </a:p>
@@ -3248,7 +3249,7 @@
         <p:txBody>
           <a:bodyPr/>
           <a:p>
-            <a:fld id="{958EEAFA-36CE-432A-B5B8-11AEA8340F89}" type="slidenum">
+            <a:fld id="{4D01581B-1FB7-4D64-9464-A3EDB7B4F017}" type="slidenum">
               <a:t>&lt;#&gt;</a:t>
             </a:fld>
           </a:p>
@@ -3504,7 +3505,7 @@
         <p:txBody>
           <a:bodyPr/>
           <a:p>
-            <a:fld id="{1C8C338A-CFC8-4DBF-AEA4-F504FE480461}" type="slidenum">
+            <a:fld id="{643D1E1C-DD93-4588-BBA0-AE0BE8AA7263}" type="slidenum">
               <a:t>&lt;#&gt;</a:t>
             </a:fld>
           </a:p>
@@ -3828,7 +3829,7 @@
         <p:txBody>
           <a:bodyPr/>
           <a:p>
-            <a:fld id="{E50D1E30-4DA1-4ABD-BC81-A7497EBC9E6E}" type="slidenum">
+            <a:fld id="{5030AF0A-ADEC-4ADA-A007-2BA58DA751E6}" type="slidenum">
               <a:t>&lt;#&gt;</a:t>
             </a:fld>
           </a:p>
@@ -3982,7 +3983,7 @@
         <p:txBody>
           <a:bodyPr/>
           <a:p>
-            <a:fld id="{35BDE951-F54D-4082-A0C4-8104D19F4D1E}" type="slidenum">
+            <a:fld id="{7CF2A55D-A28D-4653-9354-E476553EA368}" type="slidenum">
               <a:t>&lt;#&gt;</a:t>
             </a:fld>
           </a:p>
@@ -4170,7 +4171,7 @@
         <p:txBody>
           <a:bodyPr/>
           <a:p>
-            <a:fld id="{26279D96-8E93-4928-B3A9-1BEF6ED45729}" type="slidenum">
+            <a:fld id="{CF041710-D8B1-4B32-97B2-DD1BF4727867}" type="slidenum">
               <a:t>&lt;#&gt;</a:t>
             </a:fld>
           </a:p>
@@ -4290,7 +4291,7 @@
         <p:txBody>
           <a:bodyPr/>
           <a:p>
-            <a:fld id="{3BD514A2-EA64-49DC-B0BC-8D2B59FC7DFB}" type="slidenum">
+            <a:fld id="{A765E0C5-D9DA-4566-B45A-873C1ADFAC49}" type="slidenum">
               <a:t>&lt;#&gt;</a:t>
             </a:fld>
           </a:p>
@@ -4410,7 +4411,7 @@
         <p:txBody>
           <a:bodyPr/>
           <a:p>
-            <a:fld id="{F4E2CD9E-F7AA-4C51-B3FD-F23522430940}" type="slidenum">
+            <a:fld id="{B5F77E60-29D3-42EB-8048-B2683E251AD9}" type="slidenum">
               <a:t>&lt;#&gt;</a:t>
             </a:fld>
           </a:p>
@@ -4632,7 +4633,7 @@
         <p:txBody>
           <a:bodyPr/>
           <a:p>
-            <a:fld id="{7D98C799-AD1A-4F5C-B947-D925F9CF290A}" type="slidenum">
+            <a:fld id="{6EF76F2F-0AE9-490C-BBC9-D11E1B83BCA8}" type="slidenum">
               <a:t>&lt;#&gt;</a:t>
             </a:fld>
           </a:p>
@@ -4854,7 +4855,7 @@
         <p:txBody>
           <a:bodyPr/>
           <a:p>
-            <a:fld id="{373EA8B4-974C-4AFF-BA75-C63C6DB94E33}" type="slidenum">
+            <a:fld id="{C15D16AF-5052-49DF-BA5C-59EF7643885A}" type="slidenum">
               <a:t>&lt;#&gt;</a:t>
             </a:fld>
           </a:p>
@@ -5076,7 +5077,7 @@
         <p:txBody>
           <a:bodyPr/>
           <a:p>
-            <a:fld id="{97B1244D-7CAE-4EEC-AEC0-18BD9B723E3F}" type="slidenum">
+            <a:fld id="{6B5BD6AE-15F7-4CC1-816C-8E2E48867610}" type="slidenum">
               <a:t>&lt;#&gt;</a:t>
             </a:fld>
           </a:p>
@@ -5237,7 +5238,7 @@
               </a:lnSpc>
               <a:buNone/>
             </a:pPr>
-            <a:fld id="{38822C1A-E417-40CC-AB96-9CA90C3BE3D9}" type="slidenum">
+            <a:fld id="{BF5749FF-8D64-402C-8083-9C26BF4CA084}" type="slidenum">
               <a:rPr b="0" lang="ru-RU" sz="989" spc="-1" strike="noStrike">
                 <a:solidFill>
                   <a:srgbClr val="8b8b8b"/>
@@ -5674,7 +5675,7 @@
               </a:lnSpc>
               <a:buNone/>
             </a:pPr>
-            <a:fld id="{8946FCD5-FFD4-4ADA-BDA4-2A5778197C8B}" type="slidenum">
+            <a:fld id="{76749DD8-557F-4CAA-802C-A6D67BCAC3CA}" type="slidenum">
               <a:rPr b="0" lang="ru-RU" sz="989" spc="-1" strike="noStrike">
                 <a:solidFill>
                   <a:srgbClr val="8b8b8b"/>
@@ -6115,7 +6116,7 @@
               <a:rPr b="0" lang="ru-RU" sz="1800" spc="-1" strike="noStrike">
                 <a:latin typeface="Arial"/>
               </a:rPr>
-              <a:t>Добавился раздел с задачами по работам ППР. По каждой из работ можно создать отдельную задачу на группу исполнителей, следить за ней через раздел задач и добавлять вложения.</a:t>
+              <a:t>Добавился раздел с задачами по работам ППР. По каждой из работ можно создать отдельную задачу на группу исполнителей, следить за ней через раздел задач и ТЗ, а так же добавлять вложения.</a:t>
             </a:r>
             <a:endParaRPr b="0" lang="ru-RU" sz="1800" spc="-1" strike="noStrike">
               <a:latin typeface="Arial"/>
@@ -6146,6 +6147,154 @@
           </a:ln>
         </p:spPr>
       </p:pic>
+    </p:spTree>
+  </p:cSld>
+  <mc:AlternateContent>
+    <mc:Choice Requires="p14">
+      <p:transition spd="slow" p14:dur="2000"/>
+    </mc:Choice>
+    <mc:Fallback>
+      <p:transition spd="slow"/>
+    </mc:Fallback>
+  </mc:AlternateContent>
+</p:sld>
+</file>
+
+<file path=ppt/slides/slide11.xml><?xml version="1.0" encoding="utf-8"?>
+<p:sld xmlns:a="http://schemas.openxmlformats.org/drawingml/2006/main" xmlns:p="http://schemas.openxmlformats.org/presentationml/2006/main" xmlns:r="http://schemas.openxmlformats.org/officeDocument/2006/relationships" xmlns:p14="http://schemas.microsoft.com/office/powerpoint/2010/main" xmlns:p15="http://schemas.microsoft.com/office/powerpoint/2012/main" xmlns:mc="http://schemas.openxmlformats.org/markup-compatibility/2006">
+  <p:cSld>
+    <p:spTree>
+      <p:nvGrpSpPr>
+        <p:cNvPr id="1" name=""/>
+        <p:cNvGrpSpPr/>
+        <p:nvPr/>
+      </p:nvGrpSpPr>
+      <p:grpSpPr>
+        <a:xfrm>
+          <a:off x="0" y="0"/>
+          <a:ext cx="0" cy="0"/>
+          <a:chOff x="0" y="0"/>
+          <a:chExt cx="0" cy="0"/>
+        </a:xfrm>
+      </p:grpSpPr>
+      <p:pic>
+        <p:nvPicPr>
+          <p:cNvPr id="118" name="" descr=""/>
+          <p:cNvPicPr/>
+          <p:nvPr/>
+        </p:nvPicPr>
+        <p:blipFill>
+          <a:blip r:embed="rId1"/>
+          <a:stretch/>
+        </p:blipFill>
+        <p:spPr>
+          <a:xfrm>
+            <a:off x="540000" y="475560"/>
+            <a:ext cx="8915040" cy="2152440"/>
+          </a:xfrm>
+          <a:prstGeom prst="rect">
+            <a:avLst/>
+          </a:prstGeom>
+          <a:ln w="0">
+            <a:noFill/>
+          </a:ln>
+        </p:spPr>
+      </p:pic>
+      <p:sp>
+        <p:nvSpPr>
+          <p:cNvPr id="119" name=""/>
+          <p:cNvSpPr txBox="1"/>
+          <p:nvPr/>
+        </p:nvSpPr>
+        <p:spPr>
+          <a:xfrm>
+            <a:off x="2340000" y="153360"/>
+            <a:ext cx="3434400" cy="346320"/>
+          </a:xfrm>
+          <a:prstGeom prst="rect">
+            <a:avLst/>
+          </a:prstGeom>
+          <a:noFill/>
+          <a:ln w="0">
+            <a:noFill/>
+          </a:ln>
+        </p:spPr>
+        <p:txBody>
+          <a:bodyPr lIns="90000" rIns="90000" tIns="45000" bIns="45000" anchor="t">
+            <a:noAutofit/>
+          </a:bodyPr>
+          <a:p>
+            <a:r>
+              <a:rPr b="0" lang="ru-RU" sz="1800" spc="-1" strike="noStrike">
+                <a:latin typeface="Arial"/>
+              </a:rPr>
+              <a:t>Доработали главную страницу</a:t>
+            </a:r>
+            <a:endParaRPr b="0" lang="ru-RU" sz="1800" spc="-1" strike="noStrike">
+              <a:latin typeface="Arial"/>
+            </a:endParaRPr>
+          </a:p>
+        </p:txBody>
+      </p:sp>
+      <p:pic>
+        <p:nvPicPr>
+          <p:cNvPr id="120" name="" descr=""/>
+          <p:cNvPicPr/>
+          <p:nvPr/>
+        </p:nvPicPr>
+        <p:blipFill>
+          <a:blip r:embed="rId2"/>
+          <a:stretch/>
+        </p:blipFill>
+        <p:spPr>
+          <a:xfrm>
+            <a:off x="653400" y="2988000"/>
+            <a:ext cx="8886600" cy="2571480"/>
+          </a:xfrm>
+          <a:prstGeom prst="rect">
+            <a:avLst/>
+          </a:prstGeom>
+          <a:ln w="0">
+            <a:noFill/>
+          </a:ln>
+        </p:spPr>
+      </p:pic>
+      <p:sp>
+        <p:nvSpPr>
+          <p:cNvPr id="121" name=""/>
+          <p:cNvSpPr txBox="1"/>
+          <p:nvPr/>
+        </p:nvSpPr>
+        <p:spPr>
+          <a:xfrm>
+            <a:off x="2880000" y="2628000"/>
+            <a:ext cx="3739320" cy="346320"/>
+          </a:xfrm>
+          <a:prstGeom prst="rect">
+            <a:avLst/>
+          </a:prstGeom>
+          <a:noFill/>
+          <a:ln w="0">
+            <a:noFill/>
+          </a:ln>
+        </p:spPr>
+        <p:txBody>
+          <a:bodyPr lIns="90000" rIns="90000" tIns="45000" bIns="45000" anchor="t">
+            <a:noAutofit/>
+          </a:bodyPr>
+          <a:p>
+            <a:r>
+              <a:rPr b="0" lang="ru-RU" sz="1800" spc="-1" strike="noStrike">
+                <a:latin typeface="Arial"/>
+              </a:rPr>
+              <a:t>Доработали фильтры по задачам</a:t>
+            </a:r>
+            <a:endParaRPr b="0" lang="ru-RU" sz="1800" spc="-1" strike="noStrike">
+              <a:latin typeface="Arial"/>
+            </a:endParaRPr>
+          </a:p>
+        </p:txBody>
+      </p:sp>
     </p:spTree>
   </p:cSld>
   <mc:AlternateContent>
